--- a/table_s_2_9b.pptx
+++ b/table_s_2_9b.pptx
@@ -2,12 +2,12 @@
 <file path=ppt/presentation.xml><?xml version="1.0" encoding="utf-8"?>
 <p:presentation xmlns:a="http://schemas.openxmlformats.org/drawingml/2006/main" xmlns:r="http://schemas.openxmlformats.org/officeDocument/2006/relationships" xmlns:p="http://schemas.openxmlformats.org/presentationml/2006/main" saveSubsetFonts="1">
   <p:sldMasterIdLst>
-    <p:sldMasterId id="2147483744" r:id="rId1"/>
+    <p:sldMasterId id="2147483756" r:id="rId1"/>
   </p:sldMasterIdLst>
   <p:sldIdLst>
     <p:sldId id="256" r:id="rId2"/>
   </p:sldIdLst>
-  <p:sldSz cx="6858000" cy="8504238"/>
+  <p:sldSz cx="5943600" cy="8229600"/>
   <p:notesSz cx="6858000" cy="9144000"/>
   <p:defaultTextStyle>
     <a:defPPr>
@@ -141,15 +141,15 @@
         </p:nvSpPr>
         <p:spPr>
           <a:xfrm>
-            <a:off x="514350" y="1391782"/>
-            <a:ext cx="5829300" cy="2960735"/>
+            <a:off x="445770" y="1346836"/>
+            <a:ext cx="5052060" cy="2865120"/>
           </a:xfrm>
         </p:spPr>
         <p:txBody>
           <a:bodyPr anchor="b"/>
           <a:lstStyle>
             <a:lvl1pPr algn="ctr">
-              <a:defRPr sz="4500"/>
+              <a:defRPr sz="3900"/>
             </a:lvl1pPr>
           </a:lstStyle>
           <a:p>
@@ -173,8 +173,8 @@
         </p:nvSpPr>
         <p:spPr>
           <a:xfrm>
-            <a:off x="857250" y="4466694"/>
-            <a:ext cx="5143500" cy="2053222"/>
+            <a:off x="742950" y="4322446"/>
+            <a:ext cx="4457700" cy="1986914"/>
           </a:xfrm>
         </p:spPr>
         <p:txBody>
@@ -182,39 +182,39 @@
           <a:lstStyle>
             <a:lvl1pPr marL="0" indent="0" algn="ctr">
               <a:buNone/>
-              <a:defRPr sz="1800"/>
+              <a:defRPr sz="1560"/>
             </a:lvl1pPr>
-            <a:lvl2pPr marL="342900" indent="0" algn="ctr">
+            <a:lvl2pPr marL="297180" indent="0" algn="ctr">
               <a:buNone/>
-              <a:defRPr sz="1500"/>
+              <a:defRPr sz="1300"/>
             </a:lvl2pPr>
-            <a:lvl3pPr marL="685800" indent="0" algn="ctr">
+            <a:lvl3pPr marL="594360" indent="0" algn="ctr">
               <a:buNone/>
-              <a:defRPr sz="1350"/>
+              <a:defRPr sz="1170"/>
             </a:lvl3pPr>
-            <a:lvl4pPr marL="1028700" indent="0" algn="ctr">
+            <a:lvl4pPr marL="891540" indent="0" algn="ctr">
               <a:buNone/>
-              <a:defRPr sz="1200"/>
+              <a:defRPr sz="1040"/>
             </a:lvl4pPr>
-            <a:lvl5pPr marL="1371600" indent="0" algn="ctr">
+            <a:lvl5pPr marL="1188720" indent="0" algn="ctr">
               <a:buNone/>
-              <a:defRPr sz="1200"/>
+              <a:defRPr sz="1040"/>
             </a:lvl5pPr>
-            <a:lvl6pPr marL="1714500" indent="0" algn="ctr">
+            <a:lvl6pPr marL="1485900" indent="0" algn="ctr">
               <a:buNone/>
-              <a:defRPr sz="1200"/>
+              <a:defRPr sz="1040"/>
             </a:lvl6pPr>
-            <a:lvl7pPr marL="2057400" indent="0" algn="ctr">
+            <a:lvl7pPr marL="1783080" indent="0" algn="ctr">
               <a:buNone/>
-              <a:defRPr sz="1200"/>
+              <a:defRPr sz="1040"/>
             </a:lvl7pPr>
-            <a:lvl8pPr marL="2400300" indent="0" algn="ctr">
+            <a:lvl8pPr marL="2080260" indent="0" algn="ctr">
               <a:buNone/>
-              <a:defRPr sz="1200"/>
+              <a:defRPr sz="1040"/>
             </a:lvl8pPr>
-            <a:lvl9pPr marL="2743200" indent="0" algn="ctr">
+            <a:lvl9pPr marL="2377440" indent="0" algn="ctr">
               <a:buNone/>
-              <a:defRPr sz="1200"/>
+              <a:defRPr sz="1040"/>
             </a:lvl9pPr>
           </a:lstStyle>
           <a:p>
@@ -243,7 +243,7 @@
           <a:p>
             <a:fld id="{9E99647D-1C99-4C31-AAA6-6EEC540FEA86}" type="datetimeFigureOut">
               <a:rPr lang="en-US" smtClean="0"/>
-              <a:t>5/15/2023</a:t>
+              <a:t>5/16/2023</a:t>
             </a:fld>
             <a:endParaRPr lang="en-US"/>
           </a:p>
@@ -294,7 +294,7 @@
     </p:spTree>
     <p:extLst>
       <p:ext uri="{BB962C8B-B14F-4D97-AF65-F5344CB8AC3E}">
-        <p14:creationId xmlns:p14="http://schemas.microsoft.com/office/powerpoint/2010/main" val="1276958317"/>
+        <p14:creationId xmlns:p14="http://schemas.microsoft.com/office/powerpoint/2010/main" val="99044867"/>
       </p:ext>
     </p:extLst>
   </p:cSld>
@@ -413,7 +413,7 @@
           <a:p>
             <a:fld id="{9E99647D-1C99-4C31-AAA6-6EEC540FEA86}" type="datetimeFigureOut">
               <a:rPr lang="en-US" smtClean="0"/>
-              <a:t>5/15/2023</a:t>
+              <a:t>5/16/2023</a:t>
             </a:fld>
             <a:endParaRPr lang="en-US"/>
           </a:p>
@@ -464,7 +464,7 @@
     </p:spTree>
     <p:extLst>
       <p:ext uri="{BB962C8B-B14F-4D97-AF65-F5344CB8AC3E}">
-        <p14:creationId xmlns:p14="http://schemas.microsoft.com/office/powerpoint/2010/main" val="2559257677"/>
+        <p14:creationId xmlns:p14="http://schemas.microsoft.com/office/powerpoint/2010/main" val="523790332"/>
       </p:ext>
     </p:extLst>
   </p:cSld>
@@ -503,8 +503,8 @@
         </p:nvSpPr>
         <p:spPr>
           <a:xfrm>
-            <a:off x="4907757" y="452772"/>
-            <a:ext cx="1478756" cy="7206949"/>
+            <a:off x="4253389" y="438150"/>
+            <a:ext cx="1281589" cy="6974206"/>
           </a:xfrm>
         </p:spPr>
         <p:txBody>
@@ -531,8 +531,8 @@
         </p:nvSpPr>
         <p:spPr>
           <a:xfrm>
-            <a:off x="471488" y="452772"/>
-            <a:ext cx="4350544" cy="7206949"/>
+            <a:off x="408623" y="438150"/>
+            <a:ext cx="3770471" cy="6974206"/>
           </a:xfrm>
         </p:spPr>
         <p:txBody>
@@ -593,7 +593,7 @@
           <a:p>
             <a:fld id="{9E99647D-1C99-4C31-AAA6-6EEC540FEA86}" type="datetimeFigureOut">
               <a:rPr lang="en-US" smtClean="0"/>
-              <a:t>5/15/2023</a:t>
+              <a:t>5/16/2023</a:t>
             </a:fld>
             <a:endParaRPr lang="en-US"/>
           </a:p>
@@ -644,7 +644,7 @@
     </p:spTree>
     <p:extLst>
       <p:ext uri="{BB962C8B-B14F-4D97-AF65-F5344CB8AC3E}">
-        <p14:creationId xmlns:p14="http://schemas.microsoft.com/office/powerpoint/2010/main" val="1174873099"/>
+        <p14:creationId xmlns:p14="http://schemas.microsoft.com/office/powerpoint/2010/main" val="846297913"/>
       </p:ext>
     </p:extLst>
   </p:cSld>
@@ -763,7 +763,7 @@
           <a:p>
             <a:fld id="{9E99647D-1C99-4C31-AAA6-6EEC540FEA86}" type="datetimeFigureOut">
               <a:rPr lang="en-US" smtClean="0"/>
-              <a:t>5/15/2023</a:t>
+              <a:t>5/16/2023</a:t>
             </a:fld>
             <a:endParaRPr lang="en-US"/>
           </a:p>
@@ -814,7 +814,7 @@
     </p:spTree>
     <p:extLst>
       <p:ext uri="{BB962C8B-B14F-4D97-AF65-F5344CB8AC3E}">
-        <p14:creationId xmlns:p14="http://schemas.microsoft.com/office/powerpoint/2010/main" val="2564080393"/>
+        <p14:creationId xmlns:p14="http://schemas.microsoft.com/office/powerpoint/2010/main" val="2046575437"/>
       </p:ext>
     </p:extLst>
   </p:cSld>
@@ -853,15 +853,15 @@
         </p:nvSpPr>
         <p:spPr>
           <a:xfrm>
-            <a:off x="467916" y="2120156"/>
-            <a:ext cx="5915025" cy="3537526"/>
+            <a:off x="405527" y="2051688"/>
+            <a:ext cx="5126355" cy="3423284"/>
           </a:xfrm>
         </p:spPr>
         <p:txBody>
           <a:bodyPr anchor="b"/>
           <a:lstStyle>
             <a:lvl1pPr>
-              <a:defRPr sz="4500"/>
+              <a:defRPr sz="3900"/>
             </a:lvl1pPr>
           </a:lstStyle>
           <a:p>
@@ -885,8 +885,8 @@
         </p:nvSpPr>
         <p:spPr>
           <a:xfrm>
-            <a:off x="467916" y="5691149"/>
-            <a:ext cx="5915025" cy="1860301"/>
+            <a:off x="405527" y="5507358"/>
+            <a:ext cx="5126355" cy="1800224"/>
           </a:xfrm>
         </p:spPr>
         <p:txBody>
@@ -894,15 +894,15 @@
           <a:lstStyle>
             <a:lvl1pPr marL="0" indent="0">
               <a:buNone/>
-              <a:defRPr sz="1800">
+              <a:defRPr sz="1560">
                 <a:solidFill>
                   <a:schemeClr val="tx1"/>
                 </a:solidFill>
               </a:defRPr>
             </a:lvl1pPr>
-            <a:lvl2pPr marL="342900" indent="0">
+            <a:lvl2pPr marL="297180" indent="0">
               <a:buNone/>
-              <a:defRPr sz="1500">
+              <a:defRPr sz="1300">
                 <a:solidFill>
                   <a:schemeClr val="tx1">
                     <a:tint val="75000"/>
@@ -910,9 +910,9 @@
                 </a:solidFill>
               </a:defRPr>
             </a:lvl2pPr>
-            <a:lvl3pPr marL="685800" indent="0">
+            <a:lvl3pPr marL="594360" indent="0">
               <a:buNone/>
-              <a:defRPr sz="1350">
+              <a:defRPr sz="1170">
                 <a:solidFill>
                   <a:schemeClr val="tx1">
                     <a:tint val="75000"/>
@@ -920,9 +920,9 @@
                 </a:solidFill>
               </a:defRPr>
             </a:lvl3pPr>
-            <a:lvl4pPr marL="1028700" indent="0">
+            <a:lvl4pPr marL="891540" indent="0">
               <a:buNone/>
-              <a:defRPr sz="1200">
+              <a:defRPr sz="1040">
                 <a:solidFill>
                   <a:schemeClr val="tx1">
                     <a:tint val="75000"/>
@@ -930,9 +930,9 @@
                 </a:solidFill>
               </a:defRPr>
             </a:lvl4pPr>
-            <a:lvl5pPr marL="1371600" indent="0">
+            <a:lvl5pPr marL="1188720" indent="0">
               <a:buNone/>
-              <a:defRPr sz="1200">
+              <a:defRPr sz="1040">
                 <a:solidFill>
                   <a:schemeClr val="tx1">
                     <a:tint val="75000"/>
@@ -940,9 +940,9 @@
                 </a:solidFill>
               </a:defRPr>
             </a:lvl5pPr>
-            <a:lvl6pPr marL="1714500" indent="0">
+            <a:lvl6pPr marL="1485900" indent="0">
               <a:buNone/>
-              <a:defRPr sz="1200">
+              <a:defRPr sz="1040">
                 <a:solidFill>
                   <a:schemeClr val="tx1">
                     <a:tint val="75000"/>
@@ -950,9 +950,9 @@
                 </a:solidFill>
               </a:defRPr>
             </a:lvl6pPr>
-            <a:lvl7pPr marL="2057400" indent="0">
+            <a:lvl7pPr marL="1783080" indent="0">
               <a:buNone/>
-              <a:defRPr sz="1200">
+              <a:defRPr sz="1040">
                 <a:solidFill>
                   <a:schemeClr val="tx1">
                     <a:tint val="75000"/>
@@ -960,9 +960,9 @@
                 </a:solidFill>
               </a:defRPr>
             </a:lvl7pPr>
-            <a:lvl8pPr marL="2400300" indent="0">
+            <a:lvl8pPr marL="2080260" indent="0">
               <a:buNone/>
-              <a:defRPr sz="1200">
+              <a:defRPr sz="1040">
                 <a:solidFill>
                   <a:schemeClr val="tx1">
                     <a:tint val="75000"/>
@@ -970,9 +970,9 @@
                 </a:solidFill>
               </a:defRPr>
             </a:lvl8pPr>
-            <a:lvl9pPr marL="2743200" indent="0">
+            <a:lvl9pPr marL="2377440" indent="0">
               <a:buNone/>
-              <a:defRPr sz="1200">
+              <a:defRPr sz="1040">
                 <a:solidFill>
                   <a:schemeClr val="tx1">
                     <a:tint val="75000"/>
@@ -1007,7 +1007,7 @@
           <a:p>
             <a:fld id="{9E99647D-1C99-4C31-AAA6-6EEC540FEA86}" type="datetimeFigureOut">
               <a:rPr lang="en-US" smtClean="0"/>
-              <a:t>5/15/2023</a:t>
+              <a:t>5/16/2023</a:t>
             </a:fld>
             <a:endParaRPr lang="en-US"/>
           </a:p>
@@ -1058,7 +1058,7 @@
     </p:spTree>
     <p:extLst>
       <p:ext uri="{BB962C8B-B14F-4D97-AF65-F5344CB8AC3E}">
-        <p14:creationId xmlns:p14="http://schemas.microsoft.com/office/powerpoint/2010/main" val="4264049469"/>
+        <p14:creationId xmlns:p14="http://schemas.microsoft.com/office/powerpoint/2010/main" val="2667753788"/>
       </p:ext>
     </p:extLst>
   </p:cSld>
@@ -1120,8 +1120,8 @@
         </p:nvSpPr>
         <p:spPr>
           <a:xfrm>
-            <a:off x="471488" y="2263860"/>
-            <a:ext cx="2914650" cy="5395861"/>
+            <a:off x="408623" y="2190750"/>
+            <a:ext cx="2526030" cy="5221606"/>
           </a:xfrm>
         </p:spPr>
         <p:txBody>
@@ -1177,8 +1177,8 @@
         </p:nvSpPr>
         <p:spPr>
           <a:xfrm>
-            <a:off x="3471863" y="2263860"/>
-            <a:ext cx="2914650" cy="5395861"/>
+            <a:off x="3008948" y="2190750"/>
+            <a:ext cx="2526030" cy="5221606"/>
           </a:xfrm>
         </p:spPr>
         <p:txBody>
@@ -1239,7 +1239,7 @@
           <a:p>
             <a:fld id="{9E99647D-1C99-4C31-AAA6-6EEC540FEA86}" type="datetimeFigureOut">
               <a:rPr lang="en-US" smtClean="0"/>
-              <a:t>5/15/2023</a:t>
+              <a:t>5/16/2023</a:t>
             </a:fld>
             <a:endParaRPr lang="en-US"/>
           </a:p>
@@ -1290,7 +1290,7 @@
     </p:spTree>
     <p:extLst>
       <p:ext uri="{BB962C8B-B14F-4D97-AF65-F5344CB8AC3E}">
-        <p14:creationId xmlns:p14="http://schemas.microsoft.com/office/powerpoint/2010/main" val="3716045536"/>
+        <p14:creationId xmlns:p14="http://schemas.microsoft.com/office/powerpoint/2010/main" val="3575422793"/>
       </p:ext>
     </p:extLst>
   </p:cSld>
@@ -1329,8 +1329,8 @@
         </p:nvSpPr>
         <p:spPr>
           <a:xfrm>
-            <a:off x="472381" y="452774"/>
-            <a:ext cx="5915025" cy="1643760"/>
+            <a:off x="409397" y="438152"/>
+            <a:ext cx="5126355" cy="1590676"/>
           </a:xfrm>
         </p:spPr>
         <p:txBody>
@@ -1357,8 +1357,8 @@
         </p:nvSpPr>
         <p:spPr>
           <a:xfrm>
-            <a:off x="472381" y="2084720"/>
-            <a:ext cx="2901255" cy="1021689"/>
+            <a:off x="409397" y="2017396"/>
+            <a:ext cx="2514421" cy="988694"/>
           </a:xfrm>
         </p:spPr>
         <p:txBody>
@@ -1366,39 +1366,39 @@
           <a:lstStyle>
             <a:lvl1pPr marL="0" indent="0">
               <a:buNone/>
-              <a:defRPr sz="1800" b="1"/>
+              <a:defRPr sz="1560" b="1"/>
             </a:lvl1pPr>
-            <a:lvl2pPr marL="342900" indent="0">
+            <a:lvl2pPr marL="297180" indent="0">
               <a:buNone/>
-              <a:defRPr sz="1500" b="1"/>
+              <a:defRPr sz="1300" b="1"/>
             </a:lvl2pPr>
-            <a:lvl3pPr marL="685800" indent="0">
+            <a:lvl3pPr marL="594360" indent="0">
               <a:buNone/>
-              <a:defRPr sz="1350" b="1"/>
+              <a:defRPr sz="1170" b="1"/>
             </a:lvl3pPr>
-            <a:lvl4pPr marL="1028700" indent="0">
+            <a:lvl4pPr marL="891540" indent="0">
               <a:buNone/>
-              <a:defRPr sz="1200" b="1"/>
+              <a:defRPr sz="1040" b="1"/>
             </a:lvl4pPr>
-            <a:lvl5pPr marL="1371600" indent="0">
+            <a:lvl5pPr marL="1188720" indent="0">
               <a:buNone/>
-              <a:defRPr sz="1200" b="1"/>
+              <a:defRPr sz="1040" b="1"/>
             </a:lvl5pPr>
-            <a:lvl6pPr marL="1714500" indent="0">
+            <a:lvl6pPr marL="1485900" indent="0">
               <a:buNone/>
-              <a:defRPr sz="1200" b="1"/>
+              <a:defRPr sz="1040" b="1"/>
             </a:lvl6pPr>
-            <a:lvl7pPr marL="2057400" indent="0">
+            <a:lvl7pPr marL="1783080" indent="0">
               <a:buNone/>
-              <a:defRPr sz="1200" b="1"/>
+              <a:defRPr sz="1040" b="1"/>
             </a:lvl7pPr>
-            <a:lvl8pPr marL="2400300" indent="0">
+            <a:lvl8pPr marL="2080260" indent="0">
               <a:buNone/>
-              <a:defRPr sz="1200" b="1"/>
+              <a:defRPr sz="1040" b="1"/>
             </a:lvl8pPr>
-            <a:lvl9pPr marL="2743200" indent="0">
+            <a:lvl9pPr marL="2377440" indent="0">
               <a:buNone/>
-              <a:defRPr sz="1200" b="1"/>
+              <a:defRPr sz="1040" b="1"/>
             </a:lvl9pPr>
           </a:lstStyle>
           <a:p>
@@ -1422,8 +1422,8 @@
         </p:nvSpPr>
         <p:spPr>
           <a:xfrm>
-            <a:off x="472381" y="3106409"/>
-            <a:ext cx="2901255" cy="4569060"/>
+            <a:off x="409397" y="3006090"/>
+            <a:ext cx="2514421" cy="4421506"/>
           </a:xfrm>
         </p:spPr>
         <p:txBody>
@@ -1479,8 +1479,8 @@
         </p:nvSpPr>
         <p:spPr>
           <a:xfrm>
-            <a:off x="3471863" y="2084720"/>
-            <a:ext cx="2915543" cy="1021689"/>
+            <a:off x="3008948" y="2017396"/>
+            <a:ext cx="2526804" cy="988694"/>
           </a:xfrm>
         </p:spPr>
         <p:txBody>
@@ -1488,39 +1488,39 @@
           <a:lstStyle>
             <a:lvl1pPr marL="0" indent="0">
               <a:buNone/>
-              <a:defRPr sz="1800" b="1"/>
+              <a:defRPr sz="1560" b="1"/>
             </a:lvl1pPr>
-            <a:lvl2pPr marL="342900" indent="0">
+            <a:lvl2pPr marL="297180" indent="0">
               <a:buNone/>
-              <a:defRPr sz="1500" b="1"/>
+              <a:defRPr sz="1300" b="1"/>
             </a:lvl2pPr>
-            <a:lvl3pPr marL="685800" indent="0">
+            <a:lvl3pPr marL="594360" indent="0">
               <a:buNone/>
-              <a:defRPr sz="1350" b="1"/>
+              <a:defRPr sz="1170" b="1"/>
             </a:lvl3pPr>
-            <a:lvl4pPr marL="1028700" indent="0">
+            <a:lvl4pPr marL="891540" indent="0">
               <a:buNone/>
-              <a:defRPr sz="1200" b="1"/>
+              <a:defRPr sz="1040" b="1"/>
             </a:lvl4pPr>
-            <a:lvl5pPr marL="1371600" indent="0">
+            <a:lvl5pPr marL="1188720" indent="0">
               <a:buNone/>
-              <a:defRPr sz="1200" b="1"/>
+              <a:defRPr sz="1040" b="1"/>
             </a:lvl5pPr>
-            <a:lvl6pPr marL="1714500" indent="0">
+            <a:lvl6pPr marL="1485900" indent="0">
               <a:buNone/>
-              <a:defRPr sz="1200" b="1"/>
+              <a:defRPr sz="1040" b="1"/>
             </a:lvl6pPr>
-            <a:lvl7pPr marL="2057400" indent="0">
+            <a:lvl7pPr marL="1783080" indent="0">
               <a:buNone/>
-              <a:defRPr sz="1200" b="1"/>
+              <a:defRPr sz="1040" b="1"/>
             </a:lvl7pPr>
-            <a:lvl8pPr marL="2400300" indent="0">
+            <a:lvl8pPr marL="2080260" indent="0">
               <a:buNone/>
-              <a:defRPr sz="1200" b="1"/>
+              <a:defRPr sz="1040" b="1"/>
             </a:lvl8pPr>
-            <a:lvl9pPr marL="2743200" indent="0">
+            <a:lvl9pPr marL="2377440" indent="0">
               <a:buNone/>
-              <a:defRPr sz="1200" b="1"/>
+              <a:defRPr sz="1040" b="1"/>
             </a:lvl9pPr>
           </a:lstStyle>
           <a:p>
@@ -1544,8 +1544,8 @@
         </p:nvSpPr>
         <p:spPr>
           <a:xfrm>
-            <a:off x="3471863" y="3106409"/>
-            <a:ext cx="2915543" cy="4569060"/>
+            <a:off x="3008948" y="3006090"/>
+            <a:ext cx="2526804" cy="4421506"/>
           </a:xfrm>
         </p:spPr>
         <p:txBody>
@@ -1606,7 +1606,7 @@
           <a:p>
             <a:fld id="{9E99647D-1C99-4C31-AAA6-6EEC540FEA86}" type="datetimeFigureOut">
               <a:rPr lang="en-US" smtClean="0"/>
-              <a:t>5/15/2023</a:t>
+              <a:t>5/16/2023</a:t>
             </a:fld>
             <a:endParaRPr lang="en-US"/>
           </a:p>
@@ -1657,7 +1657,7 @@
     </p:spTree>
     <p:extLst>
       <p:ext uri="{BB962C8B-B14F-4D97-AF65-F5344CB8AC3E}">
-        <p14:creationId xmlns:p14="http://schemas.microsoft.com/office/powerpoint/2010/main" val="216218867"/>
+        <p14:creationId xmlns:p14="http://schemas.microsoft.com/office/powerpoint/2010/main" val="2345500077"/>
       </p:ext>
     </p:extLst>
   </p:cSld>
@@ -1724,7 +1724,7 @@
           <a:p>
             <a:fld id="{9E99647D-1C99-4C31-AAA6-6EEC540FEA86}" type="datetimeFigureOut">
               <a:rPr lang="en-US" smtClean="0"/>
-              <a:t>5/15/2023</a:t>
+              <a:t>5/16/2023</a:t>
             </a:fld>
             <a:endParaRPr lang="en-US"/>
           </a:p>
@@ -1775,7 +1775,7 @@
     </p:spTree>
     <p:extLst>
       <p:ext uri="{BB962C8B-B14F-4D97-AF65-F5344CB8AC3E}">
-        <p14:creationId xmlns:p14="http://schemas.microsoft.com/office/powerpoint/2010/main" val="289878131"/>
+        <p14:creationId xmlns:p14="http://schemas.microsoft.com/office/powerpoint/2010/main" val="550046475"/>
       </p:ext>
     </p:extLst>
   </p:cSld>
@@ -1819,7 +1819,7 @@
           <a:p>
             <a:fld id="{9E99647D-1C99-4C31-AAA6-6EEC540FEA86}" type="datetimeFigureOut">
               <a:rPr lang="en-US" smtClean="0"/>
-              <a:t>5/15/2023</a:t>
+              <a:t>5/16/2023</a:t>
             </a:fld>
             <a:endParaRPr lang="en-US"/>
           </a:p>
@@ -1870,7 +1870,7 @@
     </p:spTree>
     <p:extLst>
       <p:ext uri="{BB962C8B-B14F-4D97-AF65-F5344CB8AC3E}">
-        <p14:creationId xmlns:p14="http://schemas.microsoft.com/office/powerpoint/2010/main" val="561260281"/>
+        <p14:creationId xmlns:p14="http://schemas.microsoft.com/office/powerpoint/2010/main" val="3390634058"/>
       </p:ext>
     </p:extLst>
   </p:cSld>
@@ -1909,15 +1909,15 @@
         </p:nvSpPr>
         <p:spPr>
           <a:xfrm>
-            <a:off x="472381" y="566949"/>
-            <a:ext cx="2211884" cy="1984322"/>
+            <a:off x="409397" y="548640"/>
+            <a:ext cx="1916966" cy="1920240"/>
           </a:xfrm>
         </p:spPr>
         <p:txBody>
           <a:bodyPr anchor="b"/>
           <a:lstStyle>
             <a:lvl1pPr>
-              <a:defRPr sz="2400"/>
+              <a:defRPr sz="2080"/>
             </a:lvl1pPr>
           </a:lstStyle>
           <a:p>
@@ -1941,39 +1941,39 @@
         </p:nvSpPr>
         <p:spPr>
           <a:xfrm>
-            <a:off x="2915543" y="1224455"/>
-            <a:ext cx="3471863" cy="6043521"/>
+            <a:off x="2526804" y="1184912"/>
+            <a:ext cx="3008948" cy="5848350"/>
           </a:xfrm>
         </p:spPr>
         <p:txBody>
           <a:bodyPr/>
           <a:lstStyle>
             <a:lvl1pPr>
-              <a:defRPr sz="2400"/>
+              <a:defRPr sz="2080"/>
             </a:lvl1pPr>
             <a:lvl2pPr>
-              <a:defRPr sz="2100"/>
+              <a:defRPr sz="1820"/>
             </a:lvl2pPr>
             <a:lvl3pPr>
-              <a:defRPr sz="1800"/>
+              <a:defRPr sz="1560"/>
             </a:lvl3pPr>
             <a:lvl4pPr>
-              <a:defRPr sz="1500"/>
+              <a:defRPr sz="1300"/>
             </a:lvl4pPr>
             <a:lvl5pPr>
-              <a:defRPr sz="1500"/>
+              <a:defRPr sz="1300"/>
             </a:lvl5pPr>
             <a:lvl6pPr>
-              <a:defRPr sz="1500"/>
+              <a:defRPr sz="1300"/>
             </a:lvl6pPr>
             <a:lvl7pPr>
-              <a:defRPr sz="1500"/>
+              <a:defRPr sz="1300"/>
             </a:lvl7pPr>
             <a:lvl8pPr>
-              <a:defRPr sz="1500"/>
+              <a:defRPr sz="1300"/>
             </a:lvl8pPr>
             <a:lvl9pPr>
-              <a:defRPr sz="1500"/>
+              <a:defRPr sz="1300"/>
             </a:lvl9pPr>
           </a:lstStyle>
           <a:p>
@@ -2026,8 +2026,8 @@
         </p:nvSpPr>
         <p:spPr>
           <a:xfrm>
-            <a:off x="472381" y="2551271"/>
-            <a:ext cx="2211884" cy="4726546"/>
+            <a:off x="409397" y="2468880"/>
+            <a:ext cx="1916966" cy="4573906"/>
           </a:xfrm>
         </p:spPr>
         <p:txBody>
@@ -2035,39 +2035,39 @@
           <a:lstStyle>
             <a:lvl1pPr marL="0" indent="0">
               <a:buNone/>
-              <a:defRPr sz="1200"/>
+              <a:defRPr sz="1040"/>
             </a:lvl1pPr>
-            <a:lvl2pPr marL="342900" indent="0">
+            <a:lvl2pPr marL="297180" indent="0">
               <a:buNone/>
-              <a:defRPr sz="1050"/>
+              <a:defRPr sz="910"/>
             </a:lvl2pPr>
-            <a:lvl3pPr marL="685800" indent="0">
+            <a:lvl3pPr marL="594360" indent="0">
               <a:buNone/>
-              <a:defRPr sz="900"/>
+              <a:defRPr sz="780"/>
             </a:lvl3pPr>
-            <a:lvl4pPr marL="1028700" indent="0">
+            <a:lvl4pPr marL="891540" indent="0">
               <a:buNone/>
-              <a:defRPr sz="750"/>
+              <a:defRPr sz="650"/>
             </a:lvl4pPr>
-            <a:lvl5pPr marL="1371600" indent="0">
+            <a:lvl5pPr marL="1188720" indent="0">
               <a:buNone/>
-              <a:defRPr sz="750"/>
+              <a:defRPr sz="650"/>
             </a:lvl5pPr>
-            <a:lvl6pPr marL="1714500" indent="0">
+            <a:lvl6pPr marL="1485900" indent="0">
               <a:buNone/>
-              <a:defRPr sz="750"/>
+              <a:defRPr sz="650"/>
             </a:lvl6pPr>
-            <a:lvl7pPr marL="2057400" indent="0">
+            <a:lvl7pPr marL="1783080" indent="0">
               <a:buNone/>
-              <a:defRPr sz="750"/>
+              <a:defRPr sz="650"/>
             </a:lvl7pPr>
-            <a:lvl8pPr marL="2400300" indent="0">
+            <a:lvl8pPr marL="2080260" indent="0">
               <a:buNone/>
-              <a:defRPr sz="750"/>
+              <a:defRPr sz="650"/>
             </a:lvl8pPr>
-            <a:lvl9pPr marL="2743200" indent="0">
+            <a:lvl9pPr marL="2377440" indent="0">
               <a:buNone/>
-              <a:defRPr sz="750"/>
+              <a:defRPr sz="650"/>
             </a:lvl9pPr>
           </a:lstStyle>
           <a:p>
@@ -2096,7 +2096,7 @@
           <a:p>
             <a:fld id="{9E99647D-1C99-4C31-AAA6-6EEC540FEA86}" type="datetimeFigureOut">
               <a:rPr lang="en-US" smtClean="0"/>
-              <a:t>5/15/2023</a:t>
+              <a:t>5/16/2023</a:t>
             </a:fld>
             <a:endParaRPr lang="en-US"/>
           </a:p>
@@ -2147,7 +2147,7 @@
     </p:spTree>
     <p:extLst>
       <p:ext uri="{BB962C8B-B14F-4D97-AF65-F5344CB8AC3E}">
-        <p14:creationId xmlns:p14="http://schemas.microsoft.com/office/powerpoint/2010/main" val="3022484248"/>
+        <p14:creationId xmlns:p14="http://schemas.microsoft.com/office/powerpoint/2010/main" val="971061373"/>
       </p:ext>
     </p:extLst>
   </p:cSld>
@@ -2186,15 +2186,15 @@
         </p:nvSpPr>
         <p:spPr>
           <a:xfrm>
-            <a:off x="472381" y="566949"/>
-            <a:ext cx="2211884" cy="1984322"/>
+            <a:off x="409397" y="548640"/>
+            <a:ext cx="1916966" cy="1920240"/>
           </a:xfrm>
         </p:spPr>
         <p:txBody>
           <a:bodyPr anchor="b"/>
           <a:lstStyle>
             <a:lvl1pPr>
-              <a:defRPr sz="2400"/>
+              <a:defRPr sz="2080"/>
             </a:lvl1pPr>
           </a:lstStyle>
           <a:p>
@@ -2218,8 +2218,8 @@
         </p:nvSpPr>
         <p:spPr>
           <a:xfrm>
-            <a:off x="2915543" y="1224455"/>
-            <a:ext cx="3471863" cy="6043521"/>
+            <a:off x="2526804" y="1184912"/>
+            <a:ext cx="3008948" cy="5848350"/>
           </a:xfrm>
         </p:spPr>
         <p:txBody>
@@ -2227,39 +2227,39 @@
           <a:lstStyle>
             <a:lvl1pPr marL="0" indent="0">
               <a:buNone/>
-              <a:defRPr sz="2400"/>
+              <a:defRPr sz="2080"/>
             </a:lvl1pPr>
-            <a:lvl2pPr marL="342900" indent="0">
+            <a:lvl2pPr marL="297180" indent="0">
               <a:buNone/>
-              <a:defRPr sz="2100"/>
+              <a:defRPr sz="1820"/>
             </a:lvl2pPr>
-            <a:lvl3pPr marL="685800" indent="0">
+            <a:lvl3pPr marL="594360" indent="0">
               <a:buNone/>
-              <a:defRPr sz="1800"/>
+              <a:defRPr sz="1560"/>
             </a:lvl3pPr>
-            <a:lvl4pPr marL="1028700" indent="0">
+            <a:lvl4pPr marL="891540" indent="0">
               <a:buNone/>
-              <a:defRPr sz="1500"/>
+              <a:defRPr sz="1300"/>
             </a:lvl4pPr>
-            <a:lvl5pPr marL="1371600" indent="0">
+            <a:lvl5pPr marL="1188720" indent="0">
               <a:buNone/>
-              <a:defRPr sz="1500"/>
+              <a:defRPr sz="1300"/>
             </a:lvl5pPr>
-            <a:lvl6pPr marL="1714500" indent="0">
+            <a:lvl6pPr marL="1485900" indent="0">
               <a:buNone/>
-              <a:defRPr sz="1500"/>
+              <a:defRPr sz="1300"/>
             </a:lvl6pPr>
-            <a:lvl7pPr marL="2057400" indent="0">
+            <a:lvl7pPr marL="1783080" indent="0">
               <a:buNone/>
-              <a:defRPr sz="1500"/>
+              <a:defRPr sz="1300"/>
             </a:lvl7pPr>
-            <a:lvl8pPr marL="2400300" indent="0">
+            <a:lvl8pPr marL="2080260" indent="0">
               <a:buNone/>
-              <a:defRPr sz="1500"/>
+              <a:defRPr sz="1300"/>
             </a:lvl8pPr>
-            <a:lvl9pPr marL="2743200" indent="0">
+            <a:lvl9pPr marL="2377440" indent="0">
               <a:buNone/>
-              <a:defRPr sz="1500"/>
+              <a:defRPr sz="1300"/>
             </a:lvl9pPr>
           </a:lstStyle>
           <a:p>
@@ -2283,8 +2283,8 @@
         </p:nvSpPr>
         <p:spPr>
           <a:xfrm>
-            <a:off x="472381" y="2551271"/>
-            <a:ext cx="2211884" cy="4726546"/>
+            <a:off x="409397" y="2468880"/>
+            <a:ext cx="1916966" cy="4573906"/>
           </a:xfrm>
         </p:spPr>
         <p:txBody>
@@ -2292,39 +2292,39 @@
           <a:lstStyle>
             <a:lvl1pPr marL="0" indent="0">
               <a:buNone/>
-              <a:defRPr sz="1200"/>
+              <a:defRPr sz="1040"/>
             </a:lvl1pPr>
-            <a:lvl2pPr marL="342900" indent="0">
+            <a:lvl2pPr marL="297180" indent="0">
               <a:buNone/>
-              <a:defRPr sz="1050"/>
+              <a:defRPr sz="910"/>
             </a:lvl2pPr>
-            <a:lvl3pPr marL="685800" indent="0">
+            <a:lvl3pPr marL="594360" indent="0">
               <a:buNone/>
-              <a:defRPr sz="900"/>
+              <a:defRPr sz="780"/>
             </a:lvl3pPr>
-            <a:lvl4pPr marL="1028700" indent="0">
+            <a:lvl4pPr marL="891540" indent="0">
               <a:buNone/>
-              <a:defRPr sz="750"/>
+              <a:defRPr sz="650"/>
             </a:lvl4pPr>
-            <a:lvl5pPr marL="1371600" indent="0">
+            <a:lvl5pPr marL="1188720" indent="0">
               <a:buNone/>
-              <a:defRPr sz="750"/>
+              <a:defRPr sz="650"/>
             </a:lvl5pPr>
-            <a:lvl6pPr marL="1714500" indent="0">
+            <a:lvl6pPr marL="1485900" indent="0">
               <a:buNone/>
-              <a:defRPr sz="750"/>
+              <a:defRPr sz="650"/>
             </a:lvl6pPr>
-            <a:lvl7pPr marL="2057400" indent="0">
+            <a:lvl7pPr marL="1783080" indent="0">
               <a:buNone/>
-              <a:defRPr sz="750"/>
+              <a:defRPr sz="650"/>
             </a:lvl7pPr>
-            <a:lvl8pPr marL="2400300" indent="0">
+            <a:lvl8pPr marL="2080260" indent="0">
               <a:buNone/>
-              <a:defRPr sz="750"/>
+              <a:defRPr sz="650"/>
             </a:lvl8pPr>
-            <a:lvl9pPr marL="2743200" indent="0">
+            <a:lvl9pPr marL="2377440" indent="0">
               <a:buNone/>
-              <a:defRPr sz="750"/>
+              <a:defRPr sz="650"/>
             </a:lvl9pPr>
           </a:lstStyle>
           <a:p>
@@ -2353,7 +2353,7 @@
           <a:p>
             <a:fld id="{9E99647D-1C99-4C31-AAA6-6EEC540FEA86}" type="datetimeFigureOut">
               <a:rPr lang="en-US" smtClean="0"/>
-              <a:t>5/15/2023</a:t>
+              <a:t>5/16/2023</a:t>
             </a:fld>
             <a:endParaRPr lang="en-US"/>
           </a:p>
@@ -2404,7 +2404,7 @@
     </p:spTree>
     <p:extLst>
       <p:ext uri="{BB962C8B-B14F-4D97-AF65-F5344CB8AC3E}">
-        <p14:creationId xmlns:p14="http://schemas.microsoft.com/office/powerpoint/2010/main" val="3492706777"/>
+        <p14:creationId xmlns:p14="http://schemas.microsoft.com/office/powerpoint/2010/main" val="2382130070"/>
       </p:ext>
     </p:extLst>
   </p:cSld>
@@ -2448,8 +2448,8 @@
         </p:nvSpPr>
         <p:spPr>
           <a:xfrm>
-            <a:off x="471488" y="452774"/>
-            <a:ext cx="5915025" cy="1643760"/>
+            <a:off x="408623" y="438152"/>
+            <a:ext cx="5126355" cy="1590676"/>
           </a:xfrm>
           <a:prstGeom prst="rect">
             <a:avLst/>
@@ -2481,8 +2481,8 @@
         </p:nvSpPr>
         <p:spPr>
           <a:xfrm>
-            <a:off x="471488" y="2263860"/>
-            <a:ext cx="5915025" cy="5395861"/>
+            <a:off x="408623" y="2190750"/>
+            <a:ext cx="5126355" cy="5221606"/>
           </a:xfrm>
           <a:prstGeom prst="rect">
             <a:avLst/>
@@ -2543,8 +2543,8 @@
         </p:nvSpPr>
         <p:spPr>
           <a:xfrm>
-            <a:off x="471488" y="7882171"/>
-            <a:ext cx="1543050" cy="452772"/>
+            <a:off x="408623" y="7627622"/>
+            <a:ext cx="1337310" cy="438150"/>
           </a:xfrm>
           <a:prstGeom prst="rect">
             <a:avLst/>
@@ -2554,7 +2554,7 @@
           <a:bodyPr vert="horz" lIns="91440" tIns="45720" rIns="91440" bIns="45720" rtlCol="0" anchor="ctr"/>
           <a:lstStyle>
             <a:lvl1pPr algn="l">
-              <a:defRPr sz="900">
+              <a:defRPr sz="780">
                 <a:solidFill>
                   <a:schemeClr val="tx1">
                     <a:tint val="75000"/>
@@ -2566,7 +2566,7 @@
           <a:p>
             <a:fld id="{9E99647D-1C99-4C31-AAA6-6EEC540FEA86}" type="datetimeFigureOut">
               <a:rPr lang="en-US" smtClean="0"/>
-              <a:t>5/15/2023</a:t>
+              <a:t>5/16/2023</a:t>
             </a:fld>
             <a:endParaRPr lang="en-US"/>
           </a:p>
@@ -2584,8 +2584,8 @@
         </p:nvSpPr>
         <p:spPr>
           <a:xfrm>
-            <a:off x="2271713" y="7882171"/>
-            <a:ext cx="2314575" cy="452772"/>
+            <a:off x="1968818" y="7627622"/>
+            <a:ext cx="2005965" cy="438150"/>
           </a:xfrm>
           <a:prstGeom prst="rect">
             <a:avLst/>
@@ -2595,7 +2595,7 @@
           <a:bodyPr vert="horz" lIns="91440" tIns="45720" rIns="91440" bIns="45720" rtlCol="0" anchor="ctr"/>
           <a:lstStyle>
             <a:lvl1pPr algn="ctr">
-              <a:defRPr sz="900">
+              <a:defRPr sz="780">
                 <a:solidFill>
                   <a:schemeClr val="tx1">
                     <a:tint val="75000"/>
@@ -2621,8 +2621,8 @@
         </p:nvSpPr>
         <p:spPr>
           <a:xfrm>
-            <a:off x="4843463" y="7882171"/>
-            <a:ext cx="1543050" cy="452772"/>
+            <a:off x="4197668" y="7627622"/>
+            <a:ext cx="1337310" cy="438150"/>
           </a:xfrm>
           <a:prstGeom prst="rect">
             <a:avLst/>
@@ -2632,7 +2632,7 @@
           <a:bodyPr vert="horz" lIns="91440" tIns="45720" rIns="91440" bIns="45720" rtlCol="0" anchor="ctr"/>
           <a:lstStyle>
             <a:lvl1pPr algn="r">
-              <a:defRPr sz="900">
+              <a:defRPr sz="780">
                 <a:solidFill>
                   <a:schemeClr val="tx1">
                     <a:tint val="75000"/>
@@ -2653,27 +2653,27 @@
     </p:spTree>
     <p:extLst>
       <p:ext uri="{BB962C8B-B14F-4D97-AF65-F5344CB8AC3E}">
-        <p14:creationId xmlns:p14="http://schemas.microsoft.com/office/powerpoint/2010/main" val="3442639152"/>
+        <p14:creationId xmlns:p14="http://schemas.microsoft.com/office/powerpoint/2010/main" val="3202515021"/>
       </p:ext>
     </p:extLst>
   </p:cSld>
   <p:clrMap bg1="lt1" tx1="dk1" bg2="lt2" tx2="dk2" accent1="accent1" accent2="accent2" accent3="accent3" accent4="accent4" accent5="accent5" accent6="accent6" hlink="hlink" folHlink="folHlink"/>
   <p:sldLayoutIdLst>
-    <p:sldLayoutId id="2147483745" r:id="rId1"/>
-    <p:sldLayoutId id="2147483746" r:id="rId2"/>
-    <p:sldLayoutId id="2147483747" r:id="rId3"/>
-    <p:sldLayoutId id="2147483748" r:id="rId4"/>
-    <p:sldLayoutId id="2147483749" r:id="rId5"/>
-    <p:sldLayoutId id="2147483750" r:id="rId6"/>
-    <p:sldLayoutId id="2147483751" r:id="rId7"/>
-    <p:sldLayoutId id="2147483752" r:id="rId8"/>
-    <p:sldLayoutId id="2147483753" r:id="rId9"/>
-    <p:sldLayoutId id="2147483754" r:id="rId10"/>
-    <p:sldLayoutId id="2147483755" r:id="rId11"/>
+    <p:sldLayoutId id="2147483757" r:id="rId1"/>
+    <p:sldLayoutId id="2147483758" r:id="rId2"/>
+    <p:sldLayoutId id="2147483759" r:id="rId3"/>
+    <p:sldLayoutId id="2147483760" r:id="rId4"/>
+    <p:sldLayoutId id="2147483761" r:id="rId5"/>
+    <p:sldLayoutId id="2147483762" r:id="rId6"/>
+    <p:sldLayoutId id="2147483763" r:id="rId7"/>
+    <p:sldLayoutId id="2147483764" r:id="rId8"/>
+    <p:sldLayoutId id="2147483765" r:id="rId9"/>
+    <p:sldLayoutId id="2147483766" r:id="rId10"/>
+    <p:sldLayoutId id="2147483767" r:id="rId11"/>
   </p:sldLayoutIdLst>
   <p:txStyles>
     <p:titleStyle>
-      <a:lvl1pPr algn="l" defTabSz="685800" rtl="0" eaLnBrk="1" latinLnBrk="0" hangingPunct="1">
+      <a:lvl1pPr algn="l" defTabSz="594360" rtl="0" eaLnBrk="1" latinLnBrk="0" hangingPunct="1">
         <a:lnSpc>
           <a:spcPct val="90000"/>
         </a:lnSpc>
@@ -2681,7 +2681,7 @@
           <a:spcPct val="0"/>
         </a:spcBef>
         <a:buNone/>
-        <a:defRPr sz="3300" kern="1200">
+        <a:defRPr sz="2860" kern="1200">
           <a:solidFill>
             <a:schemeClr val="tx1"/>
           </a:solidFill>
@@ -2692,16 +2692,16 @@
       </a:lvl1pPr>
     </p:titleStyle>
     <p:bodyStyle>
-      <a:lvl1pPr marL="171450" indent="-171450" algn="l" defTabSz="685800" rtl="0" eaLnBrk="1" latinLnBrk="0" hangingPunct="1">
+      <a:lvl1pPr marL="148590" indent="-148590" algn="l" defTabSz="594360" rtl="0" eaLnBrk="1" latinLnBrk="0" hangingPunct="1">
         <a:lnSpc>
           <a:spcPct val="90000"/>
         </a:lnSpc>
         <a:spcBef>
-          <a:spcPts val="750"/>
+          <a:spcPts val="650"/>
         </a:spcBef>
         <a:buFont typeface="Arial" panose="020B0604020202020204" pitchFamily="34" charset="0"/>
         <a:buChar char="•"/>
-        <a:defRPr sz="2100" kern="1200">
+        <a:defRPr sz="1820" kern="1200">
           <a:solidFill>
             <a:schemeClr val="tx1"/>
           </a:solidFill>
@@ -2710,16 +2710,16 @@
           <a:cs typeface="+mn-cs"/>
         </a:defRPr>
       </a:lvl1pPr>
-      <a:lvl2pPr marL="514350" indent="-171450" algn="l" defTabSz="685800" rtl="0" eaLnBrk="1" latinLnBrk="0" hangingPunct="1">
+      <a:lvl2pPr marL="445770" indent="-148590" algn="l" defTabSz="594360" rtl="0" eaLnBrk="1" latinLnBrk="0" hangingPunct="1">
         <a:lnSpc>
           <a:spcPct val="90000"/>
         </a:lnSpc>
         <a:spcBef>
-          <a:spcPts val="375"/>
+          <a:spcPts val="325"/>
         </a:spcBef>
         <a:buFont typeface="Arial" panose="020B0604020202020204" pitchFamily="34" charset="0"/>
         <a:buChar char="•"/>
-        <a:defRPr sz="1800" kern="1200">
+        <a:defRPr sz="1560" kern="1200">
           <a:solidFill>
             <a:schemeClr val="tx1"/>
           </a:solidFill>
@@ -2728,16 +2728,16 @@
           <a:cs typeface="+mn-cs"/>
         </a:defRPr>
       </a:lvl2pPr>
-      <a:lvl3pPr marL="857250" indent="-171450" algn="l" defTabSz="685800" rtl="0" eaLnBrk="1" latinLnBrk="0" hangingPunct="1">
+      <a:lvl3pPr marL="742950" indent="-148590" algn="l" defTabSz="594360" rtl="0" eaLnBrk="1" latinLnBrk="0" hangingPunct="1">
         <a:lnSpc>
           <a:spcPct val="90000"/>
         </a:lnSpc>
         <a:spcBef>
-          <a:spcPts val="375"/>
+          <a:spcPts val="325"/>
         </a:spcBef>
         <a:buFont typeface="Arial" panose="020B0604020202020204" pitchFamily="34" charset="0"/>
         <a:buChar char="•"/>
-        <a:defRPr sz="1500" kern="1200">
+        <a:defRPr sz="1300" kern="1200">
           <a:solidFill>
             <a:schemeClr val="tx1"/>
           </a:solidFill>
@@ -2746,16 +2746,16 @@
           <a:cs typeface="+mn-cs"/>
         </a:defRPr>
       </a:lvl3pPr>
-      <a:lvl4pPr marL="1200150" indent="-171450" algn="l" defTabSz="685800" rtl="0" eaLnBrk="1" latinLnBrk="0" hangingPunct="1">
+      <a:lvl4pPr marL="1040130" indent="-148590" algn="l" defTabSz="594360" rtl="0" eaLnBrk="1" latinLnBrk="0" hangingPunct="1">
         <a:lnSpc>
           <a:spcPct val="90000"/>
         </a:lnSpc>
         <a:spcBef>
-          <a:spcPts val="375"/>
+          <a:spcPts val="325"/>
         </a:spcBef>
         <a:buFont typeface="Arial" panose="020B0604020202020204" pitchFamily="34" charset="0"/>
         <a:buChar char="•"/>
-        <a:defRPr sz="1350" kern="1200">
+        <a:defRPr sz="1170" kern="1200">
           <a:solidFill>
             <a:schemeClr val="tx1"/>
           </a:solidFill>
@@ -2764,16 +2764,16 @@
           <a:cs typeface="+mn-cs"/>
         </a:defRPr>
       </a:lvl4pPr>
-      <a:lvl5pPr marL="1543050" indent="-171450" algn="l" defTabSz="685800" rtl="0" eaLnBrk="1" latinLnBrk="0" hangingPunct="1">
+      <a:lvl5pPr marL="1337310" indent="-148590" algn="l" defTabSz="594360" rtl="0" eaLnBrk="1" latinLnBrk="0" hangingPunct="1">
         <a:lnSpc>
           <a:spcPct val="90000"/>
         </a:lnSpc>
         <a:spcBef>
-          <a:spcPts val="375"/>
+          <a:spcPts val="325"/>
         </a:spcBef>
         <a:buFont typeface="Arial" panose="020B0604020202020204" pitchFamily="34" charset="0"/>
         <a:buChar char="•"/>
-        <a:defRPr sz="1350" kern="1200">
+        <a:defRPr sz="1170" kern="1200">
           <a:solidFill>
             <a:schemeClr val="tx1"/>
           </a:solidFill>
@@ -2782,16 +2782,16 @@
           <a:cs typeface="+mn-cs"/>
         </a:defRPr>
       </a:lvl5pPr>
-      <a:lvl6pPr marL="1885950" indent="-171450" algn="l" defTabSz="685800" rtl="0" eaLnBrk="1" latinLnBrk="0" hangingPunct="1">
+      <a:lvl6pPr marL="1634490" indent="-148590" algn="l" defTabSz="594360" rtl="0" eaLnBrk="1" latinLnBrk="0" hangingPunct="1">
         <a:lnSpc>
           <a:spcPct val="90000"/>
         </a:lnSpc>
         <a:spcBef>
-          <a:spcPts val="375"/>
+          <a:spcPts val="325"/>
         </a:spcBef>
         <a:buFont typeface="Arial" panose="020B0604020202020204" pitchFamily="34" charset="0"/>
         <a:buChar char="•"/>
-        <a:defRPr sz="1350" kern="1200">
+        <a:defRPr sz="1170" kern="1200">
           <a:solidFill>
             <a:schemeClr val="tx1"/>
           </a:solidFill>
@@ -2800,16 +2800,16 @@
           <a:cs typeface="+mn-cs"/>
         </a:defRPr>
       </a:lvl6pPr>
-      <a:lvl7pPr marL="2228850" indent="-171450" algn="l" defTabSz="685800" rtl="0" eaLnBrk="1" latinLnBrk="0" hangingPunct="1">
+      <a:lvl7pPr marL="1931670" indent="-148590" algn="l" defTabSz="594360" rtl="0" eaLnBrk="1" latinLnBrk="0" hangingPunct="1">
         <a:lnSpc>
           <a:spcPct val="90000"/>
         </a:lnSpc>
         <a:spcBef>
-          <a:spcPts val="375"/>
+          <a:spcPts val="325"/>
         </a:spcBef>
         <a:buFont typeface="Arial" panose="020B0604020202020204" pitchFamily="34" charset="0"/>
         <a:buChar char="•"/>
-        <a:defRPr sz="1350" kern="1200">
+        <a:defRPr sz="1170" kern="1200">
           <a:solidFill>
             <a:schemeClr val="tx1"/>
           </a:solidFill>
@@ -2818,16 +2818,16 @@
           <a:cs typeface="+mn-cs"/>
         </a:defRPr>
       </a:lvl7pPr>
-      <a:lvl8pPr marL="2571750" indent="-171450" algn="l" defTabSz="685800" rtl="0" eaLnBrk="1" latinLnBrk="0" hangingPunct="1">
+      <a:lvl8pPr marL="2228850" indent="-148590" algn="l" defTabSz="594360" rtl="0" eaLnBrk="1" latinLnBrk="0" hangingPunct="1">
         <a:lnSpc>
           <a:spcPct val="90000"/>
         </a:lnSpc>
         <a:spcBef>
-          <a:spcPts val="375"/>
+          <a:spcPts val="325"/>
         </a:spcBef>
         <a:buFont typeface="Arial" panose="020B0604020202020204" pitchFamily="34" charset="0"/>
         <a:buChar char="•"/>
-        <a:defRPr sz="1350" kern="1200">
+        <a:defRPr sz="1170" kern="1200">
           <a:solidFill>
             <a:schemeClr val="tx1"/>
           </a:solidFill>
@@ -2836,16 +2836,16 @@
           <a:cs typeface="+mn-cs"/>
         </a:defRPr>
       </a:lvl8pPr>
-      <a:lvl9pPr marL="2914650" indent="-171450" algn="l" defTabSz="685800" rtl="0" eaLnBrk="1" latinLnBrk="0" hangingPunct="1">
+      <a:lvl9pPr marL="2526030" indent="-148590" algn="l" defTabSz="594360" rtl="0" eaLnBrk="1" latinLnBrk="0" hangingPunct="1">
         <a:lnSpc>
           <a:spcPct val="90000"/>
         </a:lnSpc>
         <a:spcBef>
-          <a:spcPts val="375"/>
+          <a:spcPts val="325"/>
         </a:spcBef>
         <a:buFont typeface="Arial" panose="020B0604020202020204" pitchFamily="34" charset="0"/>
         <a:buChar char="•"/>
-        <a:defRPr sz="1350" kern="1200">
+        <a:defRPr sz="1170" kern="1200">
           <a:solidFill>
             <a:schemeClr val="tx1"/>
           </a:solidFill>
@@ -2859,8 +2859,8 @@
       <a:defPPr>
         <a:defRPr lang="en-US"/>
       </a:defPPr>
-      <a:lvl1pPr marL="0" algn="l" defTabSz="685800" rtl="0" eaLnBrk="1" latinLnBrk="0" hangingPunct="1">
-        <a:defRPr sz="1350" kern="1200">
+      <a:lvl1pPr marL="0" algn="l" defTabSz="594360" rtl="0" eaLnBrk="1" latinLnBrk="0" hangingPunct="1">
+        <a:defRPr sz="1170" kern="1200">
           <a:solidFill>
             <a:schemeClr val="tx1"/>
           </a:solidFill>
@@ -2869,8 +2869,8 @@
           <a:cs typeface="+mn-cs"/>
         </a:defRPr>
       </a:lvl1pPr>
-      <a:lvl2pPr marL="342900" algn="l" defTabSz="685800" rtl="0" eaLnBrk="1" latinLnBrk="0" hangingPunct="1">
-        <a:defRPr sz="1350" kern="1200">
+      <a:lvl2pPr marL="297180" algn="l" defTabSz="594360" rtl="0" eaLnBrk="1" latinLnBrk="0" hangingPunct="1">
+        <a:defRPr sz="1170" kern="1200">
           <a:solidFill>
             <a:schemeClr val="tx1"/>
           </a:solidFill>
@@ -2879,8 +2879,8 @@
           <a:cs typeface="+mn-cs"/>
         </a:defRPr>
       </a:lvl2pPr>
-      <a:lvl3pPr marL="685800" algn="l" defTabSz="685800" rtl="0" eaLnBrk="1" latinLnBrk="0" hangingPunct="1">
-        <a:defRPr sz="1350" kern="1200">
+      <a:lvl3pPr marL="594360" algn="l" defTabSz="594360" rtl="0" eaLnBrk="1" latinLnBrk="0" hangingPunct="1">
+        <a:defRPr sz="1170" kern="1200">
           <a:solidFill>
             <a:schemeClr val="tx1"/>
           </a:solidFill>
@@ -2889,8 +2889,8 @@
           <a:cs typeface="+mn-cs"/>
         </a:defRPr>
       </a:lvl3pPr>
-      <a:lvl4pPr marL="1028700" algn="l" defTabSz="685800" rtl="0" eaLnBrk="1" latinLnBrk="0" hangingPunct="1">
-        <a:defRPr sz="1350" kern="1200">
+      <a:lvl4pPr marL="891540" algn="l" defTabSz="594360" rtl="0" eaLnBrk="1" latinLnBrk="0" hangingPunct="1">
+        <a:defRPr sz="1170" kern="1200">
           <a:solidFill>
             <a:schemeClr val="tx1"/>
           </a:solidFill>
@@ -2899,8 +2899,8 @@
           <a:cs typeface="+mn-cs"/>
         </a:defRPr>
       </a:lvl4pPr>
-      <a:lvl5pPr marL="1371600" algn="l" defTabSz="685800" rtl="0" eaLnBrk="1" latinLnBrk="0" hangingPunct="1">
-        <a:defRPr sz="1350" kern="1200">
+      <a:lvl5pPr marL="1188720" algn="l" defTabSz="594360" rtl="0" eaLnBrk="1" latinLnBrk="0" hangingPunct="1">
+        <a:defRPr sz="1170" kern="1200">
           <a:solidFill>
             <a:schemeClr val="tx1"/>
           </a:solidFill>
@@ -2909,8 +2909,8 @@
           <a:cs typeface="+mn-cs"/>
         </a:defRPr>
       </a:lvl5pPr>
-      <a:lvl6pPr marL="1714500" algn="l" defTabSz="685800" rtl="0" eaLnBrk="1" latinLnBrk="0" hangingPunct="1">
-        <a:defRPr sz="1350" kern="1200">
+      <a:lvl6pPr marL="1485900" algn="l" defTabSz="594360" rtl="0" eaLnBrk="1" latinLnBrk="0" hangingPunct="1">
+        <a:defRPr sz="1170" kern="1200">
           <a:solidFill>
             <a:schemeClr val="tx1"/>
           </a:solidFill>
@@ -2919,8 +2919,8 @@
           <a:cs typeface="+mn-cs"/>
         </a:defRPr>
       </a:lvl6pPr>
-      <a:lvl7pPr marL="2057400" algn="l" defTabSz="685800" rtl="0" eaLnBrk="1" latinLnBrk="0" hangingPunct="1">
-        <a:defRPr sz="1350" kern="1200">
+      <a:lvl7pPr marL="1783080" algn="l" defTabSz="594360" rtl="0" eaLnBrk="1" latinLnBrk="0" hangingPunct="1">
+        <a:defRPr sz="1170" kern="1200">
           <a:solidFill>
             <a:schemeClr val="tx1"/>
           </a:solidFill>
@@ -2929,8 +2929,8 @@
           <a:cs typeface="+mn-cs"/>
         </a:defRPr>
       </a:lvl7pPr>
-      <a:lvl8pPr marL="2400300" algn="l" defTabSz="685800" rtl="0" eaLnBrk="1" latinLnBrk="0" hangingPunct="1">
-        <a:defRPr sz="1350" kern="1200">
+      <a:lvl8pPr marL="2080260" algn="l" defTabSz="594360" rtl="0" eaLnBrk="1" latinLnBrk="0" hangingPunct="1">
+        <a:defRPr sz="1170" kern="1200">
           <a:solidFill>
             <a:schemeClr val="tx1"/>
           </a:solidFill>
@@ -2939,8 +2939,8 @@
           <a:cs typeface="+mn-cs"/>
         </a:defRPr>
       </a:lvl8pPr>
-      <a:lvl9pPr marL="2743200" algn="l" defTabSz="685800" rtl="0" eaLnBrk="1" latinLnBrk="0" hangingPunct="1">
-        <a:defRPr sz="1350" kern="1200">
+      <a:lvl9pPr marL="2377440" algn="l" defTabSz="594360" rtl="0" eaLnBrk="1" latinLnBrk="0" hangingPunct="1">
+        <a:defRPr sz="1170" kern="1200">
           <a:solidFill>
             <a:schemeClr val="tx1"/>
           </a:solidFill>
@@ -2987,8 +2987,8 @@
         </p:nvSpPr>
         <p:spPr>
           <a:xfrm>
-            <a:off x="239911" y="114635"/>
-            <a:ext cx="6378178" cy="261610"/>
+            <a:off x="207923" y="26917"/>
+            <a:ext cx="5527754" cy="261610"/>
           </a:xfrm>
           <a:prstGeom prst="rect">
             <a:avLst/>
@@ -3027,14 +3027,14 @@
           <p:nvPr>
             <p:extLst>
               <p:ext uri="{D42A27DB-BD31-4B8C-83A1-F6EECF244321}">
-                <p14:modId xmlns:p14="http://schemas.microsoft.com/office/powerpoint/2010/main" val="3109452860"/>
+                <p14:modId xmlns:p14="http://schemas.microsoft.com/office/powerpoint/2010/main" val="2891637328"/>
               </p:ext>
             </p:extLst>
           </p:nvPr>
         </p:nvGraphicFramePr>
         <p:xfrm>
-          <a:off x="275345" y="445207"/>
-          <a:ext cx="3061526" cy="7955280"/>
+          <a:off x="238632" y="340628"/>
+          <a:ext cx="2653322" cy="7818120"/>
         </p:xfrm>
         <a:graphic>
           <a:graphicData uri="http://schemas.openxmlformats.org/drawingml/2006/table">
@@ -3043,14 +3043,14 @@
                 <a:tableStyleId>{5C22544A-7EE6-4342-B048-85BDC9FD1C3A}</a:tableStyleId>
               </a:tblPr>
               <a:tblGrid>
-                <a:gridCol w="1530763">
+                <a:gridCol w="1326661">
                   <a:extLst>
                     <a:ext uri="{9D8B030D-6E8A-4147-A177-3AD203B41FA5}">
                       <a16:colId xmlns:a16="http://schemas.microsoft.com/office/drawing/2014/main" val="2017217077"/>
                     </a:ext>
                   </a:extLst>
                 </a:gridCol>
-                <a:gridCol w="1530763">
+                <a:gridCol w="1326661">
                   <a:extLst>
                     <a:ext uri="{9D8B030D-6E8A-4147-A177-3AD203B41FA5}">
                       <a16:colId xmlns:a16="http://schemas.microsoft.com/office/drawing/2014/main" val="1518951187"/>
@@ -3058,7 +3058,7 @@
                   </a:extLst>
                 </a:gridCol>
               </a:tblGrid>
-              <a:tr h="127564">
+              <a:tr h="118872">
                 <a:tc>
                   <a:txBody>
                     <a:bodyPr/>
@@ -3088,7 +3088,7 @@
                       </a:endParaRPr>
                     </a:p>
                   </a:txBody>
-                  <a:tcPr marL="5717" marR="5717" marT="0" marB="0">
+                  <a:tcPr marL="4955" marR="4955" marT="0" marB="0">
                     <a:lnT w="28575" cap="flat" cmpd="sng" algn="ctr">
                       <a:solidFill>
                         <a:schemeClr val="tx1"/>
@@ -3139,7 +3139,7 @@
                       </a:endParaRPr>
                     </a:p>
                   </a:txBody>
-                  <a:tcPr marL="5717" marR="5717" marT="0" marB="0">
+                  <a:tcPr marL="4955" marR="4955" marT="0" marB="0">
                     <a:lnT w="28575" cap="flat" cmpd="sng" algn="ctr">
                       <a:solidFill>
                         <a:schemeClr val="tx1"/>
@@ -3167,37 +3167,37 @@
                   </a:ext>
                 </a:extLst>
               </a:tr>
-              <a:tr h="127564">
-                <a:tc>
-                  <a:txBody>
-                    <a:bodyPr/>
-                    <a:lstStyle/>
-                    <a:p>
-                      <a:pPr marL="0" marR="0" algn="ctr">
-                        <a:spcBef>
-                          <a:spcPts val="0"/>
-                        </a:spcBef>
-                        <a:spcAft>
-                          <a:spcPts val="300"/>
-                        </a:spcAft>
-                      </a:pPr>
-                      <a:r>
-                        <a:rPr lang="en-US" sz="900">
+              <a:tr h="118872">
+                <a:tc>
+                  <a:txBody>
+                    <a:bodyPr/>
+                    <a:lstStyle/>
+                    <a:p>
+                      <a:pPr marL="0" marR="0" algn="ctr">
+                        <a:spcBef>
+                          <a:spcPts val="0"/>
+                        </a:spcBef>
+                        <a:spcAft>
+                          <a:spcPts val="300"/>
+                        </a:spcAft>
+                      </a:pPr>
+                      <a:r>
+                        <a:rPr lang="en-US" sz="900" dirty="0">
                           <a:effectLst/>
                           <a:latin typeface="Times New Roman" panose="02020603050405020304" pitchFamily="18" charset="0"/>
                           <a:cs typeface="Times New Roman" panose="02020603050405020304" pitchFamily="18" charset="0"/>
                         </a:rPr>
                         <a:t>Belo sur Mer</a:t>
                       </a:r>
-                      <a:endParaRPr lang="en-US" sz="900">
-                        <a:effectLst/>
-                        <a:latin typeface="Times New Roman" panose="02020603050405020304" pitchFamily="18" charset="0"/>
-                        <a:ea typeface="Cambria" panose="02040503050406030204" pitchFamily="18" charset="0"/>
-                        <a:cs typeface="Times New Roman" panose="02020603050405020304" pitchFamily="18" charset="0"/>
-                      </a:endParaRPr>
-                    </a:p>
-                  </a:txBody>
-                  <a:tcPr marL="5717" marR="5717" marT="0" marB="0">
+                      <a:endParaRPr lang="en-US" sz="900" dirty="0">
+                        <a:effectLst/>
+                        <a:latin typeface="Times New Roman" panose="02020603050405020304" pitchFamily="18" charset="0"/>
+                        <a:ea typeface="Cambria" panose="02040503050406030204" pitchFamily="18" charset="0"/>
+                        <a:cs typeface="Times New Roman" panose="02020603050405020304" pitchFamily="18" charset="0"/>
+                      </a:endParaRPr>
+                    </a:p>
+                  </a:txBody>
+                  <a:tcPr marL="4955" marR="4955" marT="0" marB="0">
                     <a:lnT w="12700" cap="flat" cmpd="sng" algn="ctr">
                       <a:solidFill>
                         <a:schemeClr val="tx1"/>
@@ -3239,7 +3239,7 @@
                       </a:endParaRPr>
                     </a:p>
                   </a:txBody>
-                  <a:tcPr marL="5717" marR="5717" marT="0" marB="0">
+                  <a:tcPr marL="4955" marR="4955" marT="0" marB="0">
                     <a:lnT w="12700" cap="flat" cmpd="sng" algn="ctr">
                       <a:solidFill>
                         <a:schemeClr val="tx1"/>
@@ -3258,7 +3258,7 @@
                   </a:ext>
                 </a:extLst>
               </a:tr>
-              <a:tr h="127564">
+              <a:tr h="118872">
                 <a:tc>
                   <a:txBody>
                     <a:bodyPr/>
@@ -3288,7 +3288,7 @@
                       </a:endParaRPr>
                     </a:p>
                   </a:txBody>
-                  <a:tcPr marL="5717" marR="5717" marT="0" marB="0">
+                  <a:tcPr marL="4955" marR="4955" marT="0" marB="0">
                     <a:noFill/>
                   </a:tcPr>
                 </a:tc>
@@ -3321,7 +3321,7 @@
                       </a:endParaRPr>
                     </a:p>
                   </a:txBody>
-                  <a:tcPr marL="5717" marR="5717" marT="0" marB="0">
+                  <a:tcPr marL="4955" marR="4955" marT="0" marB="0">
                     <a:noFill/>
                   </a:tcPr>
                 </a:tc>
@@ -3331,7 +3331,7 @@
                   </a:ext>
                 </a:extLst>
               </a:tr>
-              <a:tr h="127564">
+              <a:tr h="118872">
                 <a:tc>
                   <a:txBody>
                     <a:bodyPr/>
@@ -3361,7 +3361,7 @@
                       </a:endParaRPr>
                     </a:p>
                   </a:txBody>
-                  <a:tcPr marL="5717" marR="5717" marT="0" marB="0">
+                  <a:tcPr marL="4955" marR="4955" marT="0" marB="0">
                     <a:noFill/>
                   </a:tcPr>
                 </a:tc>
@@ -3394,7 +3394,7 @@
                       </a:endParaRPr>
                     </a:p>
                   </a:txBody>
-                  <a:tcPr marL="5717" marR="5717" marT="0" marB="0">
+                  <a:tcPr marL="4955" marR="4955" marT="0" marB="0">
                     <a:noFill/>
                   </a:tcPr>
                 </a:tc>
@@ -3404,7 +3404,7 @@
                   </a:ext>
                 </a:extLst>
               </a:tr>
-              <a:tr h="127564">
+              <a:tr h="118872">
                 <a:tc>
                   <a:txBody>
                     <a:bodyPr/>
@@ -3434,7 +3434,7 @@
                       </a:endParaRPr>
                     </a:p>
                   </a:txBody>
-                  <a:tcPr marL="5717" marR="5717" marT="0" marB="0">
+                  <a:tcPr marL="4955" marR="4955" marT="0" marB="0">
                     <a:noFill/>
                   </a:tcPr>
                 </a:tc>
@@ -3467,7 +3467,7 @@
                       </a:endParaRPr>
                     </a:p>
                   </a:txBody>
-                  <a:tcPr marL="5717" marR="5717" marT="0" marB="0">
+                  <a:tcPr marL="4955" marR="4955" marT="0" marB="0">
                     <a:noFill/>
                   </a:tcPr>
                 </a:tc>
@@ -3477,7 +3477,7 @@
                   </a:ext>
                 </a:extLst>
               </a:tr>
-              <a:tr h="127564">
+              <a:tr h="118872">
                 <a:tc>
                   <a:txBody>
                     <a:bodyPr/>
@@ -3507,7 +3507,7 @@
                       </a:endParaRPr>
                     </a:p>
                   </a:txBody>
-                  <a:tcPr marL="5717" marR="5717" marT="0" marB="0">
+                  <a:tcPr marL="4955" marR="4955" marT="0" marB="0">
                     <a:noFill/>
                   </a:tcPr>
                 </a:tc>
@@ -3540,7 +3540,7 @@
                       </a:endParaRPr>
                     </a:p>
                   </a:txBody>
-                  <a:tcPr marL="5717" marR="5717" marT="0" marB="0">
+                  <a:tcPr marL="4955" marR="4955" marT="0" marB="0">
                     <a:noFill/>
                   </a:tcPr>
                 </a:tc>
@@ -3550,7 +3550,7 @@
                   </a:ext>
                 </a:extLst>
               </a:tr>
-              <a:tr h="127564">
+              <a:tr h="118872">
                 <a:tc>
                   <a:txBody>
                     <a:bodyPr/>
@@ -3580,7 +3580,7 @@
                       </a:endParaRPr>
                     </a:p>
                   </a:txBody>
-                  <a:tcPr marL="5717" marR="5717" marT="0" marB="0">
+                  <a:tcPr marL="4955" marR="4955" marT="0" marB="0">
                     <a:noFill/>
                   </a:tcPr>
                 </a:tc>
@@ -3613,7 +3613,7 @@
                       </a:endParaRPr>
                     </a:p>
                   </a:txBody>
-                  <a:tcPr marL="5717" marR="5717" marT="0" marB="0">
+                  <a:tcPr marL="4955" marR="4955" marT="0" marB="0">
                     <a:noFill/>
                   </a:tcPr>
                 </a:tc>
@@ -3623,7 +3623,7 @@
                   </a:ext>
                 </a:extLst>
               </a:tr>
-              <a:tr h="127564">
+              <a:tr h="118872">
                 <a:tc>
                   <a:txBody>
                     <a:bodyPr/>
@@ -3653,7 +3653,7 @@
                       </a:endParaRPr>
                     </a:p>
                   </a:txBody>
-                  <a:tcPr marL="5717" marR="5717" marT="0" marB="0">
+                  <a:tcPr marL="4955" marR="4955" marT="0" marB="0">
                     <a:noFill/>
                   </a:tcPr>
                 </a:tc>
@@ -3686,7 +3686,7 @@
                       </a:endParaRPr>
                     </a:p>
                   </a:txBody>
-                  <a:tcPr marL="5717" marR="5717" marT="0" marB="0">
+                  <a:tcPr marL="4955" marR="4955" marT="0" marB="0">
                     <a:noFill/>
                   </a:tcPr>
                 </a:tc>
@@ -3696,7 +3696,7 @@
                   </a:ext>
                 </a:extLst>
               </a:tr>
-              <a:tr h="127564">
+              <a:tr h="118872">
                 <a:tc>
                   <a:txBody>
                     <a:bodyPr/>
@@ -3726,7 +3726,7 @@
                       </a:endParaRPr>
                     </a:p>
                   </a:txBody>
-                  <a:tcPr marL="5717" marR="5717" marT="0" marB="0">
+                  <a:tcPr marL="4955" marR="4955" marT="0" marB="0">
                     <a:noFill/>
                   </a:tcPr>
                 </a:tc>
@@ -3759,7 +3759,7 @@
                       </a:endParaRPr>
                     </a:p>
                   </a:txBody>
-                  <a:tcPr marL="5717" marR="5717" marT="0" marB="0">
+                  <a:tcPr marL="4955" marR="4955" marT="0" marB="0">
                     <a:noFill/>
                   </a:tcPr>
                 </a:tc>
@@ -3769,7 +3769,7 @@
                   </a:ext>
                 </a:extLst>
               </a:tr>
-              <a:tr h="127564">
+              <a:tr h="118872">
                 <a:tc>
                   <a:txBody>
                     <a:bodyPr/>
@@ -3799,7 +3799,7 @@
                       </a:endParaRPr>
                     </a:p>
                   </a:txBody>
-                  <a:tcPr marL="5717" marR="5717" marT="0" marB="0">
+                  <a:tcPr marL="4955" marR="4955" marT="0" marB="0">
                     <a:noFill/>
                   </a:tcPr>
                 </a:tc>
@@ -3832,7 +3832,7 @@
                       </a:endParaRPr>
                     </a:p>
                   </a:txBody>
-                  <a:tcPr marL="5717" marR="5717" marT="0" marB="0">
+                  <a:tcPr marL="4955" marR="4955" marT="0" marB="0">
                     <a:noFill/>
                   </a:tcPr>
                 </a:tc>
@@ -3842,7 +3842,7 @@
                   </a:ext>
                 </a:extLst>
               </a:tr>
-              <a:tr h="127564">
+              <a:tr h="118872">
                 <a:tc>
                   <a:txBody>
                     <a:bodyPr/>
@@ -3872,7 +3872,7 @@
                       </a:endParaRPr>
                     </a:p>
                   </a:txBody>
-                  <a:tcPr marL="5717" marR="5717" marT="0" marB="0">
+                  <a:tcPr marL="4955" marR="4955" marT="0" marB="0">
                     <a:noFill/>
                   </a:tcPr>
                 </a:tc>
@@ -3905,7 +3905,7 @@
                       </a:endParaRPr>
                     </a:p>
                   </a:txBody>
-                  <a:tcPr marL="5717" marR="5717" marT="0" marB="0">
+                  <a:tcPr marL="4955" marR="4955" marT="0" marB="0">
                     <a:noFill/>
                   </a:tcPr>
                 </a:tc>
@@ -3915,7 +3915,7 @@
                   </a:ext>
                 </a:extLst>
               </a:tr>
-              <a:tr h="127564">
+              <a:tr h="118872">
                 <a:tc>
                   <a:txBody>
                     <a:bodyPr/>
@@ -3945,7 +3945,7 @@
                       </a:endParaRPr>
                     </a:p>
                   </a:txBody>
-                  <a:tcPr marL="5717" marR="5717" marT="0" marB="0">
+                  <a:tcPr marL="4955" marR="4955" marT="0" marB="0">
                     <a:noFill/>
                   </a:tcPr>
                 </a:tc>
@@ -3978,7 +3978,7 @@
                       </a:endParaRPr>
                     </a:p>
                   </a:txBody>
-                  <a:tcPr marL="5717" marR="5717" marT="0" marB="0">
+                  <a:tcPr marL="4955" marR="4955" marT="0" marB="0">
                     <a:noFill/>
                   </a:tcPr>
                 </a:tc>
@@ -3988,7 +3988,7 @@
                   </a:ext>
                 </a:extLst>
               </a:tr>
-              <a:tr h="127564">
+              <a:tr h="118872">
                 <a:tc>
                   <a:txBody>
                     <a:bodyPr/>
@@ -4018,7 +4018,7 @@
                       </a:endParaRPr>
                     </a:p>
                   </a:txBody>
-                  <a:tcPr marL="5717" marR="5717" marT="0" marB="0">
+                  <a:tcPr marL="4955" marR="4955" marT="0" marB="0">
                     <a:noFill/>
                   </a:tcPr>
                 </a:tc>
@@ -4051,7 +4051,7 @@
                       </a:endParaRPr>
                     </a:p>
                   </a:txBody>
-                  <a:tcPr marL="5717" marR="5717" marT="0" marB="0">
+                  <a:tcPr marL="4955" marR="4955" marT="0" marB="0">
                     <a:noFill/>
                   </a:tcPr>
                 </a:tc>
@@ -4061,7 +4061,7 @@
                   </a:ext>
                 </a:extLst>
               </a:tr>
-              <a:tr h="127564">
+              <a:tr h="118872">
                 <a:tc>
                   <a:txBody>
                     <a:bodyPr/>
@@ -4091,7 +4091,7 @@
                       </a:endParaRPr>
                     </a:p>
                   </a:txBody>
-                  <a:tcPr marL="5717" marR="5717" marT="0" marB="0">
+                  <a:tcPr marL="4955" marR="4955" marT="0" marB="0">
                     <a:noFill/>
                   </a:tcPr>
                 </a:tc>
@@ -4124,7 +4124,7 @@
                       </a:endParaRPr>
                     </a:p>
                   </a:txBody>
-                  <a:tcPr marL="5717" marR="5717" marT="0" marB="0">
+                  <a:tcPr marL="4955" marR="4955" marT="0" marB="0">
                     <a:noFill/>
                   </a:tcPr>
                 </a:tc>
@@ -4134,7 +4134,7 @@
                   </a:ext>
                 </a:extLst>
               </a:tr>
-              <a:tr h="127564">
+              <a:tr h="118872">
                 <a:tc>
                   <a:txBody>
                     <a:bodyPr/>
@@ -4164,7 +4164,7 @@
                       </a:endParaRPr>
                     </a:p>
                   </a:txBody>
-                  <a:tcPr marL="5717" marR="5717" marT="0" marB="0">
+                  <a:tcPr marL="4955" marR="4955" marT="0" marB="0">
                     <a:noFill/>
                   </a:tcPr>
                 </a:tc>
@@ -4197,7 +4197,7 @@
                       </a:endParaRPr>
                     </a:p>
                   </a:txBody>
-                  <a:tcPr marL="5717" marR="5717" marT="0" marB="0">
+                  <a:tcPr marL="4955" marR="4955" marT="0" marB="0">
                     <a:noFill/>
                   </a:tcPr>
                 </a:tc>
@@ -4207,7 +4207,7 @@
                   </a:ext>
                 </a:extLst>
               </a:tr>
-              <a:tr h="127564">
+              <a:tr h="118872">
                 <a:tc>
                   <a:txBody>
                     <a:bodyPr/>
@@ -4237,7 +4237,7 @@
                       </a:endParaRPr>
                     </a:p>
                   </a:txBody>
-                  <a:tcPr marL="5717" marR="5717" marT="0" marB="0">
+                  <a:tcPr marL="4955" marR="4955" marT="0" marB="0">
                     <a:noFill/>
                   </a:tcPr>
                 </a:tc>
@@ -4270,7 +4270,7 @@
                       </a:endParaRPr>
                     </a:p>
                   </a:txBody>
-                  <a:tcPr marL="5717" marR="5717" marT="0" marB="0">
+                  <a:tcPr marL="4955" marR="4955" marT="0" marB="0">
                     <a:noFill/>
                   </a:tcPr>
                 </a:tc>
@@ -4280,7 +4280,7 @@
                   </a:ext>
                 </a:extLst>
               </a:tr>
-              <a:tr h="127564">
+              <a:tr h="118872">
                 <a:tc>
                   <a:txBody>
                     <a:bodyPr/>
@@ -4310,7 +4310,7 @@
                       </a:endParaRPr>
                     </a:p>
                   </a:txBody>
-                  <a:tcPr marL="5717" marR="5717" marT="0" marB="0">
+                  <a:tcPr marL="4955" marR="4955" marT="0" marB="0">
                     <a:noFill/>
                   </a:tcPr>
                 </a:tc>
@@ -4343,7 +4343,7 @@
                       </a:endParaRPr>
                     </a:p>
                   </a:txBody>
-                  <a:tcPr marL="5717" marR="5717" marT="0" marB="0">
+                  <a:tcPr marL="4955" marR="4955" marT="0" marB="0">
                     <a:noFill/>
                   </a:tcPr>
                 </a:tc>
@@ -4353,7 +4353,7 @@
                   </a:ext>
                 </a:extLst>
               </a:tr>
-              <a:tr h="127564">
+              <a:tr h="118872">
                 <a:tc>
                   <a:txBody>
                     <a:bodyPr/>
@@ -4383,7 +4383,7 @@
                       </a:endParaRPr>
                     </a:p>
                   </a:txBody>
-                  <a:tcPr marL="5717" marR="5717" marT="0" marB="0">
+                  <a:tcPr marL="4955" marR="4955" marT="0" marB="0">
                     <a:noFill/>
                   </a:tcPr>
                 </a:tc>
@@ -4416,7 +4416,7 @@
                       </a:endParaRPr>
                     </a:p>
                   </a:txBody>
-                  <a:tcPr marL="5717" marR="5717" marT="0" marB="0">
+                  <a:tcPr marL="4955" marR="4955" marT="0" marB="0">
                     <a:noFill/>
                   </a:tcPr>
                 </a:tc>
@@ -4426,7 +4426,7 @@
                   </a:ext>
                 </a:extLst>
               </a:tr>
-              <a:tr h="127564">
+              <a:tr h="118872">
                 <a:tc>
                   <a:txBody>
                     <a:bodyPr/>
@@ -4456,7 +4456,7 @@
                       </a:endParaRPr>
                     </a:p>
                   </a:txBody>
-                  <a:tcPr marL="5717" marR="5717" marT="0" marB="0">
+                  <a:tcPr marL="4955" marR="4955" marT="0" marB="0">
                     <a:noFill/>
                   </a:tcPr>
                 </a:tc>
@@ -4489,7 +4489,7 @@
                       </a:endParaRPr>
                     </a:p>
                   </a:txBody>
-                  <a:tcPr marL="5717" marR="5717" marT="0" marB="0">
+                  <a:tcPr marL="4955" marR="4955" marT="0" marB="0">
                     <a:noFill/>
                   </a:tcPr>
                 </a:tc>
@@ -4499,37 +4499,37 @@
                   </a:ext>
                 </a:extLst>
               </a:tr>
-              <a:tr h="127564">
-                <a:tc>
-                  <a:txBody>
-                    <a:bodyPr/>
-                    <a:lstStyle/>
-                    <a:p>
-                      <a:pPr marL="0" marR="0" algn="ctr">
-                        <a:spcBef>
-                          <a:spcPts val="0"/>
-                        </a:spcBef>
-                        <a:spcAft>
-                          <a:spcPts val="300"/>
-                        </a:spcAft>
-                      </a:pPr>
-                      <a:r>
-                        <a:rPr lang="en-US" sz="900">
+              <a:tr h="118872">
+                <a:tc>
+                  <a:txBody>
+                    <a:bodyPr/>
+                    <a:lstStyle/>
+                    <a:p>
+                      <a:pPr marL="0" marR="0" algn="ctr">
+                        <a:spcBef>
+                          <a:spcPts val="0"/>
+                        </a:spcBef>
+                        <a:spcAft>
+                          <a:spcPts val="300"/>
+                        </a:spcAft>
+                      </a:pPr>
+                      <a:r>
+                        <a:rPr lang="en-US" sz="900" dirty="0" err="1">
                           <a:effectLst/>
                           <a:latin typeface="Times New Roman" panose="02020603050405020304" pitchFamily="18" charset="0"/>
                           <a:cs typeface="Times New Roman" panose="02020603050405020304" pitchFamily="18" charset="0"/>
                         </a:rPr>
                         <a:t>Fandravandava</a:t>
                       </a:r>
-                      <a:endParaRPr lang="en-US" sz="900">
-                        <a:effectLst/>
-                        <a:latin typeface="Times New Roman" panose="02020603050405020304" pitchFamily="18" charset="0"/>
-                        <a:ea typeface="Cambria" panose="02040503050406030204" pitchFamily="18" charset="0"/>
-                        <a:cs typeface="Times New Roman" panose="02020603050405020304" pitchFamily="18" charset="0"/>
-                      </a:endParaRPr>
-                    </a:p>
-                  </a:txBody>
-                  <a:tcPr marL="5717" marR="5717" marT="0" marB="0">
+                      <a:endParaRPr lang="en-US" sz="900" dirty="0">
+                        <a:effectLst/>
+                        <a:latin typeface="Times New Roman" panose="02020603050405020304" pitchFamily="18" charset="0"/>
+                        <a:ea typeface="Cambria" panose="02040503050406030204" pitchFamily="18" charset="0"/>
+                        <a:cs typeface="Times New Roman" panose="02020603050405020304" pitchFamily="18" charset="0"/>
+                      </a:endParaRPr>
+                    </a:p>
+                  </a:txBody>
+                  <a:tcPr marL="4955" marR="4955" marT="0" marB="0">
                     <a:noFill/>
                   </a:tcPr>
                 </a:tc>
@@ -4562,7 +4562,7 @@
                       </a:endParaRPr>
                     </a:p>
                   </a:txBody>
-                  <a:tcPr marL="5717" marR="5717" marT="0" marB="0">
+                  <a:tcPr marL="4955" marR="4955" marT="0" marB="0">
                     <a:noFill/>
                   </a:tcPr>
                 </a:tc>
@@ -4572,37 +4572,37 @@
                   </a:ext>
                 </a:extLst>
               </a:tr>
-              <a:tr h="127564">
-                <a:tc>
-                  <a:txBody>
-                    <a:bodyPr/>
-                    <a:lstStyle/>
-                    <a:p>
-                      <a:pPr marL="0" marR="0" algn="ctr">
-                        <a:spcBef>
-                          <a:spcPts val="0"/>
-                        </a:spcBef>
-                        <a:spcAft>
-                          <a:spcPts val="300"/>
-                        </a:spcAft>
-                      </a:pPr>
-                      <a:r>
-                        <a:rPr lang="en-US" sz="900">
+              <a:tr h="118872">
+                <a:tc>
+                  <a:txBody>
+                    <a:bodyPr/>
+                    <a:lstStyle/>
+                    <a:p>
+                      <a:pPr marL="0" marR="0" algn="ctr">
+                        <a:spcBef>
+                          <a:spcPts val="0"/>
+                        </a:spcBef>
+                        <a:spcAft>
+                          <a:spcPts val="300"/>
+                        </a:spcAft>
+                      </a:pPr>
+                      <a:r>
+                        <a:rPr lang="en-US" sz="900" dirty="0">
                           <a:effectLst/>
                           <a:latin typeface="Times New Roman" panose="02020603050405020304" pitchFamily="18" charset="0"/>
                           <a:cs typeface="Times New Roman" panose="02020603050405020304" pitchFamily="18" charset="0"/>
                         </a:rPr>
                         <a:t>Faux-Cap</a:t>
                       </a:r>
-                      <a:endParaRPr lang="en-US" sz="900">
-                        <a:effectLst/>
-                        <a:latin typeface="Times New Roman" panose="02020603050405020304" pitchFamily="18" charset="0"/>
-                        <a:ea typeface="Cambria" panose="02040503050406030204" pitchFamily="18" charset="0"/>
-                        <a:cs typeface="Times New Roman" panose="02020603050405020304" pitchFamily="18" charset="0"/>
-                      </a:endParaRPr>
-                    </a:p>
-                  </a:txBody>
-                  <a:tcPr marL="5717" marR="5717" marT="0" marB="0">
+                      <a:endParaRPr lang="en-US" sz="900" dirty="0">
+                        <a:effectLst/>
+                        <a:latin typeface="Times New Roman" panose="02020603050405020304" pitchFamily="18" charset="0"/>
+                        <a:ea typeface="Cambria" panose="02040503050406030204" pitchFamily="18" charset="0"/>
+                        <a:cs typeface="Times New Roman" panose="02020603050405020304" pitchFamily="18" charset="0"/>
+                      </a:endParaRPr>
+                    </a:p>
+                  </a:txBody>
+                  <a:tcPr marL="4955" marR="4955" marT="0" marB="0">
                     <a:noFill/>
                   </a:tcPr>
                 </a:tc>
@@ -4635,7 +4635,7 @@
                       </a:endParaRPr>
                     </a:p>
                   </a:txBody>
-                  <a:tcPr marL="5717" marR="5717" marT="0" marB="0">
+                  <a:tcPr marL="4955" marR="4955" marT="0" marB="0">
                     <a:noFill/>
                   </a:tcPr>
                 </a:tc>
@@ -4645,7 +4645,7 @@
                   </a:ext>
                 </a:extLst>
               </a:tr>
-              <a:tr h="127564">
+              <a:tr h="118872">
                 <a:tc>
                   <a:txBody>
                     <a:bodyPr/>
@@ -4675,7 +4675,7 @@
                       </a:endParaRPr>
                     </a:p>
                   </a:txBody>
-                  <a:tcPr marL="5717" marR="5717" marT="0" marB="0">
+                  <a:tcPr marL="4955" marR="4955" marT="0" marB="0">
                     <a:noFill/>
                   </a:tcPr>
                 </a:tc>
@@ -4708,7 +4708,7 @@
                       </a:endParaRPr>
                     </a:p>
                   </a:txBody>
-                  <a:tcPr marL="5717" marR="5717" marT="0" marB="0">
+                  <a:tcPr marL="4955" marR="4955" marT="0" marB="0">
                     <a:noFill/>
                   </a:tcPr>
                 </a:tc>
@@ -4718,7 +4718,7 @@
                   </a:ext>
                 </a:extLst>
               </a:tr>
-              <a:tr h="127564">
+              <a:tr h="118872">
                 <a:tc>
                   <a:txBody>
                     <a:bodyPr/>
@@ -4748,7 +4748,7 @@
                       </a:endParaRPr>
                     </a:p>
                   </a:txBody>
-                  <a:tcPr marL="5717" marR="5717" marT="0" marB="0">
+                  <a:tcPr marL="4955" marR="4955" marT="0" marB="0">
                     <a:noFill/>
                   </a:tcPr>
                 </a:tc>
@@ -4781,7 +4781,7 @@
                       </a:endParaRPr>
                     </a:p>
                   </a:txBody>
-                  <a:tcPr marL="5717" marR="5717" marT="0" marB="0">
+                  <a:tcPr marL="4955" marR="4955" marT="0" marB="0">
                     <a:noFill/>
                   </a:tcPr>
                 </a:tc>
@@ -4791,7 +4791,7 @@
                   </a:ext>
                 </a:extLst>
               </a:tr>
-              <a:tr h="127564">
+              <a:tr h="118872">
                 <a:tc>
                   <a:txBody>
                     <a:bodyPr/>
@@ -4821,7 +4821,7 @@
                       </a:endParaRPr>
                     </a:p>
                   </a:txBody>
-                  <a:tcPr marL="5717" marR="5717" marT="0" marB="0">
+                  <a:tcPr marL="4955" marR="4955" marT="0" marB="0">
                     <a:noFill/>
                   </a:tcPr>
                 </a:tc>
@@ -4854,7 +4854,7 @@
                       </a:endParaRPr>
                     </a:p>
                   </a:txBody>
-                  <a:tcPr marL="5717" marR="5717" marT="0" marB="0">
+                  <a:tcPr marL="4955" marR="4955" marT="0" marB="0">
                     <a:noFill/>
                   </a:tcPr>
                 </a:tc>
@@ -4864,7 +4864,7 @@
                   </a:ext>
                 </a:extLst>
               </a:tr>
-              <a:tr h="127564">
+              <a:tr h="118872">
                 <a:tc>
                   <a:txBody>
                     <a:bodyPr/>
@@ -4894,7 +4894,7 @@
                       </a:endParaRPr>
                     </a:p>
                   </a:txBody>
-                  <a:tcPr marL="5717" marR="5717" marT="0" marB="0">
+                  <a:tcPr marL="4955" marR="4955" marT="0" marB="0">
                     <a:noFill/>
                   </a:tcPr>
                 </a:tc>
@@ -4927,7 +4927,7 @@
                       </a:endParaRPr>
                     </a:p>
                   </a:txBody>
-                  <a:tcPr marL="5717" marR="5717" marT="0" marB="0">
+                  <a:tcPr marL="4955" marR="4955" marT="0" marB="0">
                     <a:noFill/>
                   </a:tcPr>
                 </a:tc>
@@ -4937,7 +4937,7 @@
                   </a:ext>
                 </a:extLst>
               </a:tr>
-              <a:tr h="127564">
+              <a:tr h="118872">
                 <a:tc>
                   <a:txBody>
                     <a:bodyPr/>
@@ -4967,7 +4967,7 @@
                       </a:endParaRPr>
                     </a:p>
                   </a:txBody>
-                  <a:tcPr marL="5717" marR="5717" marT="0" marB="0">
+                  <a:tcPr marL="4955" marR="4955" marT="0" marB="0">
                     <a:noFill/>
                   </a:tcPr>
                 </a:tc>
@@ -5000,7 +5000,7 @@
                       </a:endParaRPr>
                     </a:p>
                   </a:txBody>
-                  <a:tcPr marL="5717" marR="5717" marT="0" marB="0">
+                  <a:tcPr marL="4955" marR="4955" marT="0" marB="0">
                     <a:noFill/>
                   </a:tcPr>
                 </a:tc>
@@ -5010,7 +5010,7 @@
                   </a:ext>
                 </a:extLst>
               </a:tr>
-              <a:tr h="127564">
+              <a:tr h="118872">
                 <a:tc>
                   <a:txBody>
                     <a:bodyPr/>
@@ -5040,7 +5040,7 @@
                       </a:endParaRPr>
                     </a:p>
                   </a:txBody>
-                  <a:tcPr marL="5717" marR="5717" marT="0" marB="0">
+                  <a:tcPr marL="4955" marR="4955" marT="0" marB="0">
                     <a:noFill/>
                   </a:tcPr>
                 </a:tc>
@@ -5073,7 +5073,7 @@
                       </a:endParaRPr>
                     </a:p>
                   </a:txBody>
-                  <a:tcPr marL="5717" marR="5717" marT="0" marB="0">
+                  <a:tcPr marL="4955" marR="4955" marT="0" marB="0">
                     <a:noFill/>
                   </a:tcPr>
                 </a:tc>
@@ -5083,40 +5083,7 @@
                   </a:ext>
                 </a:extLst>
               </a:tr>
-              <a:tr h="127564">
-                <a:tc>
-                  <a:txBody>
-                    <a:bodyPr/>
-                    <a:lstStyle/>
-                    <a:p>
-                      <a:pPr marL="0" marR="0" algn="ctr">
-                        <a:spcBef>
-                          <a:spcPts val="0"/>
-                        </a:spcBef>
-                        <a:spcAft>
-                          <a:spcPts val="300"/>
-                        </a:spcAft>
-                      </a:pPr>
-                      <a:r>
-                        <a:rPr lang="en-US" sz="900">
-                          <a:effectLst/>
-                          <a:latin typeface="Times New Roman" panose="02020603050405020304" pitchFamily="18" charset="0"/>
-                          <a:cs typeface="Times New Roman" panose="02020603050405020304" pitchFamily="18" charset="0"/>
-                        </a:rPr>
-                        <a:t>Ihaborano Namohora</a:t>
-                      </a:r>
-                      <a:endParaRPr lang="en-US" sz="900">
-                        <a:effectLst/>
-                        <a:latin typeface="Times New Roman" panose="02020603050405020304" pitchFamily="18" charset="0"/>
-                        <a:ea typeface="Cambria" panose="02040503050406030204" pitchFamily="18" charset="0"/>
-                        <a:cs typeface="Times New Roman" panose="02020603050405020304" pitchFamily="18" charset="0"/>
-                      </a:endParaRPr>
-                    </a:p>
-                  </a:txBody>
-                  <a:tcPr marL="5717" marR="5717" marT="0" marB="0">
-                    <a:noFill/>
-                  </a:tcPr>
-                </a:tc>
+              <a:tr h="118872">
                 <a:tc>
                   <a:txBody>
                     <a:bodyPr/>
@@ -5136,8 +5103,57 @@
                           <a:latin typeface="Times New Roman" panose="02020603050405020304" pitchFamily="18" charset="0"/>
                           <a:cs typeface="Times New Roman" panose="02020603050405020304" pitchFamily="18" charset="0"/>
                         </a:rPr>
+                        <a:t>Ihaborano</a:t>
+                      </a:r>
+                      <a:r>
+                        <a:rPr lang="en-US" sz="900" dirty="0">
+                          <a:effectLst/>
+                          <a:latin typeface="Times New Roman" panose="02020603050405020304" pitchFamily="18" charset="0"/>
+                          <a:cs typeface="Times New Roman" panose="02020603050405020304" pitchFamily="18" charset="0"/>
+                        </a:rPr>
+                        <a:t> </a:t>
+                      </a:r>
+                      <a:r>
+                        <a:rPr lang="en-US" sz="900" dirty="0" err="1">
+                          <a:effectLst/>
+                          <a:latin typeface="Times New Roman" panose="02020603050405020304" pitchFamily="18" charset="0"/>
+                          <a:cs typeface="Times New Roman" panose="02020603050405020304" pitchFamily="18" charset="0"/>
+                        </a:rPr>
                         <a:t>Namohora</a:t>
                       </a:r>
+                      <a:endParaRPr lang="en-US" sz="900" dirty="0">
+                        <a:effectLst/>
+                        <a:latin typeface="Times New Roman" panose="02020603050405020304" pitchFamily="18" charset="0"/>
+                        <a:ea typeface="Cambria" panose="02040503050406030204" pitchFamily="18" charset="0"/>
+                        <a:cs typeface="Times New Roman" panose="02020603050405020304" pitchFamily="18" charset="0"/>
+                      </a:endParaRPr>
+                    </a:p>
+                  </a:txBody>
+                  <a:tcPr marL="4955" marR="4955" marT="0" marB="0">
+                    <a:noFill/>
+                  </a:tcPr>
+                </a:tc>
+                <a:tc>
+                  <a:txBody>
+                    <a:bodyPr/>
+                    <a:lstStyle/>
+                    <a:p>
+                      <a:pPr marL="0" marR="0" algn="ctr">
+                        <a:spcBef>
+                          <a:spcPts val="0"/>
+                        </a:spcBef>
+                        <a:spcAft>
+                          <a:spcPts val="300"/>
+                        </a:spcAft>
+                      </a:pPr>
+                      <a:r>
+                        <a:rPr lang="en-US" sz="900" dirty="0" err="1">
+                          <a:effectLst/>
+                          <a:latin typeface="Times New Roman" panose="02020603050405020304" pitchFamily="18" charset="0"/>
+                          <a:cs typeface="Times New Roman" panose="02020603050405020304" pitchFamily="18" charset="0"/>
+                        </a:rPr>
+                        <a:t>Namohora</a:t>
+                      </a:r>
                       <a:r>
                         <a:rPr lang="en-US" sz="900" dirty="0">
                           <a:effectLst/>
@@ -5162,7 +5178,7 @@
                       </a:endParaRPr>
                     </a:p>
                   </a:txBody>
-                  <a:tcPr marL="5717" marR="5717" marT="0" marB="0">
+                  <a:tcPr marL="4955" marR="4955" marT="0" marB="0">
                     <a:noFill/>
                   </a:tcPr>
                 </a:tc>
@@ -5172,7 +5188,7 @@
                   </a:ext>
                 </a:extLst>
               </a:tr>
-              <a:tr h="127564">
+              <a:tr h="118872">
                 <a:tc>
                   <a:txBody>
                     <a:bodyPr/>
@@ -5202,7 +5218,7 @@
                       </a:endParaRPr>
                     </a:p>
                   </a:txBody>
-                  <a:tcPr marL="5717" marR="5717" marT="0" marB="0">
+                  <a:tcPr marL="4955" marR="4955" marT="0" marB="0">
                     <a:noFill/>
                   </a:tcPr>
                 </a:tc>
@@ -5235,7 +5251,7 @@
                       </a:endParaRPr>
                     </a:p>
                   </a:txBody>
-                  <a:tcPr marL="5717" marR="5717" marT="0" marB="0">
+                  <a:tcPr marL="4955" marR="4955" marT="0" marB="0">
                     <a:noFill/>
                   </a:tcPr>
                 </a:tc>
@@ -5245,7 +5261,7 @@
                   </a:ext>
                 </a:extLst>
               </a:tr>
-              <a:tr h="127564">
+              <a:tr h="118872">
                 <a:tc>
                   <a:txBody>
                     <a:bodyPr/>
@@ -5275,7 +5291,7 @@
                       </a:endParaRPr>
                     </a:p>
                   </a:txBody>
-                  <a:tcPr marL="5717" marR="5717" marT="0" marB="0">
+                  <a:tcPr marL="4955" marR="4955" marT="0" marB="0">
                     <a:noFill/>
                   </a:tcPr>
                 </a:tc>
@@ -5308,7 +5324,7 @@
                       </a:endParaRPr>
                     </a:p>
                   </a:txBody>
-                  <a:tcPr marL="5717" marR="5717" marT="0" marB="0">
+                  <a:tcPr marL="4955" marR="4955" marT="0" marB="0">
                     <a:noFill/>
                   </a:tcPr>
                 </a:tc>
@@ -5318,7 +5334,7 @@
                   </a:ext>
                 </a:extLst>
               </a:tr>
-              <a:tr h="127564">
+              <a:tr h="118872">
                 <a:tc>
                   <a:txBody>
                     <a:bodyPr/>
@@ -5348,7 +5364,7 @@
                       </a:endParaRPr>
                     </a:p>
                   </a:txBody>
-                  <a:tcPr marL="5717" marR="5717" marT="0" marB="0">
+                  <a:tcPr marL="4955" marR="4955" marT="0" marB="0">
                     <a:noFill/>
                   </a:tcPr>
                 </a:tc>
@@ -5381,7 +5397,7 @@
                       </a:endParaRPr>
                     </a:p>
                   </a:txBody>
-                  <a:tcPr marL="5717" marR="5717" marT="0" marB="0">
+                  <a:tcPr marL="4955" marR="4955" marT="0" marB="0">
                     <a:noFill/>
                   </a:tcPr>
                 </a:tc>
@@ -5391,7 +5407,7 @@
                   </a:ext>
                 </a:extLst>
               </a:tr>
-              <a:tr h="127564">
+              <a:tr h="118872">
                 <a:tc>
                   <a:txBody>
                     <a:bodyPr/>
@@ -5421,7 +5437,7 @@
                       </a:endParaRPr>
                     </a:p>
                   </a:txBody>
-                  <a:tcPr marL="5717" marR="5717" marT="0" marB="0">
+                  <a:tcPr marL="4955" marR="4955" marT="0" marB="0">
                     <a:noFill/>
                   </a:tcPr>
                 </a:tc>
@@ -5454,7 +5470,7 @@
                       </a:endParaRPr>
                     </a:p>
                   </a:txBody>
-                  <a:tcPr marL="5717" marR="5717" marT="0" marB="0">
+                  <a:tcPr marL="4955" marR="4955" marT="0" marB="0">
                     <a:noFill/>
                   </a:tcPr>
                 </a:tc>
@@ -5464,7 +5480,7 @@
                   </a:ext>
                 </a:extLst>
               </a:tr>
-              <a:tr h="127564">
+              <a:tr h="118872">
                 <a:tc>
                   <a:txBody>
                     <a:bodyPr/>
@@ -5494,7 +5510,7 @@
                       </a:endParaRPr>
                     </a:p>
                   </a:txBody>
-                  <a:tcPr marL="5717" marR="5717" marT="0" marB="0">
+                  <a:tcPr marL="4955" marR="4955" marT="0" marB="0">
                     <a:noFill/>
                   </a:tcPr>
                 </a:tc>
@@ -5527,7 +5543,7 @@
                       </a:endParaRPr>
                     </a:p>
                   </a:txBody>
-                  <a:tcPr marL="5717" marR="5717" marT="0" marB="0">
+                  <a:tcPr marL="4955" marR="4955" marT="0" marB="0">
                     <a:noFill/>
                   </a:tcPr>
                 </a:tc>
@@ -5537,7 +5553,7 @@
                   </a:ext>
                 </a:extLst>
               </a:tr>
-              <a:tr h="127564">
+              <a:tr h="118872">
                 <a:tc>
                   <a:txBody>
                     <a:bodyPr/>
@@ -5567,7 +5583,7 @@
                       </a:endParaRPr>
                     </a:p>
                   </a:txBody>
-                  <a:tcPr marL="5717" marR="5717" marT="0" marB="0">
+                  <a:tcPr marL="4955" marR="4955" marT="0" marB="0">
                     <a:noFill/>
                   </a:tcPr>
                 </a:tc>
@@ -5600,7 +5616,7 @@
                       </a:endParaRPr>
                     </a:p>
                   </a:txBody>
-                  <a:tcPr marL="5717" marR="5717" marT="0" marB="0">
+                  <a:tcPr marL="4955" marR="4955" marT="0" marB="0">
                     <a:noFill/>
                   </a:tcPr>
                 </a:tc>
@@ -5610,7 +5626,7 @@
                   </a:ext>
                 </a:extLst>
               </a:tr>
-              <a:tr h="127564">
+              <a:tr h="118872">
                 <a:tc>
                   <a:txBody>
                     <a:bodyPr/>
@@ -5640,7 +5656,7 @@
                       </a:endParaRPr>
                     </a:p>
                   </a:txBody>
-                  <a:tcPr marL="5717" marR="5717" marT="0" marB="0">
+                  <a:tcPr marL="4955" marR="4955" marT="0" marB="0">
                     <a:noFill/>
                   </a:tcPr>
                 </a:tc>
@@ -5673,7 +5689,7 @@
                       </a:endParaRPr>
                     </a:p>
                   </a:txBody>
-                  <a:tcPr marL="5717" marR="5717" marT="0" marB="0">
+                  <a:tcPr marL="4955" marR="4955" marT="0" marB="0">
                     <a:noFill/>
                   </a:tcPr>
                 </a:tc>
@@ -5683,7 +5699,7 @@
                   </a:ext>
                 </a:extLst>
               </a:tr>
-              <a:tr h="127564">
+              <a:tr h="118872">
                 <a:tc>
                   <a:txBody>
                     <a:bodyPr/>
@@ -5713,7 +5729,7 @@
                       </a:endParaRPr>
                     </a:p>
                   </a:txBody>
-                  <a:tcPr marL="5717" marR="5717" marT="0" marB="0">
+                  <a:tcPr marL="4955" marR="4955" marT="0" marB="0">
                     <a:noFill/>
                   </a:tcPr>
                 </a:tc>
@@ -5746,7 +5762,7 @@
                       </a:endParaRPr>
                     </a:p>
                   </a:txBody>
-                  <a:tcPr marL="5717" marR="5717" marT="0" marB="0">
+                  <a:tcPr marL="4955" marR="4955" marT="0" marB="0">
                     <a:noFill/>
                   </a:tcPr>
                 </a:tc>
@@ -5756,7 +5772,7 @@
                   </a:ext>
                 </a:extLst>
               </a:tr>
-              <a:tr h="127564">
+              <a:tr h="118872">
                 <a:tc>
                   <a:txBody>
                     <a:bodyPr/>
@@ -5786,7 +5802,7 @@
                       </a:endParaRPr>
                     </a:p>
                   </a:txBody>
-                  <a:tcPr marL="5717" marR="5717" marT="0" marB="0">
+                  <a:tcPr marL="4955" marR="4955" marT="0" marB="0">
                     <a:noFill/>
                   </a:tcPr>
                 </a:tc>
@@ -5819,7 +5835,7 @@
                       </a:endParaRPr>
                     </a:p>
                   </a:txBody>
-                  <a:tcPr marL="5717" marR="5717" marT="0" marB="0">
+                  <a:tcPr marL="4955" marR="4955" marT="0" marB="0">
                     <a:noFill/>
                   </a:tcPr>
                 </a:tc>
@@ -5829,7 +5845,7 @@
                   </a:ext>
                 </a:extLst>
               </a:tr>
-              <a:tr h="127564">
+              <a:tr h="118872">
                 <a:tc>
                   <a:txBody>
                     <a:bodyPr/>
@@ -5859,7 +5875,7 @@
                       </a:endParaRPr>
                     </a:p>
                   </a:txBody>
-                  <a:tcPr marL="5717" marR="5717" marT="0" marB="0">
+                  <a:tcPr marL="4955" marR="4955" marT="0" marB="0">
                     <a:noFill/>
                   </a:tcPr>
                 </a:tc>
@@ -5892,7 +5908,7 @@
                       </a:endParaRPr>
                     </a:p>
                   </a:txBody>
-                  <a:tcPr marL="5717" marR="5717" marT="0" marB="0">
+                  <a:tcPr marL="4955" marR="4955" marT="0" marB="0">
                     <a:noFill/>
                   </a:tcPr>
                 </a:tc>
@@ -5902,7 +5918,7 @@
                   </a:ext>
                 </a:extLst>
               </a:tr>
-              <a:tr h="127564">
+              <a:tr h="118872">
                 <a:tc>
                   <a:txBody>
                     <a:bodyPr/>
@@ -5932,7 +5948,7 @@
                       </a:endParaRPr>
                     </a:p>
                   </a:txBody>
-                  <a:tcPr marL="5717" marR="5717" marT="0" marB="0">
+                  <a:tcPr marL="4955" marR="4955" marT="0" marB="0">
                     <a:noFill/>
                   </a:tcPr>
                 </a:tc>
@@ -5965,7 +5981,7 @@
                       </a:endParaRPr>
                     </a:p>
                   </a:txBody>
-                  <a:tcPr marL="5717" marR="5717" marT="0" marB="0">
+                  <a:tcPr marL="4955" marR="4955" marT="0" marB="0">
                     <a:noFill/>
                   </a:tcPr>
                 </a:tc>
@@ -5975,7 +5991,7 @@
                   </a:ext>
                 </a:extLst>
               </a:tr>
-              <a:tr h="127564">
+              <a:tr h="118872">
                 <a:tc>
                   <a:txBody>
                     <a:bodyPr/>
@@ -6005,7 +6021,7 @@
                       </a:endParaRPr>
                     </a:p>
                   </a:txBody>
-                  <a:tcPr marL="5717" marR="5717" marT="0" marB="0">
+                  <a:tcPr marL="4955" marR="4955" marT="0" marB="0">
                     <a:noFill/>
                   </a:tcPr>
                 </a:tc>
@@ -6038,7 +6054,7 @@
                       </a:endParaRPr>
                     </a:p>
                   </a:txBody>
-                  <a:tcPr marL="5717" marR="5717" marT="0" marB="0">
+                  <a:tcPr marL="4955" marR="4955" marT="0" marB="0">
                     <a:noFill/>
                   </a:tcPr>
                 </a:tc>
@@ -6048,7 +6064,7 @@
                   </a:ext>
                 </a:extLst>
               </a:tr>
-              <a:tr h="127564">
+              <a:tr h="118872">
                 <a:tc>
                   <a:txBody>
                     <a:bodyPr/>
@@ -6078,7 +6094,7 @@
                       </a:endParaRPr>
                     </a:p>
                   </a:txBody>
-                  <a:tcPr marL="5717" marR="5717" marT="0" marB="0">
+                  <a:tcPr marL="4955" marR="4955" marT="0" marB="0">
                     <a:noFill/>
                   </a:tcPr>
                 </a:tc>
@@ -6111,7 +6127,7 @@
                       </a:endParaRPr>
                     </a:p>
                   </a:txBody>
-                  <a:tcPr marL="5717" marR="5717" marT="0" marB="0">
+                  <a:tcPr marL="4955" marR="4955" marT="0" marB="0">
                     <a:noFill/>
                   </a:tcPr>
                 </a:tc>
@@ -6121,7 +6137,7 @@
                   </a:ext>
                 </a:extLst>
               </a:tr>
-              <a:tr h="127564">
+              <a:tr h="118872">
                 <a:tc>
                   <a:txBody>
                     <a:bodyPr/>
@@ -6151,7 +6167,7 @@
                       </a:endParaRPr>
                     </a:p>
                   </a:txBody>
-                  <a:tcPr marL="5717" marR="5717" marT="0" marB="0">
+                  <a:tcPr marL="4955" marR="4955" marT="0" marB="0">
                     <a:noFill/>
                   </a:tcPr>
                 </a:tc>
@@ -6184,7 +6200,7 @@
                       </a:endParaRPr>
                     </a:p>
                   </a:txBody>
-                  <a:tcPr marL="5717" marR="5717" marT="0" marB="0">
+                  <a:tcPr marL="4955" marR="4955" marT="0" marB="0">
                     <a:noFill/>
                   </a:tcPr>
                 </a:tc>
@@ -6194,7 +6210,7 @@
                   </a:ext>
                 </a:extLst>
               </a:tr>
-              <a:tr h="127564">
+              <a:tr h="118872">
                 <a:tc>
                   <a:txBody>
                     <a:bodyPr/>
@@ -6224,7 +6240,7 @@
                       </a:endParaRPr>
                     </a:p>
                   </a:txBody>
-                  <a:tcPr marL="5717" marR="5717" marT="0" marB="0">
+                  <a:tcPr marL="4955" marR="4955" marT="0" marB="0">
                     <a:noFill/>
                   </a:tcPr>
                 </a:tc>
@@ -6257,7 +6273,7 @@
                       </a:endParaRPr>
                     </a:p>
                   </a:txBody>
-                  <a:tcPr marL="5717" marR="5717" marT="0" marB="0">
+                  <a:tcPr marL="4955" marR="4955" marT="0" marB="0">
                     <a:noFill/>
                   </a:tcPr>
                 </a:tc>
@@ -6267,7 +6283,7 @@
                   </a:ext>
                 </a:extLst>
               </a:tr>
-              <a:tr h="127564">
+              <a:tr h="118872">
                 <a:tc>
                   <a:txBody>
                     <a:bodyPr/>
@@ -6297,7 +6313,7 @@
                       </a:endParaRPr>
                     </a:p>
                   </a:txBody>
-                  <a:tcPr marL="5717" marR="5717" marT="0" marB="0">
+                  <a:tcPr marL="4955" marR="4955" marT="0" marB="0">
                     <a:noFill/>
                   </a:tcPr>
                 </a:tc>
@@ -6330,7 +6346,7 @@
                       </a:endParaRPr>
                     </a:p>
                   </a:txBody>
-                  <a:tcPr marL="5717" marR="5717" marT="0" marB="0">
+                  <a:tcPr marL="4955" marR="4955" marT="0" marB="0">
                     <a:noFill/>
                   </a:tcPr>
                 </a:tc>
@@ -6340,7 +6356,7 @@
                   </a:ext>
                 </a:extLst>
               </a:tr>
-              <a:tr h="127564">
+              <a:tr h="118872">
                 <a:tc>
                   <a:txBody>
                     <a:bodyPr/>
@@ -6370,7 +6386,7 @@
                       </a:endParaRPr>
                     </a:p>
                   </a:txBody>
-                  <a:tcPr marL="5717" marR="5717" marT="0" marB="0">
+                  <a:tcPr marL="4955" marR="4955" marT="0" marB="0">
                     <a:noFill/>
                   </a:tcPr>
                 </a:tc>
@@ -6403,7 +6419,7 @@
                       </a:endParaRPr>
                     </a:p>
                   </a:txBody>
-                  <a:tcPr marL="5717" marR="5717" marT="0" marB="0">
+                  <a:tcPr marL="4955" marR="4955" marT="0" marB="0">
                     <a:noFill/>
                   </a:tcPr>
                 </a:tc>
@@ -6413,7 +6429,7 @@
                   </a:ext>
                 </a:extLst>
               </a:tr>
-              <a:tr h="127564">
+              <a:tr h="118872">
                 <a:tc>
                   <a:txBody>
                     <a:bodyPr/>
@@ -6443,7 +6459,7 @@
                       </a:endParaRPr>
                     </a:p>
                   </a:txBody>
-                  <a:tcPr marL="5717" marR="5717" marT="0" marB="0">
+                  <a:tcPr marL="4955" marR="4955" marT="0" marB="0">
                     <a:noFill/>
                   </a:tcPr>
                 </a:tc>
@@ -6476,7 +6492,7 @@
                       </a:endParaRPr>
                     </a:p>
                   </a:txBody>
-                  <a:tcPr marL="5717" marR="5717" marT="0" marB="0">
+                  <a:tcPr marL="4955" marR="4955" marT="0" marB="0">
                     <a:noFill/>
                   </a:tcPr>
                 </a:tc>
@@ -6486,7 +6502,7 @@
                   </a:ext>
                 </a:extLst>
               </a:tr>
-              <a:tr h="127564">
+              <a:tr h="118872">
                 <a:tc>
                   <a:txBody>
                     <a:bodyPr/>
@@ -6516,7 +6532,7 @@
                       </a:endParaRPr>
                     </a:p>
                   </a:txBody>
-                  <a:tcPr marL="5717" marR="5717" marT="0" marB="0">
+                  <a:tcPr marL="4955" marR="4955" marT="0" marB="0">
                     <a:noFill/>
                   </a:tcPr>
                 </a:tc>
@@ -6549,7 +6565,7 @@
                       </a:endParaRPr>
                     </a:p>
                   </a:txBody>
-                  <a:tcPr marL="5717" marR="5717" marT="0" marB="0">
+                  <a:tcPr marL="4955" marR="4955" marT="0" marB="0">
                     <a:noFill/>
                   </a:tcPr>
                 </a:tc>
@@ -6559,7 +6575,7 @@
                   </a:ext>
                 </a:extLst>
               </a:tr>
-              <a:tr h="127564">
+              <a:tr h="118872">
                 <a:tc>
                   <a:txBody>
                     <a:bodyPr/>
@@ -6589,7 +6605,7 @@
                       </a:endParaRPr>
                     </a:p>
                   </a:txBody>
-                  <a:tcPr marL="5717" marR="5717" marT="0" marB="0">
+                  <a:tcPr marL="4955" marR="4955" marT="0" marB="0">
                     <a:noFill/>
                   </a:tcPr>
                 </a:tc>
@@ -6622,7 +6638,7 @@
                       </a:endParaRPr>
                     </a:p>
                   </a:txBody>
-                  <a:tcPr marL="5717" marR="5717" marT="0" marB="0">
+                  <a:tcPr marL="4955" marR="4955" marT="0" marB="0">
                     <a:noFill/>
                   </a:tcPr>
                 </a:tc>
@@ -6632,7 +6648,7 @@
                   </a:ext>
                 </a:extLst>
               </a:tr>
-              <a:tr h="127564">
+              <a:tr h="118872">
                 <a:tc>
                   <a:txBody>
                     <a:bodyPr/>
@@ -6662,40 +6678,56 @@
                       </a:endParaRPr>
                     </a:p>
                   </a:txBody>
-                  <a:tcPr marL="5717" marR="5717" marT="0" marB="0">
-                    <a:noFill/>
-                  </a:tcPr>
-                </a:tc>
-                <a:tc>
-                  <a:txBody>
-                    <a:bodyPr/>
-                    <a:lstStyle/>
-                    <a:p>
-                      <a:pPr marL="0" marR="0" algn="ctr">
-                        <a:spcBef>
-                          <a:spcPts val="0"/>
-                        </a:spcBef>
-                        <a:spcAft>
-                          <a:spcPts val="300"/>
-                        </a:spcAft>
-                      </a:pPr>
-                      <a:r>
-                        <a:rPr lang="en-US" sz="900">
-                          <a:effectLst/>
-                          <a:latin typeface="Times New Roman" panose="02020603050405020304" pitchFamily="18" charset="0"/>
-                          <a:cs typeface="Times New Roman" panose="02020603050405020304" pitchFamily="18" charset="0"/>
-                        </a:rPr>
-                        <a:t>Manakambahiny Andrefana</a:t>
-                      </a:r>
-                      <a:endParaRPr lang="en-US" sz="900">
-                        <a:effectLst/>
-                        <a:latin typeface="Times New Roman" panose="02020603050405020304" pitchFamily="18" charset="0"/>
-                        <a:ea typeface="Cambria" panose="02040503050406030204" pitchFamily="18" charset="0"/>
-                        <a:cs typeface="Times New Roman" panose="02020603050405020304" pitchFamily="18" charset="0"/>
-                      </a:endParaRPr>
-                    </a:p>
-                  </a:txBody>
-                  <a:tcPr marL="5717" marR="5717" marT="0" marB="0">
+                  <a:tcPr marL="4955" marR="4955" marT="0" marB="0">
+                    <a:noFill/>
+                  </a:tcPr>
+                </a:tc>
+                <a:tc>
+                  <a:txBody>
+                    <a:bodyPr/>
+                    <a:lstStyle/>
+                    <a:p>
+                      <a:pPr marL="0" marR="0" algn="ctr">
+                        <a:spcBef>
+                          <a:spcPts val="0"/>
+                        </a:spcBef>
+                        <a:spcAft>
+                          <a:spcPts val="300"/>
+                        </a:spcAft>
+                      </a:pPr>
+                      <a:r>
+                        <a:rPr lang="en-US" sz="900" dirty="0" err="1">
+                          <a:effectLst/>
+                          <a:latin typeface="Times New Roman" panose="02020603050405020304" pitchFamily="18" charset="0"/>
+                          <a:cs typeface="Times New Roman" panose="02020603050405020304" pitchFamily="18" charset="0"/>
+                        </a:rPr>
+                        <a:t>Manakambahiny</a:t>
+                      </a:r>
+                      <a:r>
+                        <a:rPr lang="en-US" sz="900" dirty="0">
+                          <a:effectLst/>
+                          <a:latin typeface="Times New Roman" panose="02020603050405020304" pitchFamily="18" charset="0"/>
+                          <a:cs typeface="Times New Roman" panose="02020603050405020304" pitchFamily="18" charset="0"/>
+                        </a:rPr>
+                        <a:t> </a:t>
+                      </a:r>
+                      <a:r>
+                        <a:rPr lang="en-US" sz="900" dirty="0" err="1">
+                          <a:effectLst/>
+                          <a:latin typeface="Times New Roman" panose="02020603050405020304" pitchFamily="18" charset="0"/>
+                          <a:cs typeface="Times New Roman" panose="02020603050405020304" pitchFamily="18" charset="0"/>
+                        </a:rPr>
+                        <a:t>Andrefana</a:t>
+                      </a:r>
+                      <a:endParaRPr lang="en-US" sz="900" dirty="0">
+                        <a:effectLst/>
+                        <a:latin typeface="Times New Roman" panose="02020603050405020304" pitchFamily="18" charset="0"/>
+                        <a:ea typeface="Cambria" panose="02040503050406030204" pitchFamily="18" charset="0"/>
+                        <a:cs typeface="Times New Roman" panose="02020603050405020304" pitchFamily="18" charset="0"/>
+                      </a:endParaRPr>
+                    </a:p>
+                  </a:txBody>
+                  <a:tcPr marL="4955" marR="4955" marT="0" marB="0">
                     <a:noFill/>
                   </a:tcPr>
                 </a:tc>
@@ -6705,7 +6737,7 @@
                   </a:ext>
                 </a:extLst>
               </a:tr>
-              <a:tr h="127564">
+              <a:tr h="118872">
                 <a:tc>
                   <a:txBody>
                     <a:bodyPr/>
@@ -6735,7 +6767,7 @@
                       </a:endParaRPr>
                     </a:p>
                   </a:txBody>
-                  <a:tcPr marL="5717" marR="5717" marT="0" marB="0">
+                  <a:tcPr marL="4955" marR="4955" marT="0" marB="0">
                     <a:noFill/>
                   </a:tcPr>
                 </a:tc>
@@ -6768,7 +6800,7 @@
                       </a:endParaRPr>
                     </a:p>
                   </a:txBody>
-                  <a:tcPr marL="5717" marR="5717" marT="0" marB="0">
+                  <a:tcPr marL="4955" marR="4955" marT="0" marB="0">
                     <a:noFill/>
                   </a:tcPr>
                 </a:tc>
@@ -6778,7 +6810,7 @@
                   </a:ext>
                 </a:extLst>
               </a:tr>
-              <a:tr h="127564">
+              <a:tr h="118872">
                 <a:tc>
                   <a:txBody>
                     <a:bodyPr/>
@@ -6808,7 +6840,7 @@
                       </a:endParaRPr>
                     </a:p>
                   </a:txBody>
-                  <a:tcPr marL="5717" marR="5717" marT="0" marB="0">
+                  <a:tcPr marL="4955" marR="4955" marT="0" marB="0">
                     <a:noFill/>
                   </a:tcPr>
                 </a:tc>
@@ -6841,7 +6873,7 @@
                       </a:endParaRPr>
                     </a:p>
                   </a:txBody>
-                  <a:tcPr marL="5717" marR="5717" marT="0" marB="0">
+                  <a:tcPr marL="4955" marR="4955" marT="0" marB="0">
                     <a:noFill/>
                   </a:tcPr>
                 </a:tc>
@@ -6851,7 +6883,7 @@
                   </a:ext>
                 </a:extLst>
               </a:tr>
-              <a:tr h="127564">
+              <a:tr h="118872">
                 <a:tc>
                   <a:txBody>
                     <a:bodyPr/>
@@ -6881,7 +6913,7 @@
                       </a:endParaRPr>
                     </a:p>
                   </a:txBody>
-                  <a:tcPr marL="5717" marR="5717" marT="0" marB="0">
+                  <a:tcPr marL="4955" marR="4955" marT="0" marB="0">
                     <a:noFill/>
                   </a:tcPr>
                 </a:tc>
@@ -6914,7 +6946,7 @@
                       </a:endParaRPr>
                     </a:p>
                   </a:txBody>
-                  <a:tcPr marL="5717" marR="5717" marT="0" marB="0">
+                  <a:tcPr marL="4955" marR="4955" marT="0" marB="0">
                     <a:noFill/>
                   </a:tcPr>
                 </a:tc>
@@ -6924,7 +6956,7 @@
                   </a:ext>
                 </a:extLst>
               </a:tr>
-              <a:tr h="127564">
+              <a:tr h="118872">
                 <a:tc>
                   <a:txBody>
                     <a:bodyPr/>
@@ -6954,7 +6986,7 @@
                       </a:endParaRPr>
                     </a:p>
                   </a:txBody>
-                  <a:tcPr marL="5717" marR="5717" marT="0" marB="0">
+                  <a:tcPr marL="4955" marR="4955" marT="0" marB="0">
                     <a:noFill/>
                   </a:tcPr>
                 </a:tc>
@@ -6987,7 +7019,7 @@
                       </a:endParaRPr>
                     </a:p>
                   </a:txBody>
-                  <a:tcPr marL="5717" marR="5717" marT="0" marB="0">
+                  <a:tcPr marL="4955" marR="4955" marT="0" marB="0">
                     <a:noFill/>
                   </a:tcPr>
                 </a:tc>
@@ -6997,7 +7029,7 @@
                   </a:ext>
                 </a:extLst>
               </a:tr>
-              <a:tr h="127564">
+              <a:tr h="118872">
                 <a:tc>
                   <a:txBody>
                     <a:bodyPr/>
@@ -7027,7 +7059,7 @@
                       </a:endParaRPr>
                     </a:p>
                   </a:txBody>
-                  <a:tcPr marL="5717" marR="5717" marT="0" marB="0">
+                  <a:tcPr marL="4955" marR="4955" marT="0" marB="0">
                     <a:noFill/>
                   </a:tcPr>
                 </a:tc>
@@ -7060,7 +7092,7 @@
                       </a:endParaRPr>
                     </a:p>
                   </a:txBody>
-                  <a:tcPr marL="5717" marR="5717" marT="0" marB="0">
+                  <a:tcPr marL="4955" marR="4955" marT="0" marB="0">
                     <a:noFill/>
                   </a:tcPr>
                 </a:tc>
@@ -7070,7 +7102,7 @@
                   </a:ext>
                 </a:extLst>
               </a:tr>
-              <a:tr h="127564">
+              <a:tr h="118872">
                 <a:tc>
                   <a:txBody>
                     <a:bodyPr/>
@@ -7100,226 +7132,7 @@
                       </a:endParaRPr>
                     </a:p>
                   </a:txBody>
-                  <a:tcPr marL="5717" marR="5717" marT="0" marB="0">
-                    <a:noFill/>
-                  </a:tcPr>
-                </a:tc>
-                <a:tc>
-                  <a:txBody>
-                    <a:bodyPr/>
-                    <a:lstStyle/>
-                    <a:p>
-                      <a:pPr marL="0" marR="0" algn="ctr">
-                        <a:spcBef>
-                          <a:spcPts val="0"/>
-                        </a:spcBef>
-                        <a:spcAft>
-                          <a:spcPts val="300"/>
-                        </a:spcAft>
-                      </a:pPr>
-                      <a:r>
-                        <a:rPr lang="en-US" sz="900">
-                          <a:effectLst/>
-                          <a:latin typeface="Times New Roman" panose="02020603050405020304" pitchFamily="18" charset="0"/>
-                          <a:cs typeface="Times New Roman" panose="02020603050405020304" pitchFamily="18" charset="0"/>
-                        </a:rPr>
-                        <a:t>Manombo Sud</a:t>
-                      </a:r>
-                      <a:endParaRPr lang="en-US" sz="900">
-                        <a:effectLst/>
-                        <a:latin typeface="Times New Roman" panose="02020603050405020304" pitchFamily="18" charset="0"/>
-                        <a:ea typeface="Cambria" panose="02040503050406030204" pitchFamily="18" charset="0"/>
-                        <a:cs typeface="Times New Roman" panose="02020603050405020304" pitchFamily="18" charset="0"/>
-                      </a:endParaRPr>
-                    </a:p>
-                  </a:txBody>
-                  <a:tcPr marL="5717" marR="5717" marT="0" marB="0">
-                    <a:noFill/>
-                  </a:tcPr>
-                </a:tc>
-                <a:extLst>
-                  <a:ext uri="{0D108BD9-81ED-4DB2-BD59-A6C34878D82A}">
-                    <a16:rowId xmlns:a16="http://schemas.microsoft.com/office/drawing/2014/main" val="2255903690"/>
-                  </a:ext>
-                </a:extLst>
-              </a:tr>
-              <a:tr h="127564">
-                <a:tc>
-                  <a:txBody>
-                    <a:bodyPr/>
-                    <a:lstStyle/>
-                    <a:p>
-                      <a:pPr marL="0" marR="0" algn="ctr">
-                        <a:spcBef>
-                          <a:spcPts val="0"/>
-                        </a:spcBef>
-                        <a:spcAft>
-                          <a:spcPts val="300"/>
-                        </a:spcAft>
-                      </a:pPr>
-                      <a:r>
-                        <a:rPr lang="en-US" sz="900">
-                          <a:effectLst/>
-                          <a:latin typeface="Times New Roman" panose="02020603050405020304" pitchFamily="18" charset="0"/>
-                          <a:cs typeface="Times New Roman" panose="02020603050405020304" pitchFamily="18" charset="0"/>
-                        </a:rPr>
-                        <a:t>Marintampona</a:t>
-                      </a:r>
-                      <a:endParaRPr lang="en-US" sz="900">
-                        <a:effectLst/>
-                        <a:latin typeface="Times New Roman" panose="02020603050405020304" pitchFamily="18" charset="0"/>
-                        <a:ea typeface="Cambria" panose="02040503050406030204" pitchFamily="18" charset="0"/>
-                        <a:cs typeface="Times New Roman" panose="02020603050405020304" pitchFamily="18" charset="0"/>
-                      </a:endParaRPr>
-                    </a:p>
-                  </a:txBody>
-                  <a:tcPr marL="5717" marR="5717" marT="0" marB="0">
-                    <a:noFill/>
-                  </a:tcPr>
-                </a:tc>
-                <a:tc>
-                  <a:txBody>
-                    <a:bodyPr/>
-                    <a:lstStyle/>
-                    <a:p>
-                      <a:pPr marL="0" marR="0" algn="ctr">
-                        <a:spcBef>
-                          <a:spcPts val="0"/>
-                        </a:spcBef>
-                        <a:spcAft>
-                          <a:spcPts val="300"/>
-                        </a:spcAft>
-                      </a:pPr>
-                      <a:r>
-                        <a:rPr lang="en-US" sz="900">
-                          <a:effectLst/>
-                          <a:latin typeface="Times New Roman" panose="02020603050405020304" pitchFamily="18" charset="0"/>
-                          <a:cs typeface="Times New Roman" panose="02020603050405020304" pitchFamily="18" charset="0"/>
-                        </a:rPr>
-                        <a:t>Maritampona</a:t>
-                      </a:r>
-                      <a:endParaRPr lang="en-US" sz="900">
-                        <a:effectLst/>
-                        <a:latin typeface="Times New Roman" panose="02020603050405020304" pitchFamily="18" charset="0"/>
-                        <a:ea typeface="Cambria" panose="02040503050406030204" pitchFamily="18" charset="0"/>
-                        <a:cs typeface="Times New Roman" panose="02020603050405020304" pitchFamily="18" charset="0"/>
-                      </a:endParaRPr>
-                    </a:p>
-                  </a:txBody>
-                  <a:tcPr marL="5717" marR="5717" marT="0" marB="0">
-                    <a:noFill/>
-                  </a:tcPr>
-                </a:tc>
-                <a:extLst>
-                  <a:ext uri="{0D108BD9-81ED-4DB2-BD59-A6C34878D82A}">
-                    <a16:rowId xmlns:a16="http://schemas.microsoft.com/office/drawing/2014/main" val="4182762979"/>
-                  </a:ext>
-                </a:extLst>
-              </a:tr>
-              <a:tr h="127564">
-                <a:tc>
-                  <a:txBody>
-                    <a:bodyPr/>
-                    <a:lstStyle/>
-                    <a:p>
-                      <a:pPr marL="0" marR="0" algn="ctr">
-                        <a:spcBef>
-                          <a:spcPts val="0"/>
-                        </a:spcBef>
-                        <a:spcAft>
-                          <a:spcPts val="300"/>
-                        </a:spcAft>
-                      </a:pPr>
-                      <a:r>
-                        <a:rPr lang="en-US" sz="900">
-                          <a:effectLst/>
-                          <a:latin typeface="Times New Roman" panose="02020603050405020304" pitchFamily="18" charset="0"/>
-                          <a:cs typeface="Times New Roman" panose="02020603050405020304" pitchFamily="18" charset="0"/>
-                        </a:rPr>
-                        <a:t>Marivorahona</a:t>
-                      </a:r>
-                      <a:endParaRPr lang="en-US" sz="900">
-                        <a:effectLst/>
-                        <a:latin typeface="Times New Roman" panose="02020603050405020304" pitchFamily="18" charset="0"/>
-                        <a:ea typeface="Cambria" panose="02040503050406030204" pitchFamily="18" charset="0"/>
-                        <a:cs typeface="Times New Roman" panose="02020603050405020304" pitchFamily="18" charset="0"/>
-                      </a:endParaRPr>
-                    </a:p>
-                  </a:txBody>
-                  <a:tcPr marL="5717" marR="5717" marT="0" marB="0">
-                    <a:noFill/>
-                  </a:tcPr>
-                </a:tc>
-                <a:tc>
-                  <a:txBody>
-                    <a:bodyPr/>
-                    <a:lstStyle/>
-                    <a:p>
-                      <a:pPr marL="0" marR="0" algn="ctr">
-                        <a:spcBef>
-                          <a:spcPts val="0"/>
-                        </a:spcBef>
-                        <a:spcAft>
-                          <a:spcPts val="300"/>
-                        </a:spcAft>
-                      </a:pPr>
-                      <a:r>
-                        <a:rPr lang="en-US" sz="900">
-                          <a:effectLst/>
-                          <a:latin typeface="Times New Roman" panose="02020603050405020304" pitchFamily="18" charset="0"/>
-                          <a:cs typeface="Times New Roman" panose="02020603050405020304" pitchFamily="18" charset="0"/>
-                        </a:rPr>
-                        <a:t>Tanambao Marivorahona</a:t>
-                      </a:r>
-                      <a:endParaRPr lang="en-US" sz="900">
-                        <a:effectLst/>
-                        <a:latin typeface="Times New Roman" panose="02020603050405020304" pitchFamily="18" charset="0"/>
-                        <a:ea typeface="Cambria" panose="02040503050406030204" pitchFamily="18" charset="0"/>
-                        <a:cs typeface="Times New Roman" panose="02020603050405020304" pitchFamily="18" charset="0"/>
-                      </a:endParaRPr>
-                    </a:p>
-                  </a:txBody>
-                  <a:tcPr marL="5717" marR="5717" marT="0" marB="0">
-                    <a:noFill/>
-                  </a:tcPr>
-                </a:tc>
-                <a:extLst>
-                  <a:ext uri="{0D108BD9-81ED-4DB2-BD59-A6C34878D82A}">
-                    <a16:rowId xmlns:a16="http://schemas.microsoft.com/office/drawing/2014/main" val="1047646708"/>
-                  </a:ext>
-                </a:extLst>
-              </a:tr>
-              <a:tr h="127564">
-                <a:tc>
-                  <a:txBody>
-                    <a:bodyPr/>
-                    <a:lstStyle/>
-                    <a:p>
-                      <a:pPr marL="0" marR="0" algn="ctr">
-                        <a:spcBef>
-                          <a:spcPts val="0"/>
-                        </a:spcBef>
-                        <a:spcAft>
-                          <a:spcPts val="300"/>
-                        </a:spcAft>
-                      </a:pPr>
-                      <a:r>
-                        <a:rPr lang="en-US" sz="900">
-                          <a:effectLst/>
-                          <a:latin typeface="Times New Roman" panose="02020603050405020304" pitchFamily="18" charset="0"/>
-                          <a:cs typeface="Times New Roman" panose="02020603050405020304" pitchFamily="18" charset="0"/>
-                        </a:rPr>
-                        <a:t>Maroarivo</a:t>
-                      </a:r>
-                      <a:endParaRPr lang="en-US" sz="900">
-                        <a:effectLst/>
-                        <a:latin typeface="Times New Roman" panose="02020603050405020304" pitchFamily="18" charset="0"/>
-                        <a:ea typeface="Cambria" panose="02040503050406030204" pitchFamily="18" charset="0"/>
-                        <a:cs typeface="Times New Roman" panose="02020603050405020304" pitchFamily="18" charset="0"/>
-                      </a:endParaRPr>
-                    </a:p>
-                  </a:txBody>
-                  <a:tcPr marL="5717" marR="5717" marT="0" marB="0">
+                  <a:tcPr marL="4955" marR="4955" marT="0" marB="0">
                     <a:lnB w="28575" cap="flat" cmpd="sng" algn="ctr">
                       <a:solidFill>
                         <a:schemeClr val="tx1"/>
@@ -7351,7 +7164,7 @@
                           <a:latin typeface="Times New Roman" panose="02020603050405020304" pitchFamily="18" charset="0"/>
                           <a:cs typeface="Times New Roman" panose="02020603050405020304" pitchFamily="18" charset="0"/>
                         </a:rPr>
-                        <a:t>Maroarivo</a:t>
+                        <a:t>Manombo</a:t>
                       </a:r>
                       <a:r>
                         <a:rPr lang="en-US" sz="900" dirty="0">
@@ -7359,15 +7172,7 @@
                           <a:latin typeface="Times New Roman" panose="02020603050405020304" pitchFamily="18" charset="0"/>
                           <a:cs typeface="Times New Roman" panose="02020603050405020304" pitchFamily="18" charset="0"/>
                         </a:rPr>
-                        <a:t> </a:t>
-                      </a:r>
-                      <a:r>
-                        <a:rPr lang="en-US" sz="900" dirty="0" err="1">
-                          <a:effectLst/>
-                          <a:latin typeface="Times New Roman" panose="02020603050405020304" pitchFamily="18" charset="0"/>
-                          <a:cs typeface="Times New Roman" panose="02020603050405020304" pitchFamily="18" charset="0"/>
-                        </a:rPr>
-                        <a:t>Ankazomanga</a:t>
+                        <a:t> Sud</a:t>
                       </a:r>
                       <a:endParaRPr lang="en-US" sz="900" dirty="0">
                         <a:effectLst/>
@@ -7377,7 +7182,7 @@
                       </a:endParaRPr>
                     </a:p>
                   </a:txBody>
-                  <a:tcPr marL="5717" marR="5717" marT="0" marB="0">
+                  <a:tcPr marL="4955" marR="4955" marT="0" marB="0">
                     <a:lnB w="28575" cap="flat" cmpd="sng" algn="ctr">
                       <a:solidFill>
                         <a:schemeClr val="tx1"/>
@@ -7392,7 +7197,7 @@
                 </a:tc>
                 <a:extLst>
                   <a:ext uri="{0D108BD9-81ED-4DB2-BD59-A6C34878D82A}">
-                    <a16:rowId xmlns:a16="http://schemas.microsoft.com/office/drawing/2014/main" val="973848087"/>
+                    <a16:rowId xmlns:a16="http://schemas.microsoft.com/office/drawing/2014/main" val="2255903690"/>
                   </a:ext>
                 </a:extLst>
               </a:tr>
@@ -7415,14 +7220,14 @@
           <p:nvPr>
             <p:extLst>
               <p:ext uri="{D42A27DB-BD31-4B8C-83A1-F6EECF244321}">
-                <p14:modId xmlns:p14="http://schemas.microsoft.com/office/powerpoint/2010/main" val="3505412784"/>
+                <p14:modId xmlns:p14="http://schemas.microsoft.com/office/powerpoint/2010/main" val="2917838587"/>
               </p:ext>
             </p:extLst>
           </p:nvPr>
         </p:nvGraphicFramePr>
         <p:xfrm>
-          <a:off x="3421180" y="445209"/>
-          <a:ext cx="3061526" cy="7944420"/>
+          <a:off x="2965022" y="340628"/>
+          <a:ext cx="2653322" cy="7818120"/>
         </p:xfrm>
         <a:graphic>
           <a:graphicData uri="http://schemas.openxmlformats.org/drawingml/2006/table">
@@ -7431,14 +7236,14 @@
                 <a:tableStyleId>{5C22544A-7EE6-4342-B048-85BDC9FD1C3A}</a:tableStyleId>
               </a:tblPr>
               <a:tblGrid>
-                <a:gridCol w="1530763">
+                <a:gridCol w="1326661">
                   <a:extLst>
                     <a:ext uri="{9D8B030D-6E8A-4147-A177-3AD203B41FA5}">
                       <a16:colId xmlns:a16="http://schemas.microsoft.com/office/drawing/2014/main" val="2017217077"/>
                     </a:ext>
                   </a:extLst>
                 </a:gridCol>
-                <a:gridCol w="1530763">
+                <a:gridCol w="1326661">
                   <a:extLst>
                     <a:ext uri="{9D8B030D-6E8A-4147-A177-3AD203B41FA5}">
                       <a16:colId xmlns:a16="http://schemas.microsoft.com/office/drawing/2014/main" val="1518951187"/>
@@ -7446,7 +7251,7 @@
                   </a:extLst>
                 </a:gridCol>
               </a:tblGrid>
-              <a:tr h="144444">
+              <a:tr h="134006">
                 <a:tc>
                   <a:txBody>
                     <a:bodyPr/>
@@ -7476,7 +7281,7 @@
                       </a:endParaRPr>
                     </a:p>
                   </a:txBody>
-                  <a:tcPr marL="5717" marR="5717" marT="0" marB="0">
+                  <a:tcPr marL="4955" marR="4955" marT="0" marB="0">
                     <a:lnT w="28575" cap="flat" cmpd="sng" algn="ctr">
                       <a:solidFill>
                         <a:schemeClr val="tx1"/>
@@ -7527,7 +7332,7 @@
                       </a:endParaRPr>
                     </a:p>
                   </a:txBody>
-                  <a:tcPr marL="5717" marR="5717" marT="0" marB="0">
+                  <a:tcPr marL="4955" marR="4955" marT="0" marB="0">
                     <a:lnT w="28575" cap="flat" cmpd="sng" algn="ctr">
                       <a:solidFill>
                         <a:schemeClr val="tx1"/>
@@ -7555,37 +7360,37 @@
                   </a:ext>
                 </a:extLst>
               </a:tr>
-              <a:tr h="144444">
-                <a:tc>
-                  <a:txBody>
-                    <a:bodyPr/>
-                    <a:lstStyle/>
-                    <a:p>
-                      <a:pPr marL="0" marR="0" algn="ctr">
-                        <a:spcBef>
-                          <a:spcPts val="0"/>
-                        </a:spcBef>
-                        <a:spcAft>
-                          <a:spcPts val="300"/>
-                        </a:spcAft>
-                      </a:pPr>
-                      <a:r>
-                        <a:rPr lang="en-US" sz="900">
-                          <a:effectLst/>
-                          <a:latin typeface="Times New Roman" panose="02020603050405020304" pitchFamily="18" charset="0"/>
-                          <a:cs typeface="Times New Roman" panose="02020603050405020304" pitchFamily="18" charset="0"/>
-                        </a:rPr>
-                        <a:t>MarofotyMarofoty</a:t>
-                      </a:r>
-                      <a:endParaRPr lang="en-US" sz="900">
-                        <a:effectLst/>
-                        <a:latin typeface="Times New Roman" panose="02020603050405020304" pitchFamily="18" charset="0"/>
-                        <a:ea typeface="Cambria" panose="02040503050406030204" pitchFamily="18" charset="0"/>
-                        <a:cs typeface="Times New Roman" panose="02020603050405020304" pitchFamily="18" charset="0"/>
-                      </a:endParaRPr>
-                    </a:p>
-                  </a:txBody>
-                  <a:tcPr marL="5717" marR="5717" marT="0" marB="0">
+              <a:tr h="134006">
+                <a:tc>
+                  <a:txBody>
+                    <a:bodyPr/>
+                    <a:lstStyle/>
+                    <a:p>
+                      <a:pPr marL="0" marR="0" algn="ctr">
+                        <a:spcBef>
+                          <a:spcPts val="0"/>
+                        </a:spcBef>
+                        <a:spcAft>
+                          <a:spcPts val="300"/>
+                        </a:spcAft>
+                      </a:pPr>
+                      <a:r>
+                        <a:rPr lang="en-US" sz="900" dirty="0" err="1">
+                          <a:effectLst/>
+                          <a:latin typeface="Times New Roman" panose="02020603050405020304" pitchFamily="18" charset="0"/>
+                          <a:cs typeface="Times New Roman" panose="02020603050405020304" pitchFamily="18" charset="0"/>
+                        </a:rPr>
+                        <a:t>Marintampona</a:t>
+                      </a:r>
+                      <a:endParaRPr lang="en-US" sz="900" dirty="0">
+                        <a:effectLst/>
+                        <a:latin typeface="Times New Roman" panose="02020603050405020304" pitchFamily="18" charset="0"/>
+                        <a:ea typeface="Cambria" panose="02040503050406030204" pitchFamily="18" charset="0"/>
+                        <a:cs typeface="Times New Roman" panose="02020603050405020304" pitchFamily="18" charset="0"/>
+                      </a:endParaRPr>
+                    </a:p>
+                  </a:txBody>
+                  <a:tcPr marL="4955" marR="4955" marT="0" marB="0">
                     <a:lnT w="12700" cap="flat" cmpd="sng" algn="ctr">
                       <a:solidFill>
                         <a:schemeClr val="tx1"/>
@@ -7595,39 +7400,46 @@
                       <a:headEnd type="none" w="med" len="med"/>
                       <a:tailEnd type="none" w="med" len="med"/>
                     </a:lnT>
-                    <a:noFill/>
-                  </a:tcPr>
-                </a:tc>
-                <a:tc>
-                  <a:txBody>
-                    <a:bodyPr/>
-                    <a:lstStyle/>
-                    <a:p>
-                      <a:pPr marL="0" marR="0" algn="ctr">
-                        <a:spcBef>
-                          <a:spcPts val="0"/>
-                        </a:spcBef>
-                        <a:spcAft>
-                          <a:spcPts val="300"/>
-                        </a:spcAft>
-                      </a:pPr>
-                      <a:r>
-                        <a:rPr lang="en-US" sz="900" dirty="0" err="1">
-                          <a:effectLst/>
-                          <a:latin typeface="Times New Roman" panose="02020603050405020304" pitchFamily="18" charset="0"/>
-                          <a:cs typeface="Times New Roman" panose="02020603050405020304" pitchFamily="18" charset="0"/>
-                        </a:rPr>
-                        <a:t>Marofoty</a:t>
-                      </a:r>
-                      <a:endParaRPr lang="en-US" sz="900" dirty="0">
-                        <a:effectLst/>
-                        <a:latin typeface="Times New Roman" panose="02020603050405020304" pitchFamily="18" charset="0"/>
-                        <a:ea typeface="Cambria" panose="02040503050406030204" pitchFamily="18" charset="0"/>
-                        <a:cs typeface="Times New Roman" panose="02020603050405020304" pitchFamily="18" charset="0"/>
-                      </a:endParaRPr>
-                    </a:p>
-                  </a:txBody>
-                  <a:tcPr marL="5717" marR="5717" marT="0" marB="0">
+                    <a:lnB w="12700" cap="flat" cmpd="sng" algn="ctr">
+                      <a:noFill/>
+                      <a:prstDash val="solid"/>
+                      <a:round/>
+                      <a:headEnd type="none" w="med" len="med"/>
+                      <a:tailEnd type="none" w="med" len="med"/>
+                    </a:lnB>
+                    <a:noFill/>
+                  </a:tcPr>
+                </a:tc>
+                <a:tc>
+                  <a:txBody>
+                    <a:bodyPr/>
+                    <a:lstStyle/>
+                    <a:p>
+                      <a:pPr marL="0" marR="0" algn="ctr">
+                        <a:spcBef>
+                          <a:spcPts val="0"/>
+                        </a:spcBef>
+                        <a:spcAft>
+                          <a:spcPts val="300"/>
+                        </a:spcAft>
+                      </a:pPr>
+                      <a:r>
+                        <a:rPr lang="en-US" sz="900">
+                          <a:effectLst/>
+                          <a:latin typeface="Times New Roman" panose="02020603050405020304" pitchFamily="18" charset="0"/>
+                          <a:cs typeface="Times New Roman" panose="02020603050405020304" pitchFamily="18" charset="0"/>
+                        </a:rPr>
+                        <a:t>Maritampona</a:t>
+                      </a:r>
+                      <a:endParaRPr lang="en-US" sz="900">
+                        <a:effectLst/>
+                        <a:latin typeface="Times New Roman" panose="02020603050405020304" pitchFamily="18" charset="0"/>
+                        <a:ea typeface="Cambria" panose="02040503050406030204" pitchFamily="18" charset="0"/>
+                        <a:cs typeface="Times New Roman" panose="02020603050405020304" pitchFamily="18" charset="0"/>
+                      </a:endParaRPr>
+                    </a:p>
+                  </a:txBody>
+                  <a:tcPr marL="4955" marR="4955" marT="0" marB="0">
                     <a:lnT w="12700" cap="flat" cmpd="sng" algn="ctr">
                       <a:solidFill>
                         <a:schemeClr val="tx1"/>
@@ -7637,6 +7449,390 @@
                       <a:headEnd type="none" w="med" len="med"/>
                       <a:tailEnd type="none" w="med" len="med"/>
                     </a:lnT>
+                    <a:lnB w="12700" cap="flat" cmpd="sng" algn="ctr">
+                      <a:noFill/>
+                      <a:prstDash val="solid"/>
+                      <a:round/>
+                      <a:headEnd type="none" w="med" len="med"/>
+                      <a:tailEnd type="none" w="med" len="med"/>
+                    </a:lnB>
+                    <a:noFill/>
+                  </a:tcPr>
+                </a:tc>
+                <a:extLst>
+                  <a:ext uri="{0D108BD9-81ED-4DB2-BD59-A6C34878D82A}">
+                    <a16:rowId xmlns:a16="http://schemas.microsoft.com/office/drawing/2014/main" val="1023309767"/>
+                  </a:ext>
+                </a:extLst>
+              </a:tr>
+              <a:tr h="134006">
+                <a:tc>
+                  <a:txBody>
+                    <a:bodyPr/>
+                    <a:lstStyle/>
+                    <a:p>
+                      <a:pPr marL="0" marR="0" algn="ctr">
+                        <a:spcBef>
+                          <a:spcPts val="0"/>
+                        </a:spcBef>
+                        <a:spcAft>
+                          <a:spcPts val="300"/>
+                        </a:spcAft>
+                      </a:pPr>
+                      <a:r>
+                        <a:rPr lang="en-US" sz="900">
+                          <a:effectLst/>
+                          <a:latin typeface="Times New Roman" panose="02020603050405020304" pitchFamily="18" charset="0"/>
+                          <a:cs typeface="Times New Roman" panose="02020603050405020304" pitchFamily="18" charset="0"/>
+                        </a:rPr>
+                        <a:t>Marivorahona</a:t>
+                      </a:r>
+                      <a:endParaRPr lang="en-US" sz="900">
+                        <a:effectLst/>
+                        <a:latin typeface="Times New Roman" panose="02020603050405020304" pitchFamily="18" charset="0"/>
+                        <a:ea typeface="Cambria" panose="02040503050406030204" pitchFamily="18" charset="0"/>
+                        <a:cs typeface="Times New Roman" panose="02020603050405020304" pitchFamily="18" charset="0"/>
+                      </a:endParaRPr>
+                    </a:p>
+                  </a:txBody>
+                  <a:tcPr marL="4955" marR="4955" marT="0" marB="0">
+                    <a:lnL w="12700" cmpd="sng">
+                      <a:noFill/>
+                    </a:lnL>
+                    <a:lnR w="12700" cmpd="sng">
+                      <a:noFill/>
+                    </a:lnR>
+                    <a:lnT w="12700" cap="flat" cmpd="sng" algn="ctr">
+                      <a:noFill/>
+                      <a:prstDash val="solid"/>
+                      <a:round/>
+                      <a:headEnd type="none" w="med" len="med"/>
+                      <a:tailEnd type="none" w="med" len="med"/>
+                    </a:lnT>
+                    <a:lnB w="12700" cap="flat" cmpd="sng" algn="ctr">
+                      <a:noFill/>
+                      <a:prstDash val="solid"/>
+                      <a:round/>
+                      <a:headEnd type="none" w="med" len="med"/>
+                      <a:tailEnd type="none" w="med" len="med"/>
+                    </a:lnB>
+                    <a:lnTlToBr w="12700" cmpd="sng">
+                      <a:noFill/>
+                      <a:prstDash val="solid"/>
+                    </a:lnTlToBr>
+                    <a:lnBlToTr w="12700" cmpd="sng">
+                      <a:noFill/>
+                      <a:prstDash val="solid"/>
+                    </a:lnBlToTr>
+                    <a:noFill/>
+                  </a:tcPr>
+                </a:tc>
+                <a:tc>
+                  <a:txBody>
+                    <a:bodyPr/>
+                    <a:lstStyle/>
+                    <a:p>
+                      <a:pPr marL="0" marR="0" algn="ctr">
+                        <a:spcBef>
+                          <a:spcPts val="0"/>
+                        </a:spcBef>
+                        <a:spcAft>
+                          <a:spcPts val="300"/>
+                        </a:spcAft>
+                      </a:pPr>
+                      <a:r>
+                        <a:rPr lang="en-US" sz="900" dirty="0" err="1">
+                          <a:effectLst/>
+                          <a:latin typeface="Times New Roman" panose="02020603050405020304" pitchFamily="18" charset="0"/>
+                          <a:cs typeface="Times New Roman" panose="02020603050405020304" pitchFamily="18" charset="0"/>
+                        </a:rPr>
+                        <a:t>Tanambao</a:t>
+                      </a:r>
+                      <a:r>
+                        <a:rPr lang="en-US" sz="900" dirty="0">
+                          <a:effectLst/>
+                          <a:latin typeface="Times New Roman" panose="02020603050405020304" pitchFamily="18" charset="0"/>
+                          <a:cs typeface="Times New Roman" panose="02020603050405020304" pitchFamily="18" charset="0"/>
+                        </a:rPr>
+                        <a:t> </a:t>
+                      </a:r>
+                      <a:r>
+                        <a:rPr lang="en-US" sz="900" dirty="0" err="1">
+                          <a:effectLst/>
+                          <a:latin typeface="Times New Roman" panose="02020603050405020304" pitchFamily="18" charset="0"/>
+                          <a:cs typeface="Times New Roman" panose="02020603050405020304" pitchFamily="18" charset="0"/>
+                        </a:rPr>
+                        <a:t>Marivorahona</a:t>
+                      </a:r>
+                      <a:endParaRPr lang="en-US" sz="900" dirty="0">
+                        <a:effectLst/>
+                        <a:latin typeface="Times New Roman" panose="02020603050405020304" pitchFamily="18" charset="0"/>
+                        <a:ea typeface="Cambria" panose="02040503050406030204" pitchFamily="18" charset="0"/>
+                        <a:cs typeface="Times New Roman" panose="02020603050405020304" pitchFamily="18" charset="0"/>
+                      </a:endParaRPr>
+                    </a:p>
+                  </a:txBody>
+                  <a:tcPr marL="4955" marR="4955" marT="0" marB="0">
+                    <a:lnL w="12700" cmpd="sng">
+                      <a:noFill/>
+                    </a:lnL>
+                    <a:lnR w="12700" cmpd="sng">
+                      <a:noFill/>
+                    </a:lnR>
+                    <a:lnT w="12700" cap="flat" cmpd="sng" algn="ctr">
+                      <a:noFill/>
+                      <a:prstDash val="solid"/>
+                      <a:round/>
+                      <a:headEnd type="none" w="med" len="med"/>
+                      <a:tailEnd type="none" w="med" len="med"/>
+                    </a:lnT>
+                    <a:lnB w="12700" cap="flat" cmpd="sng" algn="ctr">
+                      <a:noFill/>
+                      <a:prstDash val="solid"/>
+                      <a:round/>
+                      <a:headEnd type="none" w="med" len="med"/>
+                      <a:tailEnd type="none" w="med" len="med"/>
+                    </a:lnB>
+                    <a:lnTlToBr w="12700" cmpd="sng">
+                      <a:noFill/>
+                      <a:prstDash val="solid"/>
+                    </a:lnTlToBr>
+                    <a:lnBlToTr w="12700" cmpd="sng">
+                      <a:noFill/>
+                      <a:prstDash val="solid"/>
+                    </a:lnBlToTr>
+                    <a:noFill/>
+                  </a:tcPr>
+                </a:tc>
+                <a:extLst>
+                  <a:ext uri="{0D108BD9-81ED-4DB2-BD59-A6C34878D82A}">
+                    <a16:rowId xmlns:a16="http://schemas.microsoft.com/office/drawing/2014/main" val="3953066824"/>
+                  </a:ext>
+                </a:extLst>
+              </a:tr>
+              <a:tr h="134006">
+                <a:tc>
+                  <a:txBody>
+                    <a:bodyPr/>
+                    <a:lstStyle/>
+                    <a:p>
+                      <a:pPr marL="0" marR="0" algn="ctr">
+                        <a:spcBef>
+                          <a:spcPts val="0"/>
+                        </a:spcBef>
+                        <a:spcAft>
+                          <a:spcPts val="300"/>
+                        </a:spcAft>
+                      </a:pPr>
+                      <a:r>
+                        <a:rPr lang="en-US" sz="900">
+                          <a:effectLst/>
+                          <a:latin typeface="Times New Roman" panose="02020603050405020304" pitchFamily="18" charset="0"/>
+                          <a:cs typeface="Times New Roman" panose="02020603050405020304" pitchFamily="18" charset="0"/>
+                        </a:rPr>
+                        <a:t>Maroarivo</a:t>
+                      </a:r>
+                      <a:endParaRPr lang="en-US" sz="900">
+                        <a:effectLst/>
+                        <a:latin typeface="Times New Roman" panose="02020603050405020304" pitchFamily="18" charset="0"/>
+                        <a:ea typeface="Cambria" panose="02040503050406030204" pitchFamily="18" charset="0"/>
+                        <a:cs typeface="Times New Roman" panose="02020603050405020304" pitchFamily="18" charset="0"/>
+                      </a:endParaRPr>
+                    </a:p>
+                  </a:txBody>
+                  <a:tcPr marL="4955" marR="4955" marT="0" marB="0">
+                    <a:lnL w="12700" cmpd="sng">
+                      <a:noFill/>
+                    </a:lnL>
+                    <a:lnR w="12700" cmpd="sng">
+                      <a:noFill/>
+                    </a:lnR>
+                    <a:lnT w="12700" cap="flat" cmpd="sng" algn="ctr">
+                      <a:noFill/>
+                      <a:prstDash val="solid"/>
+                      <a:round/>
+                      <a:headEnd type="none" w="med" len="med"/>
+                      <a:tailEnd type="none" w="med" len="med"/>
+                    </a:lnT>
+                    <a:lnB w="12700" cap="flat" cmpd="sng" algn="ctr">
+                      <a:noFill/>
+                      <a:prstDash val="solid"/>
+                      <a:round/>
+                      <a:headEnd type="none" w="med" len="med"/>
+                      <a:tailEnd type="none" w="med" len="med"/>
+                    </a:lnB>
+                    <a:lnTlToBr w="12700" cmpd="sng">
+                      <a:noFill/>
+                      <a:prstDash val="solid"/>
+                    </a:lnTlToBr>
+                    <a:lnBlToTr w="12700" cmpd="sng">
+                      <a:noFill/>
+                      <a:prstDash val="solid"/>
+                    </a:lnBlToTr>
+                    <a:noFill/>
+                  </a:tcPr>
+                </a:tc>
+                <a:tc>
+                  <a:txBody>
+                    <a:bodyPr/>
+                    <a:lstStyle/>
+                    <a:p>
+                      <a:pPr marL="0" marR="0" algn="ctr">
+                        <a:spcBef>
+                          <a:spcPts val="0"/>
+                        </a:spcBef>
+                        <a:spcAft>
+                          <a:spcPts val="300"/>
+                        </a:spcAft>
+                      </a:pPr>
+                      <a:r>
+                        <a:rPr lang="en-US" sz="900" dirty="0" err="1">
+                          <a:effectLst/>
+                          <a:latin typeface="Times New Roman" panose="02020603050405020304" pitchFamily="18" charset="0"/>
+                          <a:cs typeface="Times New Roman" panose="02020603050405020304" pitchFamily="18" charset="0"/>
+                        </a:rPr>
+                        <a:t>Maroarivo</a:t>
+                      </a:r>
+                      <a:r>
+                        <a:rPr lang="en-US" sz="900" dirty="0">
+                          <a:effectLst/>
+                          <a:latin typeface="Times New Roman" panose="02020603050405020304" pitchFamily="18" charset="0"/>
+                          <a:cs typeface="Times New Roman" panose="02020603050405020304" pitchFamily="18" charset="0"/>
+                        </a:rPr>
+                        <a:t> </a:t>
+                      </a:r>
+                      <a:r>
+                        <a:rPr lang="en-US" sz="900" dirty="0" err="1">
+                          <a:effectLst/>
+                          <a:latin typeface="Times New Roman" panose="02020603050405020304" pitchFamily="18" charset="0"/>
+                          <a:cs typeface="Times New Roman" panose="02020603050405020304" pitchFamily="18" charset="0"/>
+                        </a:rPr>
+                        <a:t>Ankazomanga</a:t>
+                      </a:r>
+                      <a:endParaRPr lang="en-US" sz="900" dirty="0">
+                        <a:effectLst/>
+                        <a:latin typeface="Times New Roman" panose="02020603050405020304" pitchFamily="18" charset="0"/>
+                        <a:ea typeface="Cambria" panose="02040503050406030204" pitchFamily="18" charset="0"/>
+                        <a:cs typeface="Times New Roman" panose="02020603050405020304" pitchFamily="18" charset="0"/>
+                      </a:endParaRPr>
+                    </a:p>
+                  </a:txBody>
+                  <a:tcPr marL="4955" marR="4955" marT="0" marB="0">
+                    <a:lnL w="12700" cmpd="sng">
+                      <a:noFill/>
+                    </a:lnL>
+                    <a:lnR w="12700" cmpd="sng">
+                      <a:noFill/>
+                    </a:lnR>
+                    <a:lnT w="12700" cap="flat" cmpd="sng" algn="ctr">
+                      <a:noFill/>
+                      <a:prstDash val="solid"/>
+                      <a:round/>
+                      <a:headEnd type="none" w="med" len="med"/>
+                      <a:tailEnd type="none" w="med" len="med"/>
+                    </a:lnT>
+                    <a:lnB w="12700" cap="flat" cmpd="sng" algn="ctr">
+                      <a:noFill/>
+                      <a:prstDash val="solid"/>
+                      <a:round/>
+                      <a:headEnd type="none" w="med" len="med"/>
+                      <a:tailEnd type="none" w="med" len="med"/>
+                    </a:lnB>
+                    <a:lnTlToBr w="12700" cmpd="sng">
+                      <a:noFill/>
+                      <a:prstDash val="solid"/>
+                    </a:lnTlToBr>
+                    <a:lnBlToTr w="12700" cmpd="sng">
+                      <a:noFill/>
+                      <a:prstDash val="solid"/>
+                    </a:lnBlToTr>
+                    <a:noFill/>
+                  </a:tcPr>
+                </a:tc>
+                <a:extLst>
+                  <a:ext uri="{0D108BD9-81ED-4DB2-BD59-A6C34878D82A}">
+                    <a16:rowId xmlns:a16="http://schemas.microsoft.com/office/drawing/2014/main" val="3620569479"/>
+                  </a:ext>
+                </a:extLst>
+              </a:tr>
+              <a:tr h="134006">
+                <a:tc>
+                  <a:txBody>
+                    <a:bodyPr/>
+                    <a:lstStyle/>
+                    <a:p>
+                      <a:pPr marL="0" marR="0" algn="ctr">
+                        <a:spcBef>
+                          <a:spcPts val="0"/>
+                        </a:spcBef>
+                        <a:spcAft>
+                          <a:spcPts val="300"/>
+                        </a:spcAft>
+                      </a:pPr>
+                      <a:r>
+                        <a:rPr lang="en-US" sz="900" dirty="0" err="1">
+                          <a:effectLst/>
+                          <a:latin typeface="Times New Roman" panose="02020603050405020304" pitchFamily="18" charset="0"/>
+                          <a:cs typeface="Times New Roman" panose="02020603050405020304" pitchFamily="18" charset="0"/>
+                        </a:rPr>
+                        <a:t>MarofotyMarofoty</a:t>
+                      </a:r>
+                      <a:endParaRPr lang="en-US" sz="900" dirty="0">
+                        <a:effectLst/>
+                        <a:latin typeface="Times New Roman" panose="02020603050405020304" pitchFamily="18" charset="0"/>
+                        <a:ea typeface="Cambria" panose="02040503050406030204" pitchFamily="18" charset="0"/>
+                        <a:cs typeface="Times New Roman" panose="02020603050405020304" pitchFamily="18" charset="0"/>
+                      </a:endParaRPr>
+                    </a:p>
+                  </a:txBody>
+                  <a:tcPr marL="4955" marR="4955" marT="0" marB="0">
+                    <a:lnT w="12700" cap="flat" cmpd="sng" algn="ctr">
+                      <a:noFill/>
+                      <a:prstDash val="solid"/>
+                      <a:round/>
+                      <a:headEnd type="none" w="med" len="med"/>
+                      <a:tailEnd type="none" w="med" len="med"/>
+                    </a:lnT>
+                    <a:noFill/>
+                  </a:tcPr>
+                </a:tc>
+                <a:tc>
+                  <a:txBody>
+                    <a:bodyPr/>
+                    <a:lstStyle/>
+                    <a:p>
+                      <a:pPr marL="0" marR="0" algn="ctr">
+                        <a:spcBef>
+                          <a:spcPts val="0"/>
+                        </a:spcBef>
+                        <a:spcAft>
+                          <a:spcPts val="300"/>
+                        </a:spcAft>
+                      </a:pPr>
+                      <a:r>
+                        <a:rPr lang="en-US" sz="900" dirty="0" err="1">
+                          <a:effectLst/>
+                          <a:latin typeface="Times New Roman" panose="02020603050405020304" pitchFamily="18" charset="0"/>
+                          <a:cs typeface="Times New Roman" panose="02020603050405020304" pitchFamily="18" charset="0"/>
+                        </a:rPr>
+                        <a:t>Marofoty</a:t>
+                      </a:r>
+                      <a:endParaRPr lang="en-US" sz="900" dirty="0">
+                        <a:effectLst/>
+                        <a:latin typeface="Times New Roman" panose="02020603050405020304" pitchFamily="18" charset="0"/>
+                        <a:ea typeface="Cambria" panose="02040503050406030204" pitchFamily="18" charset="0"/>
+                        <a:cs typeface="Times New Roman" panose="02020603050405020304" pitchFamily="18" charset="0"/>
+                      </a:endParaRPr>
+                    </a:p>
+                  </a:txBody>
+                  <a:tcPr marL="4955" marR="4955" marT="0" marB="0">
+                    <a:lnT w="12700" cap="flat" cmpd="sng" algn="ctr">
+                      <a:noFill/>
+                      <a:prstDash val="solid"/>
+                      <a:round/>
+                      <a:headEnd type="none" w="med" len="med"/>
+                      <a:tailEnd type="none" w="med" len="med"/>
+                    </a:lnT>
                     <a:noFill/>
                   </a:tcPr>
                 </a:tc>
@@ -7646,37 +7842,37 @@
                   </a:ext>
                 </a:extLst>
               </a:tr>
-              <a:tr h="144444">
-                <a:tc>
-                  <a:txBody>
-                    <a:bodyPr/>
-                    <a:lstStyle/>
-                    <a:p>
-                      <a:pPr marL="0" marR="0" algn="ctr">
-                        <a:spcBef>
-                          <a:spcPts val="0"/>
-                        </a:spcBef>
-                        <a:spcAft>
-                          <a:spcPts val="300"/>
-                        </a:spcAft>
-                      </a:pPr>
-                      <a:r>
-                        <a:rPr lang="en-US" sz="900">
+              <a:tr h="134006">
+                <a:tc>
+                  <a:txBody>
+                    <a:bodyPr/>
+                    <a:lstStyle/>
+                    <a:p>
+                      <a:pPr marL="0" marR="0" algn="ctr">
+                        <a:spcBef>
+                          <a:spcPts val="0"/>
+                        </a:spcBef>
+                        <a:spcAft>
+                          <a:spcPts val="300"/>
+                        </a:spcAft>
+                      </a:pPr>
+                      <a:r>
+                        <a:rPr lang="en-US" sz="900" dirty="0" err="1">
                           <a:effectLst/>
                           <a:latin typeface="Times New Roman" panose="02020603050405020304" pitchFamily="18" charset="0"/>
                           <a:cs typeface="Times New Roman" panose="02020603050405020304" pitchFamily="18" charset="0"/>
                         </a:rPr>
                         <a:t>Maromokotra-Loky</a:t>
                       </a:r>
-                      <a:endParaRPr lang="en-US" sz="900">
-                        <a:effectLst/>
-                        <a:latin typeface="Times New Roman" panose="02020603050405020304" pitchFamily="18" charset="0"/>
-                        <a:ea typeface="Cambria" panose="02040503050406030204" pitchFamily="18" charset="0"/>
-                        <a:cs typeface="Times New Roman" panose="02020603050405020304" pitchFamily="18" charset="0"/>
-                      </a:endParaRPr>
-                    </a:p>
-                  </a:txBody>
-                  <a:tcPr marL="5717" marR="5717" marT="0" marB="0">
+                      <a:endParaRPr lang="en-US" sz="900" dirty="0">
+                        <a:effectLst/>
+                        <a:latin typeface="Times New Roman" panose="02020603050405020304" pitchFamily="18" charset="0"/>
+                        <a:ea typeface="Cambria" panose="02040503050406030204" pitchFamily="18" charset="0"/>
+                        <a:cs typeface="Times New Roman" panose="02020603050405020304" pitchFamily="18" charset="0"/>
+                      </a:endParaRPr>
+                    </a:p>
+                  </a:txBody>
+                  <a:tcPr marL="4955" marR="4955" marT="0" marB="0">
                     <a:noFill/>
                   </a:tcPr>
                 </a:tc>
@@ -7709,7 +7905,7 @@
                       </a:endParaRPr>
                     </a:p>
                   </a:txBody>
-                  <a:tcPr marL="5717" marR="5717" marT="0" marB="0">
+                  <a:tcPr marL="4955" marR="4955" marT="0" marB="0">
                     <a:noFill/>
                   </a:tcPr>
                 </a:tc>
@@ -7719,7 +7915,7 @@
                   </a:ext>
                 </a:extLst>
               </a:tr>
-              <a:tr h="144444">
+              <a:tr h="134006">
                 <a:tc>
                   <a:txBody>
                     <a:bodyPr/>
@@ -7749,7 +7945,7 @@
                       </a:endParaRPr>
                     </a:p>
                   </a:txBody>
-                  <a:tcPr marL="5717" marR="5717" marT="0" marB="0">
+                  <a:tcPr marL="4955" marR="4955" marT="0" marB="0">
                     <a:noFill/>
                   </a:tcPr>
                 </a:tc>
@@ -7782,7 +7978,7 @@
                       </a:endParaRPr>
                     </a:p>
                   </a:txBody>
-                  <a:tcPr marL="5717" marR="5717" marT="0" marB="0">
+                  <a:tcPr marL="4955" marR="4955" marT="0" marB="0">
                     <a:noFill/>
                   </a:tcPr>
                 </a:tc>
@@ -7792,7 +7988,7 @@
                   </a:ext>
                 </a:extLst>
               </a:tr>
-              <a:tr h="144444">
+              <a:tr h="134006">
                 <a:tc>
                   <a:txBody>
                     <a:bodyPr/>
@@ -7822,7 +8018,7 @@
                       </a:endParaRPr>
                     </a:p>
                   </a:txBody>
-                  <a:tcPr marL="5717" marR="5717" marT="0" marB="0">
+                  <a:tcPr marL="4955" marR="4955" marT="0" marB="0">
                     <a:noFill/>
                   </a:tcPr>
                 </a:tc>
@@ -7863,7 +8059,7 @@
                       </a:endParaRPr>
                     </a:p>
                   </a:txBody>
-                  <a:tcPr marL="5717" marR="5717" marT="0" marB="0">
+                  <a:tcPr marL="4955" marR="4955" marT="0" marB="0">
                     <a:noFill/>
                   </a:tcPr>
                 </a:tc>
@@ -7873,7 +8069,7 @@
                   </a:ext>
                 </a:extLst>
               </a:tr>
-              <a:tr h="144444">
+              <a:tr h="134006">
                 <a:tc>
                   <a:txBody>
                     <a:bodyPr/>
@@ -7903,7 +8099,7 @@
                       </a:endParaRPr>
                     </a:p>
                   </a:txBody>
-                  <a:tcPr marL="5717" marR="5717" marT="0" marB="0">
+                  <a:tcPr marL="4955" marR="4955" marT="0" marB="0">
                     <a:noFill/>
                   </a:tcPr>
                 </a:tc>
@@ -7936,7 +8132,7 @@
                       </a:endParaRPr>
                     </a:p>
                   </a:txBody>
-                  <a:tcPr marL="5717" marR="5717" marT="0" marB="0">
+                  <a:tcPr marL="4955" marR="4955" marT="0" marB="0">
                     <a:noFill/>
                   </a:tcPr>
                 </a:tc>
@@ -7946,7 +8142,7 @@
                   </a:ext>
                 </a:extLst>
               </a:tr>
-              <a:tr h="144444">
+              <a:tr h="134006">
                 <a:tc>
                   <a:txBody>
                     <a:bodyPr/>
@@ -7976,7 +8172,7 @@
                       </a:endParaRPr>
                     </a:p>
                   </a:txBody>
-                  <a:tcPr marL="5717" marR="5717" marT="0" marB="0">
+                  <a:tcPr marL="4955" marR="4955" marT="0" marB="0">
                     <a:noFill/>
                   </a:tcPr>
                 </a:tc>
@@ -8009,7 +8205,7 @@
                       </a:endParaRPr>
                     </a:p>
                   </a:txBody>
-                  <a:tcPr marL="5717" marR="5717" marT="0" marB="0">
+                  <a:tcPr marL="4955" marR="4955" marT="0" marB="0">
                     <a:noFill/>
                   </a:tcPr>
                 </a:tc>
@@ -8019,7 +8215,7 @@
                   </a:ext>
                 </a:extLst>
               </a:tr>
-              <a:tr h="144444">
+              <a:tr h="134006">
                 <a:tc>
                   <a:txBody>
                     <a:bodyPr/>
@@ -8049,7 +8245,7 @@
                       </a:endParaRPr>
                     </a:p>
                   </a:txBody>
-                  <a:tcPr marL="5717" marR="5717" marT="0" marB="0">
+                  <a:tcPr marL="4955" marR="4955" marT="0" marB="0">
                     <a:noFill/>
                   </a:tcPr>
                 </a:tc>
@@ -8082,7 +8278,7 @@
                       </a:endParaRPr>
                     </a:p>
                   </a:txBody>
-                  <a:tcPr marL="5717" marR="5717" marT="0" marB="0">
+                  <a:tcPr marL="4955" marR="4955" marT="0" marB="0">
                     <a:noFill/>
                   </a:tcPr>
                 </a:tc>
@@ -8092,7 +8288,7 @@
                   </a:ext>
                 </a:extLst>
               </a:tr>
-              <a:tr h="144444">
+              <a:tr h="134006">
                 <a:tc>
                   <a:txBody>
                     <a:bodyPr/>
@@ -8122,7 +8318,7 @@
                       </a:endParaRPr>
                     </a:p>
                   </a:txBody>
-                  <a:tcPr marL="5717" marR="5717" marT="0" marB="0">
+                  <a:tcPr marL="4955" marR="4955" marT="0" marB="0">
                     <a:noFill/>
                   </a:tcPr>
                 </a:tc>
@@ -8155,7 +8351,7 @@
                       </a:endParaRPr>
                     </a:p>
                   </a:txBody>
-                  <a:tcPr marL="5717" marR="5717" marT="0" marB="0">
+                  <a:tcPr marL="4955" marR="4955" marT="0" marB="0">
                     <a:noFill/>
                   </a:tcPr>
                 </a:tc>
@@ -8165,7 +8361,7 @@
                   </a:ext>
                 </a:extLst>
               </a:tr>
-              <a:tr h="144444">
+              <a:tr h="134006">
                 <a:tc>
                   <a:txBody>
                     <a:bodyPr/>
@@ -8195,7 +8391,7 @@
                       </a:endParaRPr>
                     </a:p>
                   </a:txBody>
-                  <a:tcPr marL="5717" marR="5717" marT="0" marB="0">
+                  <a:tcPr marL="4955" marR="4955" marT="0" marB="0">
                     <a:noFill/>
                   </a:tcPr>
                 </a:tc>
@@ -8228,7 +8424,7 @@
                       </a:endParaRPr>
                     </a:p>
                   </a:txBody>
-                  <a:tcPr marL="5717" marR="5717" marT="0" marB="0">
+                  <a:tcPr marL="4955" marR="4955" marT="0" marB="0">
                     <a:noFill/>
                   </a:tcPr>
                 </a:tc>
@@ -8238,40 +8434,7 @@
                   </a:ext>
                 </a:extLst>
               </a:tr>
-              <a:tr h="144444">
-                <a:tc>
-                  <a:txBody>
-                    <a:bodyPr/>
-                    <a:lstStyle/>
-                    <a:p>
-                      <a:pPr marL="0" marR="0" algn="ctr">
-                        <a:spcBef>
-                          <a:spcPts val="0"/>
-                        </a:spcBef>
-                        <a:spcAft>
-                          <a:spcPts val="300"/>
-                        </a:spcAft>
-                      </a:pPr>
-                      <a:r>
-                        <a:rPr lang="en-US" sz="900">
-                          <a:effectLst/>
-                          <a:latin typeface="Times New Roman" panose="02020603050405020304" pitchFamily="18" charset="0"/>
-                          <a:cs typeface="Times New Roman" panose="02020603050405020304" pitchFamily="18" charset="0"/>
-                        </a:rPr>
-                        <a:t>Morarano Gare</a:t>
-                      </a:r>
-                      <a:endParaRPr lang="en-US" sz="900">
-                        <a:effectLst/>
-                        <a:latin typeface="Times New Roman" panose="02020603050405020304" pitchFamily="18" charset="0"/>
-                        <a:ea typeface="Cambria" panose="02040503050406030204" pitchFamily="18" charset="0"/>
-                        <a:cs typeface="Times New Roman" panose="02020603050405020304" pitchFamily="18" charset="0"/>
-                      </a:endParaRPr>
-                    </a:p>
-                  </a:txBody>
-                  <a:tcPr marL="5717" marR="5717" marT="0" marB="0">
-                    <a:noFill/>
-                  </a:tcPr>
-                </a:tc>
+              <a:tr h="134006">
                 <a:tc>
                   <a:txBody>
                     <a:bodyPr/>
@@ -8299,6 +8462,47 @@
                           <a:latin typeface="Times New Roman" panose="02020603050405020304" pitchFamily="18" charset="0"/>
                           <a:cs typeface="Times New Roman" panose="02020603050405020304" pitchFamily="18" charset="0"/>
                         </a:rPr>
+                        <a:t> Gare</a:t>
+                      </a:r>
+                      <a:endParaRPr lang="en-US" sz="900" dirty="0">
+                        <a:effectLst/>
+                        <a:latin typeface="Times New Roman" panose="02020603050405020304" pitchFamily="18" charset="0"/>
+                        <a:ea typeface="Cambria" panose="02040503050406030204" pitchFamily="18" charset="0"/>
+                        <a:cs typeface="Times New Roman" panose="02020603050405020304" pitchFamily="18" charset="0"/>
+                      </a:endParaRPr>
+                    </a:p>
+                  </a:txBody>
+                  <a:tcPr marL="4955" marR="4955" marT="0" marB="0">
+                    <a:noFill/>
+                  </a:tcPr>
+                </a:tc>
+                <a:tc>
+                  <a:txBody>
+                    <a:bodyPr/>
+                    <a:lstStyle/>
+                    <a:p>
+                      <a:pPr marL="0" marR="0" algn="ctr">
+                        <a:spcBef>
+                          <a:spcPts val="0"/>
+                        </a:spcBef>
+                        <a:spcAft>
+                          <a:spcPts val="300"/>
+                        </a:spcAft>
+                      </a:pPr>
+                      <a:r>
+                        <a:rPr lang="en-US" sz="900" dirty="0" err="1">
+                          <a:effectLst/>
+                          <a:latin typeface="Times New Roman" panose="02020603050405020304" pitchFamily="18" charset="0"/>
+                          <a:cs typeface="Times New Roman" panose="02020603050405020304" pitchFamily="18" charset="0"/>
+                        </a:rPr>
+                        <a:t>Morarano</a:t>
+                      </a:r>
+                      <a:r>
+                        <a:rPr lang="en-US" sz="900" dirty="0">
+                          <a:effectLst/>
+                          <a:latin typeface="Times New Roman" panose="02020603050405020304" pitchFamily="18" charset="0"/>
+                          <a:cs typeface="Times New Roman" panose="02020603050405020304" pitchFamily="18" charset="0"/>
+                        </a:rPr>
                         <a:t> </a:t>
                       </a:r>
                       <a:r>
@@ -8317,7 +8521,7 @@
                       </a:endParaRPr>
                     </a:p>
                   </a:txBody>
-                  <a:tcPr marL="5717" marR="5717" marT="0" marB="0">
+                  <a:tcPr marL="4955" marR="4955" marT="0" marB="0">
                     <a:noFill/>
                   </a:tcPr>
                 </a:tc>
@@ -8327,7 +8531,7 @@
                   </a:ext>
                 </a:extLst>
               </a:tr>
-              <a:tr h="144444">
+              <a:tr h="134006">
                 <a:tc>
                   <a:txBody>
                     <a:bodyPr/>
@@ -8357,7 +8561,7 @@
                       </a:endParaRPr>
                     </a:p>
                   </a:txBody>
-                  <a:tcPr marL="5717" marR="5717" marT="0" marB="0">
+                  <a:tcPr marL="4955" marR="4955" marT="0" marB="0">
                     <a:noFill/>
                   </a:tcPr>
                 </a:tc>
@@ -8390,7 +8594,7 @@
                       </a:endParaRPr>
                     </a:p>
                   </a:txBody>
-                  <a:tcPr marL="5717" marR="5717" marT="0" marB="0">
+                  <a:tcPr marL="4955" marR="4955" marT="0" marB="0">
                     <a:noFill/>
                   </a:tcPr>
                 </a:tc>
@@ -8400,7 +8604,7 @@
                   </a:ext>
                 </a:extLst>
               </a:tr>
-              <a:tr h="144444">
+              <a:tr h="134006">
                 <a:tc>
                   <a:txBody>
                     <a:bodyPr/>
@@ -8430,7 +8634,7 @@
                       </a:endParaRPr>
                     </a:p>
                   </a:txBody>
-                  <a:tcPr marL="5717" marR="5717" marT="0" marB="0">
+                  <a:tcPr marL="4955" marR="4955" marT="0" marB="0">
                     <a:noFill/>
                   </a:tcPr>
                 </a:tc>
@@ -8479,7 +8683,7 @@
                       </a:endParaRPr>
                     </a:p>
                   </a:txBody>
-                  <a:tcPr marL="5717" marR="5717" marT="0" marB="0">
+                  <a:tcPr marL="4955" marR="4955" marT="0" marB="0">
                     <a:noFill/>
                   </a:tcPr>
                 </a:tc>
@@ -8489,7 +8693,7 @@
                   </a:ext>
                 </a:extLst>
               </a:tr>
-              <a:tr h="144444">
+              <a:tr h="134006">
                 <a:tc>
                   <a:txBody>
                     <a:bodyPr/>
@@ -8519,7 +8723,7 @@
                       </a:endParaRPr>
                     </a:p>
                   </a:txBody>
-                  <a:tcPr marL="5717" marR="5717" marT="0" marB="0">
+                  <a:tcPr marL="4955" marR="4955" marT="0" marB="0">
                     <a:noFill/>
                   </a:tcPr>
                 </a:tc>
@@ -8552,7 +8756,7 @@
                       </a:endParaRPr>
                     </a:p>
                   </a:txBody>
-                  <a:tcPr marL="5717" marR="5717" marT="0" marB="0">
+                  <a:tcPr marL="4955" marR="4955" marT="0" marB="0">
                     <a:noFill/>
                   </a:tcPr>
                 </a:tc>
@@ -8562,7 +8766,7 @@
                   </a:ext>
                 </a:extLst>
               </a:tr>
-              <a:tr h="144444">
+              <a:tr h="134006">
                 <a:tc>
                   <a:txBody>
                     <a:bodyPr/>
@@ -8592,7 +8796,7 @@
                       </a:endParaRPr>
                     </a:p>
                   </a:txBody>
-                  <a:tcPr marL="5717" marR="5717" marT="0" marB="0">
+                  <a:tcPr marL="4955" marR="4955" marT="0" marB="0">
                     <a:noFill/>
                   </a:tcPr>
                 </a:tc>
@@ -8625,7 +8829,7 @@
                       </a:endParaRPr>
                     </a:p>
                   </a:txBody>
-                  <a:tcPr marL="5717" marR="5717" marT="0" marB="0">
+                  <a:tcPr marL="4955" marR="4955" marT="0" marB="0">
                     <a:noFill/>
                   </a:tcPr>
                 </a:tc>
@@ -8635,7 +8839,7 @@
                   </a:ext>
                 </a:extLst>
               </a:tr>
-              <a:tr h="144444">
+              <a:tr h="134006">
                 <a:tc>
                   <a:txBody>
                     <a:bodyPr/>
@@ -8665,7 +8869,7 @@
                       </a:endParaRPr>
                     </a:p>
                   </a:txBody>
-                  <a:tcPr marL="5717" marR="5717" marT="0" marB="0">
+                  <a:tcPr marL="4955" marR="4955" marT="0" marB="0">
                     <a:noFill/>
                   </a:tcPr>
                 </a:tc>
@@ -8698,7 +8902,7 @@
                       </a:endParaRPr>
                     </a:p>
                   </a:txBody>
-                  <a:tcPr marL="5717" marR="5717" marT="0" marB="0">
+                  <a:tcPr marL="4955" marR="4955" marT="0" marB="0">
                     <a:noFill/>
                   </a:tcPr>
                 </a:tc>
@@ -8708,7 +8912,7 @@
                   </a:ext>
                 </a:extLst>
               </a:tr>
-              <a:tr h="144444">
+              <a:tr h="134006">
                 <a:tc>
                   <a:txBody>
                     <a:bodyPr/>
@@ -8738,7 +8942,7 @@
                       </a:endParaRPr>
                     </a:p>
                   </a:txBody>
-                  <a:tcPr marL="5717" marR="5717" marT="0" marB="0">
+                  <a:tcPr marL="4955" marR="4955" marT="0" marB="0">
                     <a:noFill/>
                   </a:tcPr>
                 </a:tc>
@@ -8771,7 +8975,7 @@
                       </a:endParaRPr>
                     </a:p>
                   </a:txBody>
-                  <a:tcPr marL="5717" marR="5717" marT="0" marB="0">
+                  <a:tcPr marL="4955" marR="4955" marT="0" marB="0">
                     <a:noFill/>
                   </a:tcPr>
                 </a:tc>
@@ -8781,7 +8985,7 @@
                   </a:ext>
                 </a:extLst>
               </a:tr>
-              <a:tr h="144444">
+              <a:tr h="134006">
                 <a:tc>
                   <a:txBody>
                     <a:bodyPr/>
@@ -8811,7 +9015,7 @@
                       </a:endParaRPr>
                     </a:p>
                   </a:txBody>
-                  <a:tcPr marL="5717" marR="5717" marT="0" marB="0">
+                  <a:tcPr marL="4955" marR="4955" marT="0" marB="0">
                     <a:noFill/>
                   </a:tcPr>
                 </a:tc>
@@ -8844,7 +9048,7 @@
                       </a:endParaRPr>
                     </a:p>
                   </a:txBody>
-                  <a:tcPr marL="5717" marR="5717" marT="0" marB="0">
+                  <a:tcPr marL="4955" marR="4955" marT="0" marB="0">
                     <a:noFill/>
                   </a:tcPr>
                 </a:tc>
@@ -8854,7 +9058,7 @@
                   </a:ext>
                 </a:extLst>
               </a:tr>
-              <a:tr h="144444">
+              <a:tr h="134006">
                 <a:tc>
                   <a:txBody>
                     <a:bodyPr/>
@@ -8884,7 +9088,7 @@
                       </a:endParaRPr>
                     </a:p>
                   </a:txBody>
-                  <a:tcPr marL="5717" marR="5717" marT="0" marB="0">
+                  <a:tcPr marL="4955" marR="4955" marT="0" marB="0">
                     <a:noFill/>
                   </a:tcPr>
                 </a:tc>
@@ -8917,7 +9121,7 @@
                       </a:endParaRPr>
                     </a:p>
                   </a:txBody>
-                  <a:tcPr marL="5717" marR="5717" marT="0" marB="0">
+                  <a:tcPr marL="4955" marR="4955" marT="0" marB="0">
                     <a:noFill/>
                   </a:tcPr>
                 </a:tc>
@@ -8927,7 +9131,7 @@
                   </a:ext>
                 </a:extLst>
               </a:tr>
-              <a:tr h="144444">
+              <a:tr h="134006">
                 <a:tc>
                   <a:txBody>
                     <a:bodyPr/>
@@ -8957,7 +9161,7 @@
                       </a:endParaRPr>
                     </a:p>
                   </a:txBody>
-                  <a:tcPr marL="5717" marR="5717" marT="0" marB="0">
+                  <a:tcPr marL="4955" marR="4955" marT="0" marB="0">
                     <a:noFill/>
                   </a:tcPr>
                 </a:tc>
@@ -8990,7 +9194,7 @@
                       </a:endParaRPr>
                     </a:p>
                   </a:txBody>
-                  <a:tcPr marL="5717" marR="5717" marT="0" marB="0">
+                  <a:tcPr marL="4955" marR="4955" marT="0" marB="0">
                     <a:noFill/>
                   </a:tcPr>
                 </a:tc>
@@ -9000,7 +9204,7 @@
                   </a:ext>
                 </a:extLst>
               </a:tr>
-              <a:tr h="144444">
+              <a:tr h="134006">
                 <a:tc>
                   <a:txBody>
                     <a:bodyPr/>
@@ -9030,7 +9234,7 @@
                       </a:endParaRPr>
                     </a:p>
                   </a:txBody>
-                  <a:tcPr marL="5717" marR="5717" marT="0" marB="0">
+                  <a:tcPr marL="4955" marR="4955" marT="0" marB="0">
                     <a:noFill/>
                   </a:tcPr>
                 </a:tc>
@@ -9063,7 +9267,7 @@
                       </a:endParaRPr>
                     </a:p>
                   </a:txBody>
-                  <a:tcPr marL="5717" marR="5717" marT="0" marB="0">
+                  <a:tcPr marL="4955" marR="4955" marT="0" marB="0">
                     <a:noFill/>
                   </a:tcPr>
                 </a:tc>
@@ -9073,7 +9277,7 @@
                   </a:ext>
                 </a:extLst>
               </a:tr>
-              <a:tr h="144444">
+              <a:tr h="134006">
                 <a:tc>
                   <a:txBody>
                     <a:bodyPr/>
@@ -9103,7 +9307,7 @@
                       </a:endParaRPr>
                     </a:p>
                   </a:txBody>
-                  <a:tcPr marL="5717" marR="5717" marT="0" marB="0">
+                  <a:tcPr marL="4955" marR="4955" marT="0" marB="0">
                     <a:noFill/>
                   </a:tcPr>
                 </a:tc>
@@ -9136,7 +9340,7 @@
                       </a:endParaRPr>
                     </a:p>
                   </a:txBody>
-                  <a:tcPr marL="5717" marR="5717" marT="0" marB="0">
+                  <a:tcPr marL="4955" marR="4955" marT="0" marB="0">
                     <a:noFill/>
                   </a:tcPr>
                 </a:tc>
@@ -9146,7 +9350,7 @@
                   </a:ext>
                 </a:extLst>
               </a:tr>
-              <a:tr h="144444">
+              <a:tr h="134006">
                 <a:tc>
                   <a:txBody>
                     <a:bodyPr/>
@@ -9176,7 +9380,7 @@
                       </a:endParaRPr>
                     </a:p>
                   </a:txBody>
-                  <a:tcPr marL="5717" marR="5717" marT="0" marB="0">
+                  <a:tcPr marL="4955" marR="4955" marT="0" marB="0">
                     <a:noFill/>
                   </a:tcPr>
                 </a:tc>
@@ -9209,7 +9413,7 @@
                       </a:endParaRPr>
                     </a:p>
                   </a:txBody>
-                  <a:tcPr marL="5717" marR="5717" marT="0" marB="0">
+                  <a:tcPr marL="4955" marR="4955" marT="0" marB="0">
                     <a:noFill/>
                   </a:tcPr>
                 </a:tc>
@@ -9219,7 +9423,7 @@
                   </a:ext>
                 </a:extLst>
               </a:tr>
-              <a:tr h="144444">
+              <a:tr h="134006">
                 <a:tc>
                   <a:txBody>
                     <a:bodyPr/>
@@ -9249,7 +9453,7 @@
                       </a:endParaRPr>
                     </a:p>
                   </a:txBody>
-                  <a:tcPr marL="5717" marR="5717" marT="0" marB="0">
+                  <a:tcPr marL="4955" marR="4955" marT="0" marB="0">
                     <a:noFill/>
                   </a:tcPr>
                 </a:tc>
@@ -9282,7 +9486,7 @@
                       </a:endParaRPr>
                     </a:p>
                   </a:txBody>
-                  <a:tcPr marL="5717" marR="5717" marT="0" marB="0">
+                  <a:tcPr marL="4955" marR="4955" marT="0" marB="0">
                     <a:noFill/>
                   </a:tcPr>
                 </a:tc>
@@ -9292,7 +9496,7 @@
                   </a:ext>
                 </a:extLst>
               </a:tr>
-              <a:tr h="144444">
+              <a:tr h="134006">
                 <a:tc>
                   <a:txBody>
                     <a:bodyPr/>
@@ -9322,7 +9526,7 @@
                       </a:endParaRPr>
                     </a:p>
                   </a:txBody>
-                  <a:tcPr marL="5717" marR="5717" marT="0" marB="0">
+                  <a:tcPr marL="4955" marR="4955" marT="0" marB="0">
                     <a:noFill/>
                   </a:tcPr>
                 </a:tc>
@@ -9355,7 +9559,7 @@
                       </a:endParaRPr>
                     </a:p>
                   </a:txBody>
-                  <a:tcPr marL="5717" marR="5717" marT="0" marB="0">
+                  <a:tcPr marL="4955" marR="4955" marT="0" marB="0">
                     <a:noFill/>
                   </a:tcPr>
                 </a:tc>
@@ -9365,7 +9569,7 @@
                   </a:ext>
                 </a:extLst>
               </a:tr>
-              <a:tr h="144444">
+              <a:tr h="134006">
                 <a:tc>
                   <a:txBody>
                     <a:bodyPr/>
@@ -9395,7 +9599,7 @@
                       </a:endParaRPr>
                     </a:p>
                   </a:txBody>
-                  <a:tcPr marL="5717" marR="5717" marT="0" marB="0">
+                  <a:tcPr marL="4955" marR="4955" marT="0" marB="0">
                     <a:noFill/>
                   </a:tcPr>
                 </a:tc>
@@ -9444,7 +9648,7 @@
                       </a:endParaRPr>
                     </a:p>
                   </a:txBody>
-                  <a:tcPr marL="5717" marR="5717" marT="0" marB="0">
+                  <a:tcPr marL="4955" marR="4955" marT="0" marB="0">
                     <a:noFill/>
                   </a:tcPr>
                 </a:tc>
@@ -9454,7 +9658,7 @@
                   </a:ext>
                 </a:extLst>
               </a:tr>
-              <a:tr h="144444">
+              <a:tr h="134006">
                 <a:tc>
                   <a:txBody>
                     <a:bodyPr/>
@@ -9484,7 +9688,7 @@
                       </a:endParaRPr>
                     </a:p>
                   </a:txBody>
-                  <a:tcPr marL="5717" marR="5717" marT="0" marB="0">
+                  <a:tcPr marL="4955" marR="4955" marT="0" marB="0">
                     <a:noFill/>
                   </a:tcPr>
                 </a:tc>
@@ -9517,7 +9721,7 @@
                       </a:endParaRPr>
                     </a:p>
                   </a:txBody>
-                  <a:tcPr marL="5717" marR="5717" marT="0" marB="0">
+                  <a:tcPr marL="4955" marR="4955" marT="0" marB="0">
                     <a:noFill/>
                   </a:tcPr>
                 </a:tc>
@@ -9527,7 +9731,7 @@
                   </a:ext>
                 </a:extLst>
               </a:tr>
-              <a:tr h="144444">
+              <a:tr h="134006">
                 <a:tc>
                   <a:txBody>
                     <a:bodyPr/>
@@ -9557,7 +9761,7 @@
                       </a:endParaRPr>
                     </a:p>
                   </a:txBody>
-                  <a:tcPr marL="5717" marR="5717" marT="0" marB="0">
+                  <a:tcPr marL="4955" marR="4955" marT="0" marB="0">
                     <a:noFill/>
                   </a:tcPr>
                 </a:tc>
@@ -9590,7 +9794,7 @@
                       </a:endParaRPr>
                     </a:p>
                   </a:txBody>
-                  <a:tcPr marL="5717" marR="5717" marT="0" marB="0">
+                  <a:tcPr marL="4955" marR="4955" marT="0" marB="0">
                     <a:noFill/>
                   </a:tcPr>
                 </a:tc>
@@ -9600,7 +9804,7 @@
                   </a:ext>
                 </a:extLst>
               </a:tr>
-              <a:tr h="144444">
+              <a:tr h="134006">
                 <a:tc>
                   <a:txBody>
                     <a:bodyPr/>
@@ -9630,7 +9834,7 @@
                       </a:endParaRPr>
                     </a:p>
                   </a:txBody>
-                  <a:tcPr marL="5717" marR="5717" marT="0" marB="0">
+                  <a:tcPr marL="4955" marR="4955" marT="0" marB="0">
                     <a:noFill/>
                   </a:tcPr>
                 </a:tc>
@@ -9679,7 +9883,7 @@
                       </a:endParaRPr>
                     </a:p>
                   </a:txBody>
-                  <a:tcPr marL="5717" marR="5717" marT="0" marB="0">
+                  <a:tcPr marL="4955" marR="4955" marT="0" marB="0">
                     <a:noFill/>
                   </a:tcPr>
                 </a:tc>
@@ -9689,7 +9893,7 @@
                   </a:ext>
                 </a:extLst>
               </a:tr>
-              <a:tr h="144444">
+              <a:tr h="134006">
                 <a:tc>
                   <a:txBody>
                     <a:bodyPr/>
@@ -9719,7 +9923,7 @@
                       </a:endParaRPr>
                     </a:p>
                   </a:txBody>
-                  <a:tcPr marL="5717" marR="5717" marT="0" marB="0">
+                  <a:tcPr marL="4955" marR="4955" marT="0" marB="0">
                     <a:noFill/>
                   </a:tcPr>
                 </a:tc>
@@ -9752,7 +9956,7 @@
                       </a:endParaRPr>
                     </a:p>
                   </a:txBody>
-                  <a:tcPr marL="5717" marR="5717" marT="0" marB="0">
+                  <a:tcPr marL="4955" marR="4955" marT="0" marB="0">
                     <a:noFill/>
                   </a:tcPr>
                 </a:tc>
@@ -9762,7 +9966,7 @@
                   </a:ext>
                 </a:extLst>
               </a:tr>
-              <a:tr h="144444">
+              <a:tr h="134006">
                 <a:tc>
                   <a:txBody>
                     <a:bodyPr/>
@@ -9792,7 +9996,7 @@
                       </a:endParaRPr>
                     </a:p>
                   </a:txBody>
-                  <a:tcPr marL="5717" marR="5717" marT="0" marB="0">
+                  <a:tcPr marL="4955" marR="4955" marT="0" marB="0">
                     <a:noFill/>
                   </a:tcPr>
                 </a:tc>
@@ -9825,7 +10029,7 @@
                       </a:endParaRPr>
                     </a:p>
                   </a:txBody>
-                  <a:tcPr marL="5717" marR="5717" marT="0" marB="0">
+                  <a:tcPr marL="4955" marR="4955" marT="0" marB="0">
                     <a:noFill/>
                   </a:tcPr>
                 </a:tc>
@@ -9835,7 +10039,7 @@
                   </a:ext>
                 </a:extLst>
               </a:tr>
-              <a:tr h="144444">
+              <a:tr h="134006">
                 <a:tc>
                   <a:txBody>
                     <a:bodyPr/>
@@ -9865,7 +10069,7 @@
                       </a:endParaRPr>
                     </a:p>
                   </a:txBody>
-                  <a:tcPr marL="5717" marR="5717" marT="0" marB="0">
+                  <a:tcPr marL="4955" marR="4955" marT="0" marB="0">
                     <a:noFill/>
                   </a:tcPr>
                 </a:tc>
@@ -9898,7 +10102,7 @@
                       </a:endParaRPr>
                     </a:p>
                   </a:txBody>
-                  <a:tcPr marL="5717" marR="5717" marT="0" marB="0">
+                  <a:tcPr marL="4955" marR="4955" marT="0" marB="0">
                     <a:noFill/>
                   </a:tcPr>
                 </a:tc>
@@ -9908,7 +10112,7 @@
                   </a:ext>
                 </a:extLst>
               </a:tr>
-              <a:tr h="144444">
+              <a:tr h="134006">
                 <a:tc>
                   <a:txBody>
                     <a:bodyPr/>
@@ -9938,7 +10142,7 @@
                       </a:endParaRPr>
                     </a:p>
                   </a:txBody>
-                  <a:tcPr marL="5717" marR="5717" marT="0" marB="0">
+                  <a:tcPr marL="4955" marR="4955" marT="0" marB="0">
                     <a:noFill/>
                   </a:tcPr>
                 </a:tc>
@@ -9971,7 +10175,7 @@
                       </a:endParaRPr>
                     </a:p>
                   </a:txBody>
-                  <a:tcPr marL="5717" marR="5717" marT="0" marB="0">
+                  <a:tcPr marL="4955" marR="4955" marT="0" marB="0">
                     <a:noFill/>
                   </a:tcPr>
                 </a:tc>
@@ -9981,7 +10185,7 @@
                   </a:ext>
                 </a:extLst>
               </a:tr>
-              <a:tr h="144444">
+              <a:tr h="134006">
                 <a:tc>
                   <a:txBody>
                     <a:bodyPr/>
@@ -10011,7 +10215,7 @@
                       </a:endParaRPr>
                     </a:p>
                   </a:txBody>
-                  <a:tcPr marL="5717" marR="5717" marT="0" marB="0">
+                  <a:tcPr marL="4955" marR="4955" marT="0" marB="0">
                     <a:noFill/>
                   </a:tcPr>
                 </a:tc>
@@ -10044,7 +10248,7 @@
                       </a:endParaRPr>
                     </a:p>
                   </a:txBody>
-                  <a:tcPr marL="5717" marR="5717" marT="0" marB="0">
+                  <a:tcPr marL="4955" marR="4955" marT="0" marB="0">
                     <a:noFill/>
                   </a:tcPr>
                 </a:tc>
@@ -10054,7 +10258,7 @@
                   </a:ext>
                 </a:extLst>
               </a:tr>
-              <a:tr h="144444">
+              <a:tr h="134006">
                 <a:tc>
                   <a:txBody>
                     <a:bodyPr/>
@@ -10084,7 +10288,7 @@
                       </a:endParaRPr>
                     </a:p>
                   </a:txBody>
-                  <a:tcPr marL="5717" marR="5717" marT="0" marB="0">
+                  <a:tcPr marL="4955" marR="4955" marT="0" marB="0">
                     <a:noFill/>
                   </a:tcPr>
                 </a:tc>
@@ -10117,7 +10321,7 @@
                       </a:endParaRPr>
                     </a:p>
                   </a:txBody>
-                  <a:tcPr marL="5717" marR="5717" marT="0" marB="0">
+                  <a:tcPr marL="4955" marR="4955" marT="0" marB="0">
                     <a:noFill/>
                   </a:tcPr>
                 </a:tc>
@@ -10127,7 +10331,7 @@
                   </a:ext>
                 </a:extLst>
               </a:tr>
-              <a:tr h="144444">
+              <a:tr h="134006">
                 <a:tc>
                   <a:txBody>
                     <a:bodyPr/>
@@ -10157,7 +10361,7 @@
                       </a:endParaRPr>
                     </a:p>
                   </a:txBody>
-                  <a:tcPr marL="5717" marR="5717" marT="0" marB="0">
+                  <a:tcPr marL="4955" marR="4955" marT="0" marB="0">
                     <a:noFill/>
                   </a:tcPr>
                 </a:tc>
@@ -10190,7 +10394,7 @@
                       </a:endParaRPr>
                     </a:p>
                   </a:txBody>
-                  <a:tcPr marL="5717" marR="5717" marT="0" marB="0">
+                  <a:tcPr marL="4955" marR="4955" marT="0" marB="0">
                     <a:noFill/>
                   </a:tcPr>
                 </a:tc>
@@ -10200,7 +10404,7 @@
                   </a:ext>
                 </a:extLst>
               </a:tr>
-              <a:tr h="144444">
+              <a:tr h="134006">
                 <a:tc>
                   <a:txBody>
                     <a:bodyPr/>
@@ -10230,7 +10434,7 @@
                       </a:endParaRPr>
                     </a:p>
                   </a:txBody>
-                  <a:tcPr marL="5717" marR="5717" marT="0" marB="0">
+                  <a:tcPr marL="4955" marR="4955" marT="0" marB="0">
                     <a:noFill/>
                   </a:tcPr>
                 </a:tc>
@@ -10271,7 +10475,7 @@
                       </a:endParaRPr>
                     </a:p>
                   </a:txBody>
-                  <a:tcPr marL="5717" marR="5717" marT="0" marB="0">
+                  <a:tcPr marL="4955" marR="4955" marT="0" marB="0">
                     <a:noFill/>
                   </a:tcPr>
                 </a:tc>
@@ -10281,7 +10485,7 @@
                   </a:ext>
                 </a:extLst>
               </a:tr>
-              <a:tr h="144444">
+              <a:tr h="134006">
                 <a:tc>
                   <a:txBody>
                     <a:bodyPr/>
@@ -10311,7 +10515,7 @@
                       </a:endParaRPr>
                     </a:p>
                   </a:txBody>
-                  <a:tcPr marL="5717" marR="5717" marT="0" marB="0">
+                  <a:tcPr marL="4955" marR="4955" marT="0" marB="0">
                     <a:noFill/>
                   </a:tcPr>
                 </a:tc>
@@ -10344,7 +10548,7 @@
                       </a:endParaRPr>
                     </a:p>
                   </a:txBody>
-                  <a:tcPr marL="5717" marR="5717" marT="0" marB="0">
+                  <a:tcPr marL="4955" marR="4955" marT="0" marB="0">
                     <a:noFill/>
                   </a:tcPr>
                 </a:tc>
@@ -10354,37 +10558,37 @@
                   </a:ext>
                 </a:extLst>
               </a:tr>
-              <a:tr h="144444">
-                <a:tc>
-                  <a:txBody>
-                    <a:bodyPr/>
-                    <a:lstStyle/>
-                    <a:p>
-                      <a:pPr marL="0" marR="0" algn="ctr">
-                        <a:spcBef>
-                          <a:spcPts val="0"/>
-                        </a:spcBef>
-                        <a:spcAft>
-                          <a:spcPts val="300"/>
-                        </a:spcAft>
-                      </a:pPr>
-                      <a:r>
-                        <a:rPr lang="en-US" sz="900">
+              <a:tr h="134006">
+                <a:tc>
+                  <a:txBody>
+                    <a:bodyPr/>
+                    <a:lstStyle/>
+                    <a:p>
+                      <a:pPr marL="0" marR="0" algn="ctr">
+                        <a:spcBef>
+                          <a:spcPts val="0"/>
+                        </a:spcBef>
+                        <a:spcAft>
+                          <a:spcPts val="300"/>
+                        </a:spcAft>
+                      </a:pPr>
+                      <a:r>
+                        <a:rPr lang="en-US" sz="900" dirty="0" err="1">
                           <a:effectLst/>
                           <a:latin typeface="Times New Roman" panose="02020603050405020304" pitchFamily="18" charset="0"/>
                           <a:cs typeface="Times New Roman" panose="02020603050405020304" pitchFamily="18" charset="0"/>
                         </a:rPr>
                         <a:t>Taolognaro</a:t>
                       </a:r>
-                      <a:endParaRPr lang="en-US" sz="900">
-                        <a:effectLst/>
-                        <a:latin typeface="Times New Roman" panose="02020603050405020304" pitchFamily="18" charset="0"/>
-                        <a:ea typeface="Cambria" panose="02040503050406030204" pitchFamily="18" charset="0"/>
-                        <a:cs typeface="Times New Roman" panose="02020603050405020304" pitchFamily="18" charset="0"/>
-                      </a:endParaRPr>
-                    </a:p>
-                  </a:txBody>
-                  <a:tcPr marL="5717" marR="5717" marT="0" marB="0">
+                      <a:endParaRPr lang="en-US" sz="900" dirty="0">
+                        <a:effectLst/>
+                        <a:latin typeface="Times New Roman" panose="02020603050405020304" pitchFamily="18" charset="0"/>
+                        <a:ea typeface="Cambria" panose="02040503050406030204" pitchFamily="18" charset="0"/>
+                        <a:cs typeface="Times New Roman" panose="02020603050405020304" pitchFamily="18" charset="0"/>
+                      </a:endParaRPr>
+                    </a:p>
+                  </a:txBody>
+                  <a:tcPr marL="4955" marR="4955" marT="0" marB="0">
                     <a:noFill/>
                   </a:tcPr>
                 </a:tc>
@@ -10417,7 +10621,7 @@
                       </a:endParaRPr>
                     </a:p>
                   </a:txBody>
-                  <a:tcPr marL="5717" marR="5717" marT="0" marB="0">
+                  <a:tcPr marL="4955" marR="4955" marT="0" marB="0">
                     <a:noFill/>
                   </a:tcPr>
                 </a:tc>
@@ -10427,7 +10631,7 @@
                   </a:ext>
                 </a:extLst>
               </a:tr>
-              <a:tr h="144444">
+              <a:tr h="134006">
                 <a:tc>
                   <a:txBody>
                     <a:bodyPr/>
@@ -10457,7 +10661,7 @@
                       </a:endParaRPr>
                     </a:p>
                   </a:txBody>
-                  <a:tcPr marL="5717" marR="5717" marT="0" marB="0">
+                  <a:tcPr marL="4955" marR="4955" marT="0" marB="0">
                     <a:noFill/>
                   </a:tcPr>
                 </a:tc>
@@ -10490,7 +10694,7 @@
                       </a:endParaRPr>
                     </a:p>
                   </a:txBody>
-                  <a:tcPr marL="5717" marR="5717" marT="0" marB="0">
+                  <a:tcPr marL="4955" marR="4955" marT="0" marB="0">
                     <a:noFill/>
                   </a:tcPr>
                 </a:tc>
@@ -10500,7 +10704,7 @@
                   </a:ext>
                 </a:extLst>
               </a:tr>
-              <a:tr h="144444">
+              <a:tr h="134006">
                 <a:tc>
                   <a:txBody>
                     <a:bodyPr/>
@@ -10530,7 +10734,7 @@
                       </a:endParaRPr>
                     </a:p>
                   </a:txBody>
-                  <a:tcPr marL="5717" marR="5717" marT="0" marB="0">
+                  <a:tcPr marL="4955" marR="4955" marT="0" marB="0">
                     <a:noFill/>
                   </a:tcPr>
                 </a:tc>
@@ -10563,7 +10767,7 @@
                       </a:endParaRPr>
                     </a:p>
                   </a:txBody>
-                  <a:tcPr marL="5717" marR="5717" marT="0" marB="0">
+                  <a:tcPr marL="4955" marR="4955" marT="0" marB="0">
                     <a:noFill/>
                   </a:tcPr>
                 </a:tc>
@@ -10573,7 +10777,7 @@
                   </a:ext>
                 </a:extLst>
               </a:tr>
-              <a:tr h="144444">
+              <a:tr h="134006">
                 <a:tc>
                   <a:txBody>
                     <a:bodyPr/>
@@ -10603,7 +10807,7 @@
                       </a:endParaRPr>
                     </a:p>
                   </a:txBody>
-                  <a:tcPr marL="5717" marR="5717" marT="0" marB="0">
+                  <a:tcPr marL="4955" marR="4955" marT="0" marB="0">
                     <a:noFill/>
                   </a:tcPr>
                 </a:tc>
@@ -10636,7 +10840,7 @@
                       </a:endParaRPr>
                     </a:p>
                   </a:txBody>
-                  <a:tcPr marL="5717" marR="5717" marT="0" marB="0">
+                  <a:tcPr marL="4955" marR="4955" marT="0" marB="0">
                     <a:noFill/>
                   </a:tcPr>
                 </a:tc>
@@ -10646,7 +10850,7 @@
                   </a:ext>
                 </a:extLst>
               </a:tr>
-              <a:tr h="144444">
+              <a:tr h="134006">
                 <a:tc>
                   <a:txBody>
                     <a:bodyPr/>
@@ -10676,7 +10880,7 @@
                       </a:endParaRPr>
                     </a:p>
                   </a:txBody>
-                  <a:tcPr marL="5717" marR="5717" marT="0" marB="0">
+                  <a:tcPr marL="4955" marR="4955" marT="0" marB="0">
                     <a:noFill/>
                   </a:tcPr>
                 </a:tc>
@@ -10709,7 +10913,7 @@
                       </a:endParaRPr>
                     </a:p>
                   </a:txBody>
-                  <a:tcPr marL="5717" marR="5717" marT="0" marB="0">
+                  <a:tcPr marL="4955" marR="4955" marT="0" marB="0">
                     <a:noFill/>
                   </a:tcPr>
                 </a:tc>
@@ -10719,7 +10923,7 @@
                   </a:ext>
                 </a:extLst>
               </a:tr>
-              <a:tr h="144444">
+              <a:tr h="134006">
                 <a:tc>
                   <a:txBody>
                     <a:bodyPr/>
@@ -10749,7 +10953,7 @@
                       </a:endParaRPr>
                     </a:p>
                   </a:txBody>
-                  <a:tcPr marL="5717" marR="5717" marT="0" marB="0">
+                  <a:tcPr marL="4955" marR="4955" marT="0" marB="0">
                     <a:noFill/>
                   </a:tcPr>
                 </a:tc>
@@ -10790,7 +10994,7 @@
                       </a:endParaRPr>
                     </a:p>
                   </a:txBody>
-                  <a:tcPr marL="5717" marR="5717" marT="0" marB="0">
+                  <a:tcPr marL="4955" marR="4955" marT="0" marB="0">
                     <a:noFill/>
                   </a:tcPr>
                 </a:tc>
@@ -10800,7 +11004,7 @@
                   </a:ext>
                 </a:extLst>
               </a:tr>
-              <a:tr h="144444">
+              <a:tr h="134006">
                 <a:tc>
                   <a:txBody>
                     <a:bodyPr/>
@@ -10830,7 +11034,7 @@
                       </a:endParaRPr>
                     </a:p>
                   </a:txBody>
-                  <a:tcPr marL="5717" marR="5717" marT="0" marB="0">
+                  <a:tcPr marL="4955" marR="4955" marT="0" marB="0">
                     <a:noFill/>
                   </a:tcPr>
                 </a:tc>
@@ -10863,7 +11067,7 @@
                       </a:endParaRPr>
                     </a:p>
                   </a:txBody>
-                  <a:tcPr marL="5717" marR="5717" marT="0" marB="0">
+                  <a:tcPr marL="4955" marR="4955" marT="0" marB="0">
                     <a:noFill/>
                   </a:tcPr>
                 </a:tc>
@@ -10873,7 +11077,7 @@
                   </a:ext>
                 </a:extLst>
               </a:tr>
-              <a:tr h="144444">
+              <a:tr h="134006">
                 <a:tc>
                   <a:txBody>
                     <a:bodyPr/>
@@ -10903,7 +11107,7 @@
                       </a:endParaRPr>
                     </a:p>
                   </a:txBody>
-                  <a:tcPr marL="5717" marR="5717" marT="0" marB="0">
+                  <a:tcPr marL="4955" marR="4955" marT="0" marB="0">
                     <a:noFill/>
                   </a:tcPr>
                 </a:tc>
@@ -10936,7 +11140,7 @@
                       </a:endParaRPr>
                     </a:p>
                   </a:txBody>
-                  <a:tcPr marL="5717" marR="5717" marT="0" marB="0">
+                  <a:tcPr marL="4955" marR="4955" marT="0" marB="0">
                     <a:noFill/>
                   </a:tcPr>
                 </a:tc>
@@ -10946,7 +11150,7 @@
                   </a:ext>
                 </a:extLst>
               </a:tr>
-              <a:tr h="144444">
+              <a:tr h="134006">
                 <a:tc>
                   <a:txBody>
                     <a:bodyPr/>
@@ -10976,7 +11180,7 @@
                       </a:endParaRPr>
                     </a:p>
                   </a:txBody>
-                  <a:tcPr marL="5717" marR="5717" marT="0" marB="0">
+                  <a:tcPr marL="4955" marR="4955" marT="0" marB="0">
                     <a:noFill/>
                   </a:tcPr>
                 </a:tc>
@@ -11025,7 +11229,7 @@
                       </a:endParaRPr>
                     </a:p>
                   </a:txBody>
-                  <a:tcPr marL="5717" marR="5717" marT="0" marB="0">
+                  <a:tcPr marL="4955" marR="4955" marT="0" marB="0">
                     <a:noFill/>
                   </a:tcPr>
                 </a:tc>
@@ -11035,7 +11239,7 @@
                   </a:ext>
                 </a:extLst>
               </a:tr>
-              <a:tr h="144444">
+              <a:tr h="134006">
                 <a:tc>
                   <a:txBody>
                     <a:bodyPr/>
@@ -11065,7 +11269,7 @@
                       </a:endParaRPr>
                     </a:p>
                   </a:txBody>
-                  <a:tcPr marL="5717" marR="5717" marT="0" marB="0">
+                  <a:tcPr marL="4955" marR="4955" marT="0" marB="0">
                     <a:noFill/>
                   </a:tcPr>
                 </a:tc>
@@ -11098,7 +11302,7 @@
                       </a:endParaRPr>
                     </a:p>
                   </a:txBody>
-                  <a:tcPr marL="5717" marR="5717" marT="0" marB="0">
+                  <a:tcPr marL="4955" marR="4955" marT="0" marB="0">
                     <a:noFill/>
                   </a:tcPr>
                 </a:tc>
@@ -11108,7 +11312,7 @@
                   </a:ext>
                 </a:extLst>
               </a:tr>
-              <a:tr h="144444">
+              <a:tr h="134006">
                 <a:tc>
                   <a:txBody>
                     <a:bodyPr/>
@@ -11138,7 +11342,7 @@
                       </a:endParaRPr>
                     </a:p>
                   </a:txBody>
-                  <a:tcPr marL="5717" marR="5717" marT="0" marB="0">
+                  <a:tcPr marL="4955" marR="4955" marT="0" marB="0">
                     <a:noFill/>
                   </a:tcPr>
                 </a:tc>
@@ -11171,7 +11375,7 @@
                       </a:endParaRPr>
                     </a:p>
                   </a:txBody>
-                  <a:tcPr marL="5717" marR="5717" marT="0" marB="0">
+                  <a:tcPr marL="4955" marR="4955" marT="0" marB="0">
                     <a:noFill/>
                   </a:tcPr>
                 </a:tc>
@@ -11181,143 +11385,70 @@
                   </a:ext>
                 </a:extLst>
               </a:tr>
-              <a:tr h="144444">
-                <a:tc>
-                  <a:txBody>
-                    <a:bodyPr/>
-                    <a:lstStyle/>
-                    <a:p>
-                      <a:pPr marL="0" marR="0" algn="ctr">
-                        <a:spcBef>
-                          <a:spcPts val="0"/>
-                        </a:spcBef>
-                        <a:spcAft>
-                          <a:spcPts val="300"/>
-                        </a:spcAft>
-                      </a:pPr>
-                      <a:r>
-                        <a:rPr lang="en-US" sz="900">
-                          <a:effectLst/>
-                          <a:latin typeface="Times New Roman" panose="02020603050405020304" pitchFamily="18" charset="0"/>
-                          <a:cs typeface="Times New Roman" panose="02020603050405020304" pitchFamily="18" charset="0"/>
-                        </a:rPr>
-                        <a:t>Tsiroanomandidy Ville</a:t>
-                      </a:r>
-                      <a:endParaRPr lang="en-US" sz="900">
-                        <a:effectLst/>
-                        <a:latin typeface="Times New Roman" panose="02020603050405020304" pitchFamily="18" charset="0"/>
-                        <a:ea typeface="Cambria" panose="02040503050406030204" pitchFamily="18" charset="0"/>
-                        <a:cs typeface="Times New Roman" panose="02020603050405020304" pitchFamily="18" charset="0"/>
-                      </a:endParaRPr>
-                    </a:p>
-                  </a:txBody>
-                  <a:tcPr marL="5717" marR="5717" marT="0" marB="0">
-                    <a:noFill/>
-                  </a:tcPr>
-                </a:tc>
-                <a:tc>
-                  <a:txBody>
-                    <a:bodyPr/>
-                    <a:lstStyle/>
-                    <a:p>
-                      <a:pPr marL="0" marR="0" algn="ctr">
-                        <a:spcBef>
-                          <a:spcPts val="0"/>
-                        </a:spcBef>
-                        <a:spcAft>
-                          <a:spcPts val="300"/>
-                        </a:spcAft>
-                      </a:pPr>
-                      <a:r>
-                        <a:rPr lang="en-US" sz="900">
-                          <a:effectLst/>
-                          <a:latin typeface="Times New Roman" panose="02020603050405020304" pitchFamily="18" charset="0"/>
-                          <a:cs typeface="Times New Roman" panose="02020603050405020304" pitchFamily="18" charset="0"/>
-                        </a:rPr>
-                        <a:t>Tsiroanomandidy Fihaonana</a:t>
-                      </a:r>
-                      <a:endParaRPr lang="en-US" sz="900">
-                        <a:effectLst/>
-                        <a:latin typeface="Times New Roman" panose="02020603050405020304" pitchFamily="18" charset="0"/>
-                        <a:ea typeface="Cambria" panose="02040503050406030204" pitchFamily="18" charset="0"/>
-                        <a:cs typeface="Times New Roman" panose="02020603050405020304" pitchFamily="18" charset="0"/>
-                      </a:endParaRPr>
-                    </a:p>
-                  </a:txBody>
-                  <a:tcPr marL="5717" marR="5717" marT="0" marB="0">
-                    <a:noFill/>
-                  </a:tcPr>
-                </a:tc>
-                <a:extLst>
-                  <a:ext uri="{0D108BD9-81ED-4DB2-BD59-A6C34878D82A}">
-                    <a16:rowId xmlns:a16="http://schemas.microsoft.com/office/drawing/2014/main" val="2029761618"/>
-                  </a:ext>
-                </a:extLst>
-              </a:tr>
-              <a:tr h="144444">
-                <a:tc>
-                  <a:txBody>
-                    <a:bodyPr/>
-                    <a:lstStyle/>
-                    <a:p>
-                      <a:pPr marL="0" marR="0" algn="ctr">
-                        <a:spcBef>
-                          <a:spcPts val="0"/>
-                        </a:spcBef>
-                        <a:spcAft>
-                          <a:spcPts val="300"/>
-                        </a:spcAft>
-                      </a:pPr>
-                      <a:r>
-                        <a:rPr lang="en-US" sz="900">
+              <a:tr h="134006">
+                <a:tc>
+                  <a:txBody>
+                    <a:bodyPr/>
+                    <a:lstStyle/>
+                    <a:p>
+                      <a:pPr marL="0" marR="0" algn="ctr">
+                        <a:spcBef>
+                          <a:spcPts val="0"/>
+                        </a:spcBef>
+                        <a:spcAft>
+                          <a:spcPts val="300"/>
+                        </a:spcAft>
+                      </a:pPr>
+                      <a:r>
+                        <a:rPr lang="en-US" sz="900" dirty="0" err="1">
                           <a:effectLst/>
                           <a:latin typeface="Times New Roman" panose="02020603050405020304" pitchFamily="18" charset="0"/>
                           <a:cs typeface="Times New Roman" panose="02020603050405020304" pitchFamily="18" charset="0"/>
                         </a:rPr>
                         <a:t>Vatolatsaky</a:t>
                       </a:r>
-                      <a:endParaRPr lang="en-US" sz="900">
-                        <a:effectLst/>
-                        <a:latin typeface="Times New Roman" panose="02020603050405020304" pitchFamily="18" charset="0"/>
-                        <a:ea typeface="Cambria" panose="02040503050406030204" pitchFamily="18" charset="0"/>
-                        <a:cs typeface="Times New Roman" panose="02020603050405020304" pitchFamily="18" charset="0"/>
-                      </a:endParaRPr>
-                    </a:p>
-                  </a:txBody>
-                  <a:tcPr marL="5717" marR="5717" marT="0" marB="0">
-                    <a:noFill/>
-                  </a:tcPr>
-                </a:tc>
-                <a:tc>
-                  <a:txBody>
-                    <a:bodyPr/>
-                    <a:lstStyle/>
-                    <a:p>
-                      <a:pPr marL="0" marR="0" algn="ctr">
-                        <a:spcBef>
-                          <a:spcPts val="0"/>
-                        </a:spcBef>
-                        <a:spcAft>
-                          <a:spcPts val="300"/>
-                        </a:spcAft>
-                      </a:pPr>
-                      <a:r>
-                        <a:rPr lang="en-US" sz="900">
+                      <a:endParaRPr lang="en-US" sz="900" dirty="0">
+                        <a:effectLst/>
+                        <a:latin typeface="Times New Roman" panose="02020603050405020304" pitchFamily="18" charset="0"/>
+                        <a:ea typeface="Cambria" panose="02040503050406030204" pitchFamily="18" charset="0"/>
+                        <a:cs typeface="Times New Roman" panose="02020603050405020304" pitchFamily="18" charset="0"/>
+                      </a:endParaRPr>
+                    </a:p>
+                  </a:txBody>
+                  <a:tcPr marL="4955" marR="4955" marT="0" marB="0">
+                    <a:noFill/>
+                  </a:tcPr>
+                </a:tc>
+                <a:tc>
+                  <a:txBody>
+                    <a:bodyPr/>
+                    <a:lstStyle/>
+                    <a:p>
+                      <a:pPr marL="0" marR="0" algn="ctr">
+                        <a:spcBef>
+                          <a:spcPts val="0"/>
+                        </a:spcBef>
+                        <a:spcAft>
+                          <a:spcPts val="300"/>
+                        </a:spcAft>
+                      </a:pPr>
+                      <a:r>
+                        <a:rPr lang="en-US" sz="900" dirty="0" err="1">
                           <a:effectLst/>
                           <a:latin typeface="Times New Roman" panose="02020603050405020304" pitchFamily="18" charset="0"/>
                           <a:cs typeface="Times New Roman" panose="02020603050405020304" pitchFamily="18" charset="0"/>
                         </a:rPr>
                         <a:t>Vatolatsaka</a:t>
                       </a:r>
-                      <a:endParaRPr lang="en-US" sz="900">
-                        <a:effectLst/>
-                        <a:latin typeface="Times New Roman" panose="02020603050405020304" pitchFamily="18" charset="0"/>
-                        <a:ea typeface="Cambria" panose="02040503050406030204" pitchFamily="18" charset="0"/>
-                        <a:cs typeface="Times New Roman" panose="02020603050405020304" pitchFamily="18" charset="0"/>
-                      </a:endParaRPr>
-                    </a:p>
-                  </a:txBody>
-                  <a:tcPr marL="5717" marR="5717" marT="0" marB="0">
+                      <a:endParaRPr lang="en-US" sz="900" dirty="0">
+                        <a:effectLst/>
+                        <a:latin typeface="Times New Roman" panose="02020603050405020304" pitchFamily="18" charset="0"/>
+                        <a:ea typeface="Cambria" panose="02040503050406030204" pitchFamily="18" charset="0"/>
+                        <a:cs typeface="Times New Roman" panose="02020603050405020304" pitchFamily="18" charset="0"/>
+                      </a:endParaRPr>
+                    </a:p>
+                  </a:txBody>
+                  <a:tcPr marL="4955" marR="4955" marT="0" marB="0">
                     <a:noFill/>
                   </a:tcPr>
                 </a:tc>
@@ -11327,7 +11458,7 @@
                   </a:ext>
                 </a:extLst>
               </a:tr>
-              <a:tr h="144444">
+              <a:tr h="134006">
                 <a:tc>
                   <a:txBody>
                     <a:bodyPr/>
@@ -11357,7 +11488,7 @@
                       </a:endParaRPr>
                     </a:p>
                   </a:txBody>
-                  <a:tcPr marL="5717" marR="5717" marT="0" marB="0">
+                  <a:tcPr marL="4955" marR="4955" marT="0" marB="0">
                     <a:noFill/>
                   </a:tcPr>
                 </a:tc>
@@ -11390,7 +11521,7 @@
                       </a:endParaRPr>
                     </a:p>
                   </a:txBody>
-                  <a:tcPr marL="5717" marR="5717" marT="0" marB="0">
+                  <a:tcPr marL="4955" marR="4955" marT="0" marB="0">
                     <a:noFill/>
                   </a:tcPr>
                 </a:tc>
@@ -11400,7 +11531,7 @@
                   </a:ext>
                 </a:extLst>
               </a:tr>
-              <a:tr h="144444">
+              <a:tr h="134006">
                 <a:tc>
                   <a:txBody>
                     <a:bodyPr/>
@@ -11430,7 +11561,7 @@
                       </a:endParaRPr>
                     </a:p>
                   </a:txBody>
-                  <a:tcPr marL="5717" marR="5717" marT="0" marB="0">
+                  <a:tcPr marL="4955" marR="4955" marT="0" marB="0">
                     <a:noFill/>
                   </a:tcPr>
                 </a:tc>
@@ -11463,7 +11594,7 @@
                       </a:endParaRPr>
                     </a:p>
                   </a:txBody>
-                  <a:tcPr marL="5717" marR="5717" marT="0" marB="0">
+                  <a:tcPr marL="4955" marR="4955" marT="0" marB="0">
                     <a:noFill/>
                   </a:tcPr>
                 </a:tc>
@@ -11473,7 +11604,7 @@
                   </a:ext>
                 </a:extLst>
               </a:tr>
-              <a:tr h="144444">
+              <a:tr h="134006">
                 <a:tc>
                   <a:txBody>
                     <a:bodyPr/>
@@ -11503,7 +11634,7 @@
                       </a:endParaRPr>
                     </a:p>
                   </a:txBody>
-                  <a:tcPr marL="5717" marR="5717" marT="0" marB="0">
+                  <a:tcPr marL="4955" marR="4955" marT="0" marB="0">
                     <a:noFill/>
                   </a:tcPr>
                 </a:tc>
@@ -11536,7 +11667,7 @@
                       </a:endParaRPr>
                     </a:p>
                   </a:txBody>
-                  <a:tcPr marL="5717" marR="5717" marT="0" marB="0">
+                  <a:tcPr marL="4955" marR="4955" marT="0" marB="0">
                     <a:noFill/>
                   </a:tcPr>
                 </a:tc>
@@ -11546,37 +11677,37 @@
                   </a:ext>
                 </a:extLst>
               </a:tr>
-              <a:tr h="144444">
-                <a:tc>
-                  <a:txBody>
-                    <a:bodyPr/>
-                    <a:lstStyle/>
-                    <a:p>
-                      <a:pPr marL="0" marR="0" algn="ctr">
-                        <a:spcBef>
-                          <a:spcPts val="0"/>
-                        </a:spcBef>
-                        <a:spcAft>
-                          <a:spcPts val="300"/>
-                        </a:spcAft>
-                      </a:pPr>
-                      <a:r>
-                        <a:rPr lang="en-US" sz="900">
+              <a:tr h="134006">
+                <a:tc>
+                  <a:txBody>
+                    <a:bodyPr/>
+                    <a:lstStyle/>
+                    <a:p>
+                      <a:pPr marL="0" marR="0" algn="ctr">
+                        <a:spcBef>
+                          <a:spcPts val="0"/>
+                        </a:spcBef>
+                        <a:spcAft>
+                          <a:spcPts val="300"/>
+                        </a:spcAft>
+                      </a:pPr>
+                      <a:r>
+                        <a:rPr lang="en-US" sz="900" dirty="0" err="1">
                           <a:effectLst/>
                           <a:latin typeface="Times New Roman" panose="02020603050405020304" pitchFamily="18" charset="0"/>
                           <a:cs typeface="Times New Roman" panose="02020603050405020304" pitchFamily="18" charset="0"/>
                         </a:rPr>
                         <a:t>Zomabealoka</a:t>
                       </a:r>
-                      <a:endParaRPr lang="en-US" sz="900">
-                        <a:effectLst/>
-                        <a:latin typeface="Times New Roman" panose="02020603050405020304" pitchFamily="18" charset="0"/>
-                        <a:ea typeface="Cambria" panose="02040503050406030204" pitchFamily="18" charset="0"/>
-                        <a:cs typeface="Times New Roman" panose="02020603050405020304" pitchFamily="18" charset="0"/>
-                      </a:endParaRPr>
-                    </a:p>
-                  </a:txBody>
-                  <a:tcPr marL="5717" marR="5717" marT="0" marB="0">
+                      <a:endParaRPr lang="en-US" sz="900" dirty="0">
+                        <a:effectLst/>
+                        <a:latin typeface="Times New Roman" panose="02020603050405020304" pitchFamily="18" charset="0"/>
+                        <a:ea typeface="Cambria" panose="02040503050406030204" pitchFamily="18" charset="0"/>
+                        <a:cs typeface="Times New Roman" panose="02020603050405020304" pitchFamily="18" charset="0"/>
+                      </a:endParaRPr>
+                    </a:p>
+                  </a:txBody>
+                  <a:tcPr marL="4955" marR="4955" marT="0" marB="0">
                     <a:lnB w="28575" cap="flat" cmpd="sng" algn="ctr">
                       <a:solidFill>
                         <a:schemeClr val="tx1"/>
@@ -11634,7 +11765,7 @@
                       </a:endParaRPr>
                     </a:p>
                   </a:txBody>
-                  <a:tcPr marL="5717" marR="5717" marT="0" marB="0">
+                  <a:tcPr marL="4955" marR="4955" marT="0" marB="0">
                     <a:lnB w="28575" cap="flat" cmpd="sng" algn="ctr">
                       <a:solidFill>
                         <a:schemeClr val="tx1"/>
